--- a/Tesis/Presentaciones/Seminario_Maden_.pptx
+++ b/Tesis/Presentaciones/Seminario_Maden_.pptx
@@ -15,65 +15,61 @@
     <p:sldId id="343" r:id="rId9"/>
     <p:sldId id="344" r:id="rId10"/>
     <p:sldId id="260" r:id="rId11"/>
-    <p:sldId id="285" r:id="rId12"/>
-    <p:sldId id="347" r:id="rId13"/>
-    <p:sldId id="348" r:id="rId14"/>
-    <p:sldId id="289" r:id="rId15"/>
-    <p:sldId id="290" r:id="rId16"/>
-    <p:sldId id="291" r:id="rId17"/>
-    <p:sldId id="292" r:id="rId18"/>
-    <p:sldId id="261" r:id="rId19"/>
-    <p:sldId id="268" r:id="rId20"/>
-    <p:sldId id="269" r:id="rId21"/>
-    <p:sldId id="270" r:id="rId22"/>
-    <p:sldId id="271" r:id="rId23"/>
-    <p:sldId id="272" r:id="rId24"/>
-    <p:sldId id="274" r:id="rId25"/>
-    <p:sldId id="276" r:id="rId26"/>
-    <p:sldId id="277" r:id="rId27"/>
-    <p:sldId id="279" r:id="rId28"/>
-    <p:sldId id="280" r:id="rId29"/>
-    <p:sldId id="309" r:id="rId30"/>
-    <p:sldId id="298" r:id="rId31"/>
-    <p:sldId id="262" r:id="rId32"/>
-    <p:sldId id="317" r:id="rId33"/>
-    <p:sldId id="315" r:id="rId34"/>
-    <p:sldId id="314" r:id="rId35"/>
-    <p:sldId id="312" r:id="rId36"/>
-    <p:sldId id="299" r:id="rId37"/>
-    <p:sldId id="300" r:id="rId38"/>
-    <p:sldId id="301" r:id="rId39"/>
-    <p:sldId id="302" r:id="rId40"/>
-    <p:sldId id="303" r:id="rId41"/>
-    <p:sldId id="304" r:id="rId42"/>
-    <p:sldId id="311" r:id="rId43"/>
-    <p:sldId id="305" r:id="rId44"/>
-    <p:sldId id="308" r:id="rId45"/>
-    <p:sldId id="316" r:id="rId46"/>
-    <p:sldId id="306" r:id="rId47"/>
-    <p:sldId id="307" r:id="rId48"/>
-    <p:sldId id="263" r:id="rId49"/>
-    <p:sldId id="313" r:id="rId50"/>
-    <p:sldId id="318" r:id="rId51"/>
-    <p:sldId id="332" r:id="rId52"/>
-    <p:sldId id="333" r:id="rId53"/>
-    <p:sldId id="264" r:id="rId54"/>
-    <p:sldId id="267" r:id="rId55"/>
-    <p:sldId id="265" r:id="rId56"/>
-    <p:sldId id="327" r:id="rId57"/>
-    <p:sldId id="319" r:id="rId58"/>
-    <p:sldId id="320" r:id="rId59"/>
-    <p:sldId id="321" r:id="rId60"/>
-    <p:sldId id="322" r:id="rId61"/>
-    <p:sldId id="323" r:id="rId62"/>
-    <p:sldId id="345" r:id="rId63"/>
-    <p:sldId id="324" r:id="rId64"/>
-    <p:sldId id="325" r:id="rId65"/>
-    <p:sldId id="326" r:id="rId66"/>
-    <p:sldId id="329" r:id="rId67"/>
-    <p:sldId id="330" r:id="rId68"/>
-    <p:sldId id="331" r:id="rId69"/>
-    <p:sldId id="334" r:id="rId70"/>
+    <p:sldId id="347" r:id="rId12"/>
+    <p:sldId id="348" r:id="rId13"/>
+    <p:sldId id="291" r:id="rId14"/>
+    <p:sldId id="292" r:id="rId15"/>
+    <p:sldId id="261" r:id="rId16"/>
+    <p:sldId id="268" r:id="rId17"/>
+    <p:sldId id="269" r:id="rId18"/>
+    <p:sldId id="270" r:id="rId19"/>
+    <p:sldId id="271" r:id="rId20"/>
+    <p:sldId id="272" r:id="rId21"/>
+    <p:sldId id="274" r:id="rId22"/>
+    <p:sldId id="276" r:id="rId23"/>
+    <p:sldId id="279" r:id="rId24"/>
+    <p:sldId id="280" r:id="rId25"/>
+    <p:sldId id="309" r:id="rId26"/>
+    <p:sldId id="298" r:id="rId27"/>
+    <p:sldId id="262" r:id="rId28"/>
+    <p:sldId id="317" r:id="rId29"/>
+    <p:sldId id="315" r:id="rId30"/>
+    <p:sldId id="314" r:id="rId31"/>
+    <p:sldId id="312" r:id="rId32"/>
+    <p:sldId id="299" r:id="rId33"/>
+    <p:sldId id="300" r:id="rId34"/>
+    <p:sldId id="301" r:id="rId35"/>
+    <p:sldId id="302" r:id="rId36"/>
+    <p:sldId id="303" r:id="rId37"/>
+    <p:sldId id="304" r:id="rId38"/>
+    <p:sldId id="311" r:id="rId39"/>
+    <p:sldId id="305" r:id="rId40"/>
+    <p:sldId id="308" r:id="rId41"/>
+    <p:sldId id="316" r:id="rId42"/>
+    <p:sldId id="306" r:id="rId43"/>
+    <p:sldId id="307" r:id="rId44"/>
+    <p:sldId id="263" r:id="rId45"/>
+    <p:sldId id="313" r:id="rId46"/>
+    <p:sldId id="318" r:id="rId47"/>
+    <p:sldId id="332" r:id="rId48"/>
+    <p:sldId id="333" r:id="rId49"/>
+    <p:sldId id="264" r:id="rId50"/>
+    <p:sldId id="267" r:id="rId51"/>
+    <p:sldId id="265" r:id="rId52"/>
+    <p:sldId id="327" r:id="rId53"/>
+    <p:sldId id="319" r:id="rId54"/>
+    <p:sldId id="320" r:id="rId55"/>
+    <p:sldId id="321" r:id="rId56"/>
+    <p:sldId id="322" r:id="rId57"/>
+    <p:sldId id="323" r:id="rId58"/>
+    <p:sldId id="345" r:id="rId59"/>
+    <p:sldId id="324" r:id="rId60"/>
+    <p:sldId id="325" r:id="rId61"/>
+    <p:sldId id="326" r:id="rId62"/>
+    <p:sldId id="329" r:id="rId63"/>
+    <p:sldId id="330" r:id="rId64"/>
+    <p:sldId id="331" r:id="rId65"/>
+    <p:sldId id="334" r:id="rId66"/>
   </p:sldIdLst>
   <p:sldSz cx="9144000" cy="6858000" type="screen4x3"/>
   <p:notesSz cx="6858000" cy="9144000"/>
@@ -3219,7 +3215,9 @@
         </p:nvSpPr>
         <p:spPr/>
         <p:txBody>
-          <a:bodyPr/>
+          <a:bodyPr>
+            <a:normAutofit fontScale="70000" lnSpcReduction="20000"/>
+          </a:bodyPr>
           <a:lstStyle/>
           <a:p>
             <a:r>
@@ -3309,6 +3307,21 @@
             <a:r>
               <a:rPr lang="es-MX" dirty="0" smtClean="0"/>
               <a:t>”</a:t>
+            </a:r>
+          </a:p>
+          <a:p>
+            <a:endParaRPr lang="es-MX" dirty="0"/>
+          </a:p>
+          <a:p>
+            <a:r>
+              <a:rPr lang="es-MX" dirty="0"/>
+              <a:t>PAPIIT IN307214</a:t>
+            </a:r>
+          </a:p>
+          <a:p>
+            <a:r>
+              <a:rPr lang="es-MX" dirty="0" smtClean="0"/>
+              <a:t>PAPIME IE310016</a:t>
             </a:r>
             <a:endParaRPr lang="es-MX" dirty="0"/>
           </a:p>
@@ -3366,11 +3379,7 @@
           <a:p>
             <a:r>
               <a:rPr lang="es-MX" dirty="0" smtClean="0"/>
-              <a:t>SDT</a:t>
-            </a:r>
-            <a:r>
-              <a:rPr lang="es-MX" dirty="0" smtClean="0"/>
-              <a:t> as </a:t>
+              <a:t>SDT as </a:t>
             </a:r>
             <a:r>
               <a:rPr lang="es-MX" dirty="0" err="1" smtClean="0"/>
@@ -3440,122 +3449,6 @@
 </file>
 
 <file path=ppt/slides/slide11.xml><?xml version="1.0" encoding="utf-8"?>
-<p:sld xmlns:a="http://schemas.openxmlformats.org/drawingml/2006/main" xmlns:r="http://schemas.openxmlformats.org/officeDocument/2006/relationships" xmlns:p="http://schemas.openxmlformats.org/presentationml/2006/main">
-  <p:cSld>
-    <p:spTree>
-      <p:nvGrpSpPr>
-        <p:cNvPr id="1" name=""/>
-        <p:cNvGrpSpPr/>
-        <p:nvPr/>
-      </p:nvGrpSpPr>
-      <p:grpSpPr>
-        <a:xfrm>
-          <a:off x="0" y="0"/>
-          <a:ext cx="0" cy="0"/>
-          <a:chOff x="0" y="0"/>
-          <a:chExt cx="0" cy="0"/>
-        </a:xfrm>
-      </p:grpSpPr>
-      <p:sp>
-        <p:nvSpPr>
-          <p:cNvPr id="2" name="1 Título"/>
-          <p:cNvSpPr>
-            <a:spLocks noGrp="1"/>
-          </p:cNvSpPr>
-          <p:nvPr>
-            <p:ph type="title"/>
-          </p:nvPr>
-        </p:nvSpPr>
-        <p:spPr/>
-        <p:txBody>
-          <a:bodyPr/>
-          <a:lstStyle/>
-          <a:p>
-            <a:r>
-              <a:rPr lang="es-MX" dirty="0" err="1" smtClean="0"/>
-              <a:t>Recognition</a:t>
-            </a:r>
-            <a:r>
-              <a:rPr lang="es-MX" dirty="0" smtClean="0"/>
-              <a:t> </a:t>
-            </a:r>
-            <a:r>
-              <a:rPr lang="es-MX" dirty="0" err="1" smtClean="0"/>
-              <a:t>Memory</a:t>
-            </a:r>
-            <a:endParaRPr lang="es-MX" dirty="0"/>
-          </a:p>
-        </p:txBody>
-      </p:sp>
-      <p:sp>
-        <p:nvSpPr>
-          <p:cNvPr id="3" name="2 Marcador de contenido"/>
-          <p:cNvSpPr>
-            <a:spLocks noGrp="1"/>
-          </p:cNvSpPr>
-          <p:nvPr>
-            <p:ph idx="1"/>
-          </p:nvPr>
-        </p:nvSpPr>
-        <p:spPr/>
-        <p:txBody>
-          <a:bodyPr/>
-          <a:lstStyle/>
-          <a:p>
-            <a:endParaRPr lang="es-MX" dirty="0" smtClean="0"/>
-          </a:p>
-          <a:p>
-            <a:endParaRPr lang="es-MX" dirty="0"/>
-          </a:p>
-        </p:txBody>
-      </p:sp>
-      <p:pic>
-        <p:nvPicPr>
-          <p:cNvPr id="4" name="3 Imagen"/>
-          <p:cNvPicPr/>
-          <p:nvPr/>
-        </p:nvPicPr>
-        <p:blipFill>
-          <a:blip r:embed="rId2">
-            <a:extLst>
-              <a:ext uri="{28A0092B-C50C-407E-A947-70E740481C1C}">
-                <a14:useLocalDpi xmlns:a14="http://schemas.microsoft.com/office/drawing/2010/main" val="0"/>
-              </a:ext>
-            </a:extLst>
-          </a:blip>
-          <a:srcRect/>
-          <a:stretch>
-            <a:fillRect/>
-          </a:stretch>
-        </p:blipFill>
-        <p:spPr bwMode="auto">
-          <a:xfrm>
-            <a:off x="1187624" y="1556792"/>
-            <a:ext cx="6768752" cy="4074244"/>
-          </a:xfrm>
-          <a:prstGeom prst="rect">
-            <a:avLst/>
-          </a:prstGeom>
-          <a:noFill/>
-          <a:ln>
-            <a:noFill/>
-          </a:ln>
-        </p:spPr>
-      </p:pic>
-    </p:spTree>
-    <p:extLst>
-      <p:ext uri="{BB962C8B-B14F-4D97-AF65-F5344CB8AC3E}">
-        <p14:creationId xmlns:p14="http://schemas.microsoft.com/office/powerpoint/2010/main" val="3871207133"/>
-      </p:ext>
-    </p:extLst>
-  </p:cSld>
-  <p:clrMapOvr>
-    <a:masterClrMapping/>
-  </p:clrMapOvr>
-</p:sld>
-</file>
-
-<file path=ppt/slides/slide12.xml><?xml version="1.0" encoding="utf-8"?>
 <p:sld xmlns:a="http://schemas.openxmlformats.org/drawingml/2006/main" xmlns:r="http://schemas.openxmlformats.org/officeDocument/2006/relationships" xmlns:p="http://schemas.openxmlformats.org/presentationml/2006/main">
   <p:cSld>
     <p:spTree>
@@ -3932,7 +3825,7 @@
 </p:sld>
 </file>
 
-<file path=ppt/slides/slide13.xml><?xml version="1.0" encoding="utf-8"?>
+<file path=ppt/slides/slide12.xml><?xml version="1.0" encoding="utf-8"?>
 <p:sld xmlns:a="http://schemas.openxmlformats.org/drawingml/2006/main" xmlns:r="http://schemas.openxmlformats.org/officeDocument/2006/relationships" xmlns:p="http://schemas.openxmlformats.org/presentationml/2006/main">
   <p:cSld>
     <p:spTree>
@@ -4418,669 +4311,7 @@
 </p:sld>
 </file>
 
-<file path=ppt/slides/slide14.xml><?xml version="1.0" encoding="utf-8"?>
-<p:sld xmlns:a="http://schemas.openxmlformats.org/drawingml/2006/main" xmlns:r="http://schemas.openxmlformats.org/officeDocument/2006/relationships" xmlns:p="http://schemas.openxmlformats.org/presentationml/2006/main">
-  <p:cSld>
-    <p:spTree>
-      <p:nvGrpSpPr>
-        <p:cNvPr id="1" name=""/>
-        <p:cNvGrpSpPr/>
-        <p:nvPr/>
-      </p:nvGrpSpPr>
-      <p:grpSpPr>
-        <a:xfrm>
-          <a:off x="0" y="0"/>
-          <a:ext cx="0" cy="0"/>
-          <a:chOff x="0" y="0"/>
-          <a:chExt cx="0" cy="0"/>
-        </a:xfrm>
-      </p:grpSpPr>
-      <p:sp>
-        <p:nvSpPr>
-          <p:cNvPr id="2" name="1 Título"/>
-          <p:cNvSpPr>
-            <a:spLocks noGrp="1"/>
-          </p:cNvSpPr>
-          <p:nvPr>
-            <p:ph type="title"/>
-          </p:nvPr>
-        </p:nvSpPr>
-        <p:spPr/>
-        <p:txBody>
-          <a:bodyPr>
-            <a:normAutofit fontScale="90000"/>
-          </a:bodyPr>
-          <a:lstStyle/>
-          <a:p>
-            <a:r>
-              <a:rPr lang="es-MX" dirty="0" smtClean="0"/>
-              <a:t/>
-            </a:r>
-            <a:br>
-              <a:rPr lang="es-MX" dirty="0" smtClean="0"/>
-            </a:br>
-            <a:endParaRPr lang="es-MX" dirty="0"/>
-          </a:p>
-        </p:txBody>
-      </p:sp>
-      <p:sp>
-        <p:nvSpPr>
-          <p:cNvPr id="3" name="2 Marcador de contenido"/>
-          <p:cNvSpPr>
-            <a:spLocks noGrp="1"/>
-          </p:cNvSpPr>
-          <p:nvPr>
-            <p:ph idx="1"/>
-          </p:nvPr>
-        </p:nvSpPr>
-        <p:spPr/>
-        <p:txBody>
-          <a:bodyPr/>
-          <a:lstStyle/>
-          <a:p>
-            <a:pPr algn="ctr"/>
-            <a:endParaRPr lang="es-MX" dirty="0" smtClean="0"/>
-          </a:p>
-          <a:p>
-            <a:endParaRPr lang="es-MX" dirty="0"/>
-          </a:p>
-        </p:txBody>
-      </p:sp>
-      <p:pic>
-        <p:nvPicPr>
-          <p:cNvPr id="1027" name="Picture 3"/>
-          <p:cNvPicPr>
-            <a:picLocks noChangeAspect="1" noChangeArrowheads="1"/>
-          </p:cNvPicPr>
-          <p:nvPr/>
-        </p:nvPicPr>
-        <p:blipFill>
-          <a:blip r:embed="rId2">
-            <a:extLst>
-              <a:ext uri="{28A0092B-C50C-407E-A947-70E740481C1C}">
-                <a14:useLocalDpi xmlns:a14="http://schemas.microsoft.com/office/drawing/2010/main" val="0"/>
-              </a:ext>
-            </a:extLst>
-          </a:blip>
-          <a:srcRect/>
-          <a:stretch>
-            <a:fillRect/>
-          </a:stretch>
-        </p:blipFill>
-        <p:spPr bwMode="auto">
-          <a:xfrm>
-            <a:off x="1347765" y="2708920"/>
-            <a:ext cx="6391275" cy="3228975"/>
-          </a:xfrm>
-          <a:prstGeom prst="rect">
-            <a:avLst/>
-          </a:prstGeom>
-          <a:noFill/>
-          <a:ln>
-            <a:noFill/>
-          </a:ln>
-          <a:extLst>
-            <a:ext uri="{909E8E84-426E-40DD-AFC4-6F175D3DCCD1}">
-              <a14:hiddenFill xmlns:a14="http://schemas.microsoft.com/office/drawing/2010/main">
-                <a:solidFill>
-                  <a:schemeClr val="accent1"/>
-                </a:solidFill>
-              </a14:hiddenFill>
-            </a:ext>
-            <a:ext uri="{91240B29-F687-4F45-9708-019B960494DF}">
-              <a14:hiddenLine xmlns:a14="http://schemas.microsoft.com/office/drawing/2010/main" w="9525">
-                <a:solidFill>
-                  <a:schemeClr val="tx1"/>
-                </a:solidFill>
-                <a:miter lim="800000"/>
-                <a:headEnd/>
-                <a:tailEnd/>
-              </a14:hiddenLine>
-            </a:ext>
-          </a:extLst>
-        </p:spPr>
-      </p:pic>
-      <p:sp>
-        <p:nvSpPr>
-          <p:cNvPr id="6" name="2 Marcador de contenido"/>
-          <p:cNvSpPr txBox="1">
-            <a:spLocks/>
-          </p:cNvSpPr>
-          <p:nvPr/>
-        </p:nvSpPr>
-        <p:spPr>
-          <a:xfrm>
-            <a:off x="457200" y="692696"/>
-            <a:ext cx="8229600" cy="4929411"/>
-          </a:xfrm>
-          <a:prstGeom prst="rect">
-            <a:avLst/>
-          </a:prstGeom>
-        </p:spPr>
-        <p:txBody>
-          <a:bodyPr vert="horz" lIns="91440" tIns="45720" rIns="91440" bIns="45720" rtlCol="0">
-            <a:normAutofit/>
-          </a:bodyPr>
-          <a:lstStyle>
-            <a:lvl1pPr marL="342900" indent="-342900" algn="l" defTabSz="914400" rtl="0" eaLnBrk="1" latinLnBrk="0" hangingPunct="1">
-              <a:spcBef>
-                <a:spcPct val="20000"/>
-              </a:spcBef>
-              <a:buFont typeface="Arial" panose="020B0604020202020204" pitchFamily="34" charset="0"/>
-              <a:buChar char="•"/>
-              <a:defRPr sz="3200" kern="1200">
-                <a:solidFill>
-                  <a:schemeClr val="tx1"/>
-                </a:solidFill>
-                <a:latin typeface="+mn-lt"/>
-                <a:ea typeface="+mn-ea"/>
-                <a:cs typeface="+mn-cs"/>
-              </a:defRPr>
-            </a:lvl1pPr>
-            <a:lvl2pPr marL="742950" indent="-285750" algn="l" defTabSz="914400" rtl="0" eaLnBrk="1" latinLnBrk="0" hangingPunct="1">
-              <a:spcBef>
-                <a:spcPct val="20000"/>
-              </a:spcBef>
-              <a:buFont typeface="Arial" panose="020B0604020202020204" pitchFamily="34" charset="0"/>
-              <a:buChar char="–"/>
-              <a:defRPr sz="2800" kern="1200">
-                <a:solidFill>
-                  <a:schemeClr val="tx1"/>
-                </a:solidFill>
-                <a:latin typeface="+mn-lt"/>
-                <a:ea typeface="+mn-ea"/>
-                <a:cs typeface="+mn-cs"/>
-              </a:defRPr>
-            </a:lvl2pPr>
-            <a:lvl3pPr marL="1143000" indent="-228600" algn="l" defTabSz="914400" rtl="0" eaLnBrk="1" latinLnBrk="0" hangingPunct="1">
-              <a:spcBef>
-                <a:spcPct val="20000"/>
-              </a:spcBef>
-              <a:buFont typeface="Arial" panose="020B0604020202020204" pitchFamily="34" charset="0"/>
-              <a:buChar char="•"/>
-              <a:defRPr sz="2400" kern="1200">
-                <a:solidFill>
-                  <a:schemeClr val="tx1"/>
-                </a:solidFill>
-                <a:latin typeface="+mn-lt"/>
-                <a:ea typeface="+mn-ea"/>
-                <a:cs typeface="+mn-cs"/>
-              </a:defRPr>
-            </a:lvl3pPr>
-            <a:lvl4pPr marL="1600200" indent="-228600" algn="l" defTabSz="914400" rtl="0" eaLnBrk="1" latinLnBrk="0" hangingPunct="1">
-              <a:spcBef>
-                <a:spcPct val="20000"/>
-              </a:spcBef>
-              <a:buFont typeface="Arial" panose="020B0604020202020204" pitchFamily="34" charset="0"/>
-              <a:buChar char="–"/>
-              <a:defRPr sz="2000" kern="1200">
-                <a:solidFill>
-                  <a:schemeClr val="tx1"/>
-                </a:solidFill>
-                <a:latin typeface="+mn-lt"/>
-                <a:ea typeface="+mn-ea"/>
-                <a:cs typeface="+mn-cs"/>
-              </a:defRPr>
-            </a:lvl4pPr>
-            <a:lvl5pPr marL="2057400" indent="-228600" algn="l" defTabSz="914400" rtl="0" eaLnBrk="1" latinLnBrk="0" hangingPunct="1">
-              <a:spcBef>
-                <a:spcPct val="20000"/>
-              </a:spcBef>
-              <a:buFont typeface="Arial" panose="020B0604020202020204" pitchFamily="34" charset="0"/>
-              <a:buChar char="»"/>
-              <a:defRPr sz="2000" kern="1200">
-                <a:solidFill>
-                  <a:schemeClr val="tx1"/>
-                </a:solidFill>
-                <a:latin typeface="+mn-lt"/>
-                <a:ea typeface="+mn-ea"/>
-                <a:cs typeface="+mn-cs"/>
-              </a:defRPr>
-            </a:lvl5pPr>
-            <a:lvl6pPr marL="2514600" indent="-228600" algn="l" defTabSz="914400" rtl="0" eaLnBrk="1" latinLnBrk="0" hangingPunct="1">
-              <a:spcBef>
-                <a:spcPct val="20000"/>
-              </a:spcBef>
-              <a:buFont typeface="Arial" panose="020B0604020202020204" pitchFamily="34" charset="0"/>
-              <a:buChar char="•"/>
-              <a:defRPr sz="2000" kern="1200">
-                <a:solidFill>
-                  <a:schemeClr val="tx1"/>
-                </a:solidFill>
-                <a:latin typeface="+mn-lt"/>
-                <a:ea typeface="+mn-ea"/>
-                <a:cs typeface="+mn-cs"/>
-              </a:defRPr>
-            </a:lvl6pPr>
-            <a:lvl7pPr marL="2971800" indent="-228600" algn="l" defTabSz="914400" rtl="0" eaLnBrk="1" latinLnBrk="0" hangingPunct="1">
-              <a:spcBef>
-                <a:spcPct val="20000"/>
-              </a:spcBef>
-              <a:buFont typeface="Arial" panose="020B0604020202020204" pitchFamily="34" charset="0"/>
-              <a:buChar char="•"/>
-              <a:defRPr sz="2000" kern="1200">
-                <a:solidFill>
-                  <a:schemeClr val="tx1"/>
-                </a:solidFill>
-                <a:latin typeface="+mn-lt"/>
-                <a:ea typeface="+mn-ea"/>
-                <a:cs typeface="+mn-cs"/>
-              </a:defRPr>
-            </a:lvl7pPr>
-            <a:lvl8pPr marL="3429000" indent="-228600" algn="l" defTabSz="914400" rtl="0" eaLnBrk="1" latinLnBrk="0" hangingPunct="1">
-              <a:spcBef>
-                <a:spcPct val="20000"/>
-              </a:spcBef>
-              <a:buFont typeface="Arial" panose="020B0604020202020204" pitchFamily="34" charset="0"/>
-              <a:buChar char="•"/>
-              <a:defRPr sz="2000" kern="1200">
-                <a:solidFill>
-                  <a:schemeClr val="tx1"/>
-                </a:solidFill>
-                <a:latin typeface="+mn-lt"/>
-                <a:ea typeface="+mn-ea"/>
-                <a:cs typeface="+mn-cs"/>
-              </a:defRPr>
-            </a:lvl8pPr>
-            <a:lvl9pPr marL="3886200" indent="-228600" algn="l" defTabSz="914400" rtl="0" eaLnBrk="1" latinLnBrk="0" hangingPunct="1">
-              <a:spcBef>
-                <a:spcPct val="20000"/>
-              </a:spcBef>
-              <a:buFont typeface="Arial" panose="020B0604020202020204" pitchFamily="34" charset="0"/>
-              <a:buChar char="•"/>
-              <a:defRPr sz="2000" kern="1200">
-                <a:solidFill>
-                  <a:schemeClr val="tx1"/>
-                </a:solidFill>
-                <a:latin typeface="+mn-lt"/>
-                <a:ea typeface="+mn-ea"/>
-                <a:cs typeface="+mn-cs"/>
-              </a:defRPr>
-            </a:lvl9pPr>
-          </a:lstStyle>
-          <a:p>
-            <a:pPr marL="0" indent="0">
-              <a:buNone/>
-            </a:pPr>
-            <a:r>
-              <a:rPr lang="es-MX" dirty="0" smtClean="0"/>
-              <a:t>1. </a:t>
-            </a:r>
-            <a:r>
-              <a:rPr lang="es-MX" dirty="0" err="1" smtClean="0"/>
-              <a:t>Yes|No</a:t>
-            </a:r>
-            <a:r>
-              <a:rPr lang="es-MX" dirty="0" smtClean="0"/>
-              <a:t> </a:t>
-            </a:r>
-            <a:r>
-              <a:rPr lang="es-MX" dirty="0" err="1" smtClean="0"/>
-              <a:t>Task</a:t>
-            </a:r>
-            <a:endParaRPr lang="es-MX" dirty="0" smtClean="0"/>
-          </a:p>
-          <a:p>
-            <a:pPr marL="457200" lvl="1" indent="0">
-              <a:buFont typeface="Arial" panose="020B0604020202020204" pitchFamily="34" charset="0"/>
-              <a:buNone/>
-            </a:pPr>
-            <a:r>
-              <a:rPr lang="es-MX" dirty="0" smtClean="0"/>
-              <a:t>p(Hit)</a:t>
-            </a:r>
-          </a:p>
-          <a:p>
-            <a:pPr marL="457200" lvl="1" indent="0">
-              <a:buFont typeface="Arial" panose="020B0604020202020204" pitchFamily="34" charset="0"/>
-              <a:buNone/>
-            </a:pPr>
-            <a:r>
-              <a:rPr lang="es-MX" dirty="0" smtClean="0"/>
-              <a:t>p(Falsa Alarma)</a:t>
-            </a:r>
-          </a:p>
-          <a:p>
-            <a:endParaRPr lang="es-MX" dirty="0" smtClean="0"/>
-          </a:p>
-        </p:txBody>
-      </p:sp>
-    </p:spTree>
-    <p:extLst>
-      <p:ext uri="{BB962C8B-B14F-4D97-AF65-F5344CB8AC3E}">
-        <p14:creationId xmlns:p14="http://schemas.microsoft.com/office/powerpoint/2010/main" val="3825113292"/>
-      </p:ext>
-    </p:extLst>
-  </p:cSld>
-  <p:clrMapOvr>
-    <a:masterClrMapping/>
-  </p:clrMapOvr>
-</p:sld>
-</file>
-
-<file path=ppt/slides/slide15.xml><?xml version="1.0" encoding="utf-8"?>
-<p:sld xmlns:a="http://schemas.openxmlformats.org/drawingml/2006/main" xmlns:r="http://schemas.openxmlformats.org/officeDocument/2006/relationships" xmlns:p="http://schemas.openxmlformats.org/presentationml/2006/main">
-  <p:cSld>
-    <p:spTree>
-      <p:nvGrpSpPr>
-        <p:cNvPr id="1" name=""/>
-        <p:cNvGrpSpPr/>
-        <p:nvPr/>
-      </p:nvGrpSpPr>
-      <p:grpSpPr>
-        <a:xfrm>
-          <a:off x="0" y="0"/>
-          <a:ext cx="0" cy="0"/>
-          <a:chOff x="0" y="0"/>
-          <a:chExt cx="0" cy="0"/>
-        </a:xfrm>
-      </p:grpSpPr>
-      <p:sp>
-        <p:nvSpPr>
-          <p:cNvPr id="2" name="1 Título"/>
-          <p:cNvSpPr>
-            <a:spLocks noGrp="1"/>
-          </p:cNvSpPr>
-          <p:nvPr>
-            <p:ph type="title"/>
-          </p:nvPr>
-        </p:nvSpPr>
-        <p:spPr/>
-        <p:txBody>
-          <a:bodyPr>
-            <a:normAutofit fontScale="90000"/>
-          </a:bodyPr>
-          <a:lstStyle/>
-          <a:p>
-            <a:r>
-              <a:rPr lang="es-MX" dirty="0" smtClean="0"/>
-              <a:t/>
-            </a:r>
-            <a:br>
-              <a:rPr lang="es-MX" dirty="0" smtClean="0"/>
-            </a:br>
-            <a:endParaRPr lang="es-MX" dirty="0"/>
-          </a:p>
-        </p:txBody>
-      </p:sp>
-      <p:sp>
-        <p:nvSpPr>
-          <p:cNvPr id="3" name="2 Marcador de contenido"/>
-          <p:cNvSpPr>
-            <a:spLocks noGrp="1"/>
-          </p:cNvSpPr>
-          <p:nvPr>
-            <p:ph idx="1"/>
-          </p:nvPr>
-        </p:nvSpPr>
-        <p:spPr/>
-        <p:txBody>
-          <a:bodyPr/>
-          <a:lstStyle/>
-          <a:p>
-            <a:endParaRPr lang="es-MX" dirty="0" smtClean="0"/>
-          </a:p>
-          <a:p>
-            <a:endParaRPr lang="es-MX" dirty="0"/>
-          </a:p>
-        </p:txBody>
-      </p:sp>
-      <p:pic>
-        <p:nvPicPr>
-          <p:cNvPr id="3074" name="Picture 2"/>
-          <p:cNvPicPr>
-            <a:picLocks noChangeAspect="1" noChangeArrowheads="1"/>
-          </p:cNvPicPr>
-          <p:nvPr/>
-        </p:nvPicPr>
-        <p:blipFill>
-          <a:blip r:embed="rId2">
-            <a:extLst>
-              <a:ext uri="{28A0092B-C50C-407E-A947-70E740481C1C}">
-                <a14:useLocalDpi xmlns:a14="http://schemas.microsoft.com/office/drawing/2010/main" val="0"/>
-              </a:ext>
-            </a:extLst>
-          </a:blip>
-          <a:srcRect/>
-          <a:stretch>
-            <a:fillRect/>
-          </a:stretch>
-        </p:blipFill>
-        <p:spPr bwMode="auto">
-          <a:xfrm>
-            <a:off x="1368396" y="2636912"/>
-            <a:ext cx="6343650" cy="3209925"/>
-          </a:xfrm>
-          <a:prstGeom prst="rect">
-            <a:avLst/>
-          </a:prstGeom>
-          <a:noFill/>
-          <a:ln>
-            <a:noFill/>
-          </a:ln>
-          <a:extLst>
-            <a:ext uri="{909E8E84-426E-40DD-AFC4-6F175D3DCCD1}">
-              <a14:hiddenFill xmlns:a14="http://schemas.microsoft.com/office/drawing/2010/main">
-                <a:solidFill>
-                  <a:schemeClr val="accent1"/>
-                </a:solidFill>
-              </a14:hiddenFill>
-            </a:ext>
-            <a:ext uri="{91240B29-F687-4F45-9708-019B960494DF}">
-              <a14:hiddenLine xmlns:a14="http://schemas.microsoft.com/office/drawing/2010/main" w="9525">
-                <a:solidFill>
-                  <a:schemeClr val="tx1"/>
-                </a:solidFill>
-                <a:miter lim="800000"/>
-                <a:headEnd/>
-                <a:tailEnd/>
-              </a14:hiddenLine>
-            </a:ext>
-          </a:extLst>
-        </p:spPr>
-      </p:pic>
-      <p:sp>
-        <p:nvSpPr>
-          <p:cNvPr id="7" name="2 Marcador de contenido"/>
-          <p:cNvSpPr txBox="1">
-            <a:spLocks/>
-          </p:cNvSpPr>
-          <p:nvPr/>
-        </p:nvSpPr>
-        <p:spPr>
-          <a:xfrm>
-            <a:off x="457200" y="936542"/>
-            <a:ext cx="8229600" cy="4929411"/>
-          </a:xfrm>
-          <a:prstGeom prst="rect">
-            <a:avLst/>
-          </a:prstGeom>
-        </p:spPr>
-        <p:txBody>
-          <a:bodyPr vert="horz" lIns="91440" tIns="45720" rIns="91440" bIns="45720" rtlCol="0">
-            <a:normAutofit/>
-          </a:bodyPr>
-          <a:lstStyle>
-            <a:lvl1pPr marL="342900" indent="-342900" algn="l" defTabSz="914400" rtl="0" eaLnBrk="1" latinLnBrk="0" hangingPunct="1">
-              <a:spcBef>
-                <a:spcPct val="20000"/>
-              </a:spcBef>
-              <a:buFont typeface="Arial" panose="020B0604020202020204" pitchFamily="34" charset="0"/>
-              <a:buChar char="•"/>
-              <a:defRPr sz="3200" kern="1200">
-                <a:solidFill>
-                  <a:schemeClr val="tx1"/>
-                </a:solidFill>
-                <a:latin typeface="+mn-lt"/>
-                <a:ea typeface="+mn-ea"/>
-                <a:cs typeface="+mn-cs"/>
-              </a:defRPr>
-            </a:lvl1pPr>
-            <a:lvl2pPr marL="742950" indent="-285750" algn="l" defTabSz="914400" rtl="0" eaLnBrk="1" latinLnBrk="0" hangingPunct="1">
-              <a:spcBef>
-                <a:spcPct val="20000"/>
-              </a:spcBef>
-              <a:buFont typeface="Arial" panose="020B0604020202020204" pitchFamily="34" charset="0"/>
-              <a:buChar char="–"/>
-              <a:defRPr sz="2800" kern="1200">
-                <a:solidFill>
-                  <a:schemeClr val="tx1"/>
-                </a:solidFill>
-                <a:latin typeface="+mn-lt"/>
-                <a:ea typeface="+mn-ea"/>
-                <a:cs typeface="+mn-cs"/>
-              </a:defRPr>
-            </a:lvl2pPr>
-            <a:lvl3pPr marL="1143000" indent="-228600" algn="l" defTabSz="914400" rtl="0" eaLnBrk="1" latinLnBrk="0" hangingPunct="1">
-              <a:spcBef>
-                <a:spcPct val="20000"/>
-              </a:spcBef>
-              <a:buFont typeface="Arial" panose="020B0604020202020204" pitchFamily="34" charset="0"/>
-              <a:buChar char="•"/>
-              <a:defRPr sz="2400" kern="1200">
-                <a:solidFill>
-                  <a:schemeClr val="tx1"/>
-                </a:solidFill>
-                <a:latin typeface="+mn-lt"/>
-                <a:ea typeface="+mn-ea"/>
-                <a:cs typeface="+mn-cs"/>
-              </a:defRPr>
-            </a:lvl3pPr>
-            <a:lvl4pPr marL="1600200" indent="-228600" algn="l" defTabSz="914400" rtl="0" eaLnBrk="1" latinLnBrk="0" hangingPunct="1">
-              <a:spcBef>
-                <a:spcPct val="20000"/>
-              </a:spcBef>
-              <a:buFont typeface="Arial" panose="020B0604020202020204" pitchFamily="34" charset="0"/>
-              <a:buChar char="–"/>
-              <a:defRPr sz="2000" kern="1200">
-                <a:solidFill>
-                  <a:schemeClr val="tx1"/>
-                </a:solidFill>
-                <a:latin typeface="+mn-lt"/>
-                <a:ea typeface="+mn-ea"/>
-                <a:cs typeface="+mn-cs"/>
-              </a:defRPr>
-            </a:lvl4pPr>
-            <a:lvl5pPr marL="2057400" indent="-228600" algn="l" defTabSz="914400" rtl="0" eaLnBrk="1" latinLnBrk="0" hangingPunct="1">
-              <a:spcBef>
-                <a:spcPct val="20000"/>
-              </a:spcBef>
-              <a:buFont typeface="Arial" panose="020B0604020202020204" pitchFamily="34" charset="0"/>
-              <a:buChar char="»"/>
-              <a:defRPr sz="2000" kern="1200">
-                <a:solidFill>
-                  <a:schemeClr val="tx1"/>
-                </a:solidFill>
-                <a:latin typeface="+mn-lt"/>
-                <a:ea typeface="+mn-ea"/>
-                <a:cs typeface="+mn-cs"/>
-              </a:defRPr>
-            </a:lvl5pPr>
-            <a:lvl6pPr marL="2514600" indent="-228600" algn="l" defTabSz="914400" rtl="0" eaLnBrk="1" latinLnBrk="0" hangingPunct="1">
-              <a:spcBef>
-                <a:spcPct val="20000"/>
-              </a:spcBef>
-              <a:buFont typeface="Arial" panose="020B0604020202020204" pitchFamily="34" charset="0"/>
-              <a:buChar char="•"/>
-              <a:defRPr sz="2000" kern="1200">
-                <a:solidFill>
-                  <a:schemeClr val="tx1"/>
-                </a:solidFill>
-                <a:latin typeface="+mn-lt"/>
-                <a:ea typeface="+mn-ea"/>
-                <a:cs typeface="+mn-cs"/>
-              </a:defRPr>
-            </a:lvl6pPr>
-            <a:lvl7pPr marL="2971800" indent="-228600" algn="l" defTabSz="914400" rtl="0" eaLnBrk="1" latinLnBrk="0" hangingPunct="1">
-              <a:spcBef>
-                <a:spcPct val="20000"/>
-              </a:spcBef>
-              <a:buFont typeface="Arial" panose="020B0604020202020204" pitchFamily="34" charset="0"/>
-              <a:buChar char="•"/>
-              <a:defRPr sz="2000" kern="1200">
-                <a:solidFill>
-                  <a:schemeClr val="tx1"/>
-                </a:solidFill>
-                <a:latin typeface="+mn-lt"/>
-                <a:ea typeface="+mn-ea"/>
-                <a:cs typeface="+mn-cs"/>
-              </a:defRPr>
-            </a:lvl7pPr>
-            <a:lvl8pPr marL="3429000" indent="-228600" algn="l" defTabSz="914400" rtl="0" eaLnBrk="1" latinLnBrk="0" hangingPunct="1">
-              <a:spcBef>
-                <a:spcPct val="20000"/>
-              </a:spcBef>
-              <a:buFont typeface="Arial" panose="020B0604020202020204" pitchFamily="34" charset="0"/>
-              <a:buChar char="•"/>
-              <a:defRPr sz="2000" kern="1200">
-                <a:solidFill>
-                  <a:schemeClr val="tx1"/>
-                </a:solidFill>
-                <a:latin typeface="+mn-lt"/>
-                <a:ea typeface="+mn-ea"/>
-                <a:cs typeface="+mn-cs"/>
-              </a:defRPr>
-            </a:lvl8pPr>
-            <a:lvl9pPr marL="3886200" indent="-228600" algn="l" defTabSz="914400" rtl="0" eaLnBrk="1" latinLnBrk="0" hangingPunct="1">
-              <a:spcBef>
-                <a:spcPct val="20000"/>
-              </a:spcBef>
-              <a:buFont typeface="Arial" panose="020B0604020202020204" pitchFamily="34" charset="0"/>
-              <a:buChar char="•"/>
-              <a:defRPr sz="2000" kern="1200">
-                <a:solidFill>
-                  <a:schemeClr val="tx1"/>
-                </a:solidFill>
-                <a:latin typeface="+mn-lt"/>
-                <a:ea typeface="+mn-ea"/>
-                <a:cs typeface="+mn-cs"/>
-              </a:defRPr>
-            </a:lvl9pPr>
-          </a:lstStyle>
-          <a:p>
-            <a:pPr marL="0" indent="0">
-              <a:buNone/>
-            </a:pPr>
-            <a:r>
-              <a:rPr lang="es-MX" dirty="0"/>
-              <a:t>2</a:t>
-            </a:r>
-            <a:r>
-              <a:rPr lang="es-MX" dirty="0" smtClean="0"/>
-              <a:t>. </a:t>
-            </a:r>
-            <a:r>
-              <a:rPr lang="es-MX" dirty="0" err="1" smtClean="0"/>
-              <a:t>Confidence</a:t>
-            </a:r>
-            <a:r>
-              <a:rPr lang="es-MX" dirty="0" smtClean="0"/>
-              <a:t> Rating</a:t>
-            </a:r>
-          </a:p>
-          <a:p>
-            <a:pPr lvl="1"/>
-            <a:r>
-              <a:rPr lang="es-MX" dirty="0" smtClean="0"/>
-              <a:t>Múltiples sub-criterios </a:t>
-            </a:r>
-          </a:p>
-        </p:txBody>
-      </p:sp>
-    </p:spTree>
-    <p:extLst>
-      <p:ext uri="{BB962C8B-B14F-4D97-AF65-F5344CB8AC3E}">
-        <p14:creationId xmlns:p14="http://schemas.microsoft.com/office/powerpoint/2010/main" val="1797278817"/>
-      </p:ext>
-    </p:extLst>
-  </p:cSld>
-  <p:clrMapOvr>
-    <a:masterClrMapping/>
-  </p:clrMapOvr>
-</p:sld>
-</file>
-
-<file path=ppt/slides/slide16.xml><?xml version="1.0" encoding="utf-8"?>
+<file path=ppt/slides/slide13.xml><?xml version="1.0" encoding="utf-8"?>
 <p:sld xmlns:a="http://schemas.openxmlformats.org/drawingml/2006/main" xmlns:r="http://schemas.openxmlformats.org/officeDocument/2006/relationships" xmlns:p="http://schemas.openxmlformats.org/presentationml/2006/main">
   <p:cSld>
     <p:spTree>
@@ -5650,7 +4881,7 @@
 </p:sld>
 </file>
 
-<file path=ppt/slides/slide17.xml><?xml version="1.0" encoding="utf-8"?>
+<file path=ppt/slides/slide14.xml><?xml version="1.0" encoding="utf-8"?>
 <p:sld xmlns:a="http://schemas.openxmlformats.org/drawingml/2006/main" xmlns:r="http://schemas.openxmlformats.org/officeDocument/2006/relationships" xmlns:p="http://schemas.openxmlformats.org/presentationml/2006/main">
   <p:cSld>
     <p:spTree>
@@ -6279,7 +5510,7 @@
 </p:sld>
 </file>
 
-<file path=ppt/slides/slide18.xml><?xml version="1.0" encoding="utf-8"?>
+<file path=ppt/slides/slide15.xml><?xml version="1.0" encoding="utf-8"?>
 <p:sld xmlns:a="http://schemas.openxmlformats.org/drawingml/2006/main" xmlns:r="http://schemas.openxmlformats.org/officeDocument/2006/relationships" xmlns:p="http://schemas.openxmlformats.org/presentationml/2006/main">
   <p:cSld>
     <p:spTree>
@@ -6317,8 +5548,40 @@
           <a:lstStyle/>
           <a:p>
             <a:r>
-              <a:rPr lang="es-MX" dirty="0" smtClean="0"/>
-              <a:t>El Efecto Espejo en Memoria de Reconocimiento</a:t>
+              <a:rPr lang="es-MX" dirty="0" err="1" smtClean="0"/>
+              <a:t>Mirror</a:t>
+            </a:r>
+            <a:r>
+              <a:rPr lang="es-MX" dirty="0" smtClean="0"/>
+              <a:t> </a:t>
+            </a:r>
+            <a:r>
+              <a:rPr lang="es-MX" dirty="0" err="1" smtClean="0"/>
+              <a:t>Effect</a:t>
+            </a:r>
+            <a:r>
+              <a:rPr lang="es-MX" dirty="0" smtClean="0"/>
+              <a:t> </a:t>
+            </a:r>
+            <a:r>
+              <a:rPr lang="es-MX" dirty="0" err="1" smtClean="0"/>
+              <a:t>on</a:t>
+            </a:r>
+            <a:r>
+              <a:rPr lang="es-MX" dirty="0" smtClean="0"/>
+              <a:t> </a:t>
+            </a:r>
+            <a:r>
+              <a:rPr lang="es-MX" dirty="0" err="1" smtClean="0"/>
+              <a:t>Recognition</a:t>
+            </a:r>
+            <a:r>
+              <a:rPr lang="es-MX" dirty="0" smtClean="0"/>
+              <a:t> </a:t>
+            </a:r>
+            <a:r>
+              <a:rPr lang="es-MX" dirty="0" err="1" smtClean="0"/>
+              <a:t>Memory</a:t>
             </a:r>
             <a:endParaRPr lang="es-MX" dirty="0"/>
           </a:p>
@@ -6346,15 +5609,13 @@
           <a:p>
             <a:r>
               <a:rPr lang="es-MX" dirty="0" smtClean="0"/>
-              <a:t>PARTE III</a:t>
-            </a:r>
-          </a:p>
-          <a:p>
-            <a:r>
-              <a:rPr lang="es-MX" dirty="0" smtClean="0"/>
-              <a:t>(El problema)</a:t>
-            </a:r>
-            <a:endParaRPr lang="es-MX" dirty="0"/>
+              <a:t>PARTE </a:t>
+            </a:r>
+            <a:r>
+              <a:rPr lang="es-MX" dirty="0" smtClean="0"/>
+              <a:t>II</a:t>
+            </a:r>
+            <a:endParaRPr lang="es-MX" dirty="0" smtClean="0"/>
           </a:p>
         </p:txBody>
       </p:sp>
@@ -6371,7 +5632,7 @@
 </p:sld>
 </file>
 
-<file path=ppt/slides/slide19.xml><?xml version="1.0" encoding="utf-8"?>
+<file path=ppt/slides/slide16.xml><?xml version="1.0" encoding="utf-8"?>
 <p:sld xmlns:a="http://schemas.openxmlformats.org/drawingml/2006/main" xmlns:r="http://schemas.openxmlformats.org/officeDocument/2006/relationships" xmlns:p="http://schemas.openxmlformats.org/presentationml/2006/main">
   <p:cSld>
     <p:spTree>
@@ -6774,408 +6035,7 @@
 </p:sld>
 </file>
 
-<file path=ppt/slides/slide2.xml><?xml version="1.0" encoding="utf-8"?>
-<p:sld xmlns:a="http://schemas.openxmlformats.org/drawingml/2006/main" xmlns:r="http://schemas.openxmlformats.org/officeDocument/2006/relationships" xmlns:p="http://schemas.openxmlformats.org/presentationml/2006/main">
-  <p:cSld>
-    <p:spTree>
-      <p:nvGrpSpPr>
-        <p:cNvPr id="1" name=""/>
-        <p:cNvGrpSpPr/>
-        <p:nvPr/>
-      </p:nvGrpSpPr>
-      <p:grpSpPr>
-        <a:xfrm>
-          <a:off x="0" y="0"/>
-          <a:ext cx="0" cy="0"/>
-          <a:chOff x="0" y="0"/>
-          <a:chExt cx="0" cy="0"/>
-        </a:xfrm>
-      </p:grpSpPr>
-      <p:sp>
-        <p:nvSpPr>
-          <p:cNvPr id="2" name="1 Título"/>
-          <p:cNvSpPr>
-            <a:spLocks noGrp="1"/>
-          </p:cNvSpPr>
-          <p:nvPr>
-            <p:ph type="title"/>
-          </p:nvPr>
-        </p:nvSpPr>
-        <p:spPr/>
-        <p:txBody>
-          <a:bodyPr/>
-          <a:lstStyle/>
-          <a:p>
-            <a:r>
-              <a:rPr lang="es-MX" dirty="0" err="1" smtClean="0"/>
-              <a:t>Summary</a:t>
-            </a:r>
-            <a:endParaRPr lang="es-MX" dirty="0"/>
-          </a:p>
-        </p:txBody>
-      </p:sp>
-      <p:sp>
-        <p:nvSpPr>
-          <p:cNvPr id="3" name="2 Marcador de contenido"/>
-          <p:cNvSpPr>
-            <a:spLocks noGrp="1"/>
-          </p:cNvSpPr>
-          <p:nvPr>
-            <p:ph idx="1"/>
-          </p:nvPr>
-        </p:nvSpPr>
-        <p:spPr/>
-        <p:txBody>
-          <a:bodyPr>
-            <a:normAutofit/>
-          </a:bodyPr>
-          <a:lstStyle/>
-          <a:p>
-            <a:pPr marL="0" indent="0">
-              <a:buNone/>
-            </a:pPr>
-            <a:r>
-              <a:rPr lang="es-MX" sz="2500" b="1" dirty="0" smtClean="0"/>
-              <a:t>I. </a:t>
-            </a:r>
-            <a:r>
-              <a:rPr lang="es-MX" sz="2500" b="1" dirty="0" err="1" smtClean="0"/>
-              <a:t>Background</a:t>
-            </a:r>
-            <a:r>
-              <a:rPr lang="es-MX" sz="2500" b="1" dirty="0" smtClean="0"/>
-              <a:t>: 	</a:t>
-            </a:r>
-            <a:r>
-              <a:rPr lang="es-MX" sz="2500" dirty="0" smtClean="0"/>
-              <a:t>SDT (and </a:t>
-            </a:r>
-            <a:r>
-              <a:rPr lang="es-MX" sz="2500" dirty="0" err="1" smtClean="0"/>
-              <a:t>its</a:t>
-            </a:r>
-            <a:r>
-              <a:rPr lang="es-MX" sz="2500" dirty="0" smtClean="0"/>
-              <a:t> </a:t>
-            </a:r>
-            <a:r>
-              <a:rPr lang="es-MX" sz="2500" dirty="0" err="1" smtClean="0"/>
-              <a:t>application</a:t>
-            </a:r>
-            <a:r>
-              <a:rPr lang="es-MX" sz="2500" dirty="0" smtClean="0"/>
-              <a:t> </a:t>
-            </a:r>
-            <a:r>
-              <a:rPr lang="es-MX" sz="2500" dirty="0" err="1" smtClean="0"/>
-              <a:t>to</a:t>
-            </a:r>
-            <a:r>
-              <a:rPr lang="es-MX" sz="2500" dirty="0" smtClean="0"/>
-              <a:t> </a:t>
-            </a:r>
-            <a:r>
-              <a:rPr lang="es-MX" sz="2500" dirty="0" err="1" smtClean="0"/>
-              <a:t>Recognition</a:t>
-            </a:r>
-            <a:r>
-              <a:rPr lang="es-MX" sz="2500" dirty="0" smtClean="0"/>
-              <a:t> 			</a:t>
-            </a:r>
-            <a:r>
-              <a:rPr lang="es-MX" sz="2500" dirty="0" err="1" smtClean="0"/>
-              <a:t>Memory</a:t>
-            </a:r>
-            <a:r>
-              <a:rPr lang="es-MX" sz="2500" dirty="0" smtClean="0"/>
-              <a:t>)</a:t>
-            </a:r>
-            <a:endParaRPr lang="es-MX" sz="2500" dirty="0" smtClean="0"/>
-          </a:p>
-          <a:p>
-            <a:pPr marL="0" indent="0">
-              <a:buNone/>
-            </a:pPr>
-            <a:r>
-              <a:rPr lang="es-MX" sz="2500" b="1" dirty="0" smtClean="0"/>
-              <a:t>II</a:t>
-            </a:r>
-            <a:r>
-              <a:rPr lang="es-MX" sz="2500" b="1" dirty="0" smtClean="0"/>
-              <a:t>. </a:t>
-            </a:r>
-            <a:r>
-              <a:rPr lang="es-MX" sz="2500" b="1" dirty="0" err="1" smtClean="0"/>
-              <a:t>The</a:t>
-            </a:r>
-            <a:r>
-              <a:rPr lang="es-MX" sz="2500" b="1" dirty="0" smtClean="0"/>
-              <a:t> ‘</a:t>
-            </a:r>
-            <a:r>
-              <a:rPr lang="es-MX" sz="2500" b="1" dirty="0" err="1" smtClean="0"/>
-              <a:t>issue</a:t>
-            </a:r>
-            <a:r>
-              <a:rPr lang="es-MX" sz="2500" b="1" dirty="0" smtClean="0"/>
-              <a:t>’: </a:t>
-            </a:r>
-            <a:r>
-              <a:rPr lang="es-MX" sz="2500" b="1" dirty="0" smtClean="0"/>
-              <a:t>	</a:t>
-            </a:r>
-            <a:r>
-              <a:rPr lang="es-MX" sz="2500" dirty="0" err="1" smtClean="0"/>
-              <a:t>The</a:t>
-            </a:r>
-            <a:r>
-              <a:rPr lang="es-MX" sz="2500" dirty="0" smtClean="0"/>
-              <a:t> </a:t>
-            </a:r>
-            <a:r>
-              <a:rPr lang="es-MX" sz="2500" dirty="0" err="1" smtClean="0"/>
-              <a:t>Mirror</a:t>
-            </a:r>
-            <a:r>
-              <a:rPr lang="es-MX" sz="2500" dirty="0" smtClean="0"/>
-              <a:t> </a:t>
-            </a:r>
-            <a:r>
-              <a:rPr lang="es-MX" sz="2500" dirty="0" err="1" smtClean="0"/>
-              <a:t>Effect</a:t>
-            </a:r>
-            <a:r>
-              <a:rPr lang="es-MX" sz="2500" dirty="0" smtClean="0"/>
-              <a:t> </a:t>
-            </a:r>
-            <a:r>
-              <a:rPr lang="es-MX" sz="2500" dirty="0" err="1" smtClean="0"/>
-              <a:t>reported</a:t>
-            </a:r>
-            <a:r>
-              <a:rPr lang="es-MX" sz="2500" dirty="0" smtClean="0"/>
-              <a:t> in 				</a:t>
-            </a:r>
-            <a:r>
-              <a:rPr lang="es-MX" sz="2500" dirty="0" err="1" smtClean="0"/>
-              <a:t>Recognition</a:t>
-            </a:r>
-            <a:r>
-              <a:rPr lang="es-MX" sz="2500" dirty="0" smtClean="0"/>
-              <a:t> </a:t>
-            </a:r>
-            <a:r>
-              <a:rPr lang="es-MX" sz="2500" dirty="0" err="1" smtClean="0"/>
-              <a:t>Memory</a:t>
-            </a:r>
-            <a:r>
-              <a:rPr lang="es-MX" sz="2500" dirty="0" smtClean="0"/>
-              <a:t>.</a:t>
-            </a:r>
-            <a:endParaRPr lang="es-MX" sz="2500" dirty="0" smtClean="0"/>
-          </a:p>
-          <a:p>
-            <a:pPr marL="0" indent="0">
-              <a:buNone/>
-            </a:pPr>
-            <a:r>
-              <a:rPr lang="es-MX" sz="2500" b="1" dirty="0" smtClean="0"/>
-              <a:t>III. </a:t>
-            </a:r>
-            <a:r>
-              <a:rPr lang="es-MX" sz="2500" b="1" dirty="0" err="1" smtClean="0"/>
-              <a:t>Experiment</a:t>
-            </a:r>
-            <a:r>
-              <a:rPr lang="es-MX" sz="2500" b="1" dirty="0" smtClean="0"/>
-              <a:t>: </a:t>
-            </a:r>
-            <a:r>
-              <a:rPr lang="es-MX" sz="2500" b="1" dirty="0" smtClean="0"/>
-              <a:t>	</a:t>
-            </a:r>
-            <a:r>
-              <a:rPr lang="es-MX" sz="2500" dirty="0" err="1" smtClean="0"/>
-              <a:t>Looking</a:t>
-            </a:r>
-            <a:r>
-              <a:rPr lang="es-MX" sz="2500" dirty="0" smtClean="0"/>
-              <a:t> </a:t>
-            </a:r>
-            <a:r>
-              <a:rPr lang="es-MX" sz="2500" dirty="0" err="1" smtClean="0"/>
-              <a:t>for</a:t>
-            </a:r>
-            <a:r>
-              <a:rPr lang="es-MX" sz="2500" dirty="0" smtClean="0"/>
-              <a:t> </a:t>
-            </a:r>
-            <a:r>
-              <a:rPr lang="es-MX" sz="2500" dirty="0" err="1" smtClean="0"/>
-              <a:t>the</a:t>
-            </a:r>
-            <a:r>
-              <a:rPr lang="es-MX" sz="2500" dirty="0" smtClean="0"/>
-              <a:t> </a:t>
-            </a:r>
-            <a:r>
-              <a:rPr lang="es-MX" sz="2500" dirty="0" err="1" smtClean="0"/>
-              <a:t>Mirror</a:t>
-            </a:r>
-            <a:r>
-              <a:rPr lang="es-MX" sz="2500" dirty="0" smtClean="0"/>
-              <a:t> </a:t>
-            </a:r>
-            <a:r>
-              <a:rPr lang="es-MX" sz="2500" dirty="0" err="1" smtClean="0"/>
-              <a:t>Effect</a:t>
-            </a:r>
-            <a:r>
-              <a:rPr lang="es-MX" sz="2500" dirty="0" smtClean="0"/>
-              <a:t> </a:t>
-            </a:r>
-            <a:r>
-              <a:rPr lang="es-MX" sz="2500" dirty="0" err="1" smtClean="0"/>
-              <a:t>within</a:t>
-            </a:r>
-            <a:r>
-              <a:rPr lang="es-MX" sz="2500" dirty="0" smtClean="0"/>
-              <a:t> a 			perceptual </a:t>
-            </a:r>
-            <a:r>
-              <a:rPr lang="es-MX" sz="2500" dirty="0" err="1" smtClean="0"/>
-              <a:t>task</a:t>
-            </a:r>
-            <a:r>
-              <a:rPr lang="es-MX" sz="2500" dirty="0" smtClean="0"/>
-              <a:t>.</a:t>
-            </a:r>
-            <a:endParaRPr lang="es-MX" sz="2500" dirty="0" smtClean="0"/>
-          </a:p>
-          <a:p>
-            <a:pPr marL="0" indent="0">
-              <a:buNone/>
-            </a:pPr>
-            <a:r>
-              <a:rPr lang="es-MX" sz="2500" b="1" dirty="0" smtClean="0"/>
-              <a:t>IV</a:t>
-            </a:r>
-            <a:r>
-              <a:rPr lang="es-MX" sz="2500" b="1" dirty="0" smtClean="0"/>
-              <a:t>. </a:t>
-            </a:r>
-            <a:r>
-              <a:rPr lang="es-MX" sz="2500" b="1" dirty="0" smtClean="0"/>
-              <a:t>Data</a:t>
-            </a:r>
-            <a:r>
-              <a:rPr lang="es-MX" sz="2500" b="1" dirty="0" smtClean="0"/>
-              <a:t>: </a:t>
-            </a:r>
-            <a:r>
-              <a:rPr lang="es-MX" sz="2500" b="1" dirty="0" smtClean="0"/>
-              <a:t>		</a:t>
-            </a:r>
-            <a:r>
-              <a:rPr lang="es-MX" sz="2500" dirty="0" err="1" smtClean="0"/>
-              <a:t>Plotting</a:t>
-            </a:r>
-            <a:r>
-              <a:rPr lang="es-MX" sz="2500" dirty="0" smtClean="0"/>
-              <a:t> </a:t>
-            </a:r>
-            <a:r>
-              <a:rPr lang="es-MX" sz="2500" dirty="0" err="1" smtClean="0"/>
-              <a:t>the</a:t>
-            </a:r>
-            <a:r>
-              <a:rPr lang="es-MX" sz="2500" dirty="0" smtClean="0"/>
-              <a:t> data</a:t>
-            </a:r>
-            <a:endParaRPr lang="es-MX" sz="2500" dirty="0" smtClean="0"/>
-          </a:p>
-          <a:p>
-            <a:pPr marL="0" indent="0">
-              <a:buNone/>
-            </a:pPr>
-            <a:r>
-              <a:rPr lang="es-MX" sz="2500" b="1" dirty="0" smtClean="0"/>
-              <a:t>V. </a:t>
-            </a:r>
-            <a:r>
-              <a:rPr lang="es-MX" sz="2500" b="1" dirty="0" err="1" smtClean="0"/>
-              <a:t>Results</a:t>
-            </a:r>
-            <a:r>
-              <a:rPr lang="es-MX" sz="2500" b="1" dirty="0" smtClean="0"/>
-              <a:t>:		</a:t>
-            </a:r>
-            <a:r>
-              <a:rPr lang="es-MX" sz="2500" dirty="0" smtClean="0"/>
-              <a:t>Data </a:t>
-            </a:r>
-            <a:r>
-              <a:rPr lang="es-MX" sz="2500" dirty="0" err="1" smtClean="0"/>
-              <a:t>analysis</a:t>
-            </a:r>
-            <a:r>
-              <a:rPr lang="es-MX" sz="2500" b="1" dirty="0" smtClean="0"/>
-              <a:t> </a:t>
-            </a:r>
-            <a:r>
-              <a:rPr lang="es-MX" sz="2500" b="1" dirty="0" smtClean="0"/>
-              <a:t>	</a:t>
-            </a:r>
-            <a:endParaRPr lang="es-MX" sz="2500" dirty="0" smtClean="0"/>
-          </a:p>
-          <a:p>
-            <a:pPr marL="0" indent="0">
-              <a:buNone/>
-            </a:pPr>
-            <a:endParaRPr lang="es-MX" sz="2500" dirty="0"/>
-          </a:p>
-          <a:p>
-            <a:pPr marL="0" indent="0">
-              <a:buNone/>
-            </a:pPr>
-            <a:r>
-              <a:rPr lang="es-MX" sz="2500" dirty="0" smtClean="0"/>
-              <a:t>VI</a:t>
-            </a:r>
-            <a:r>
-              <a:rPr lang="es-MX" sz="2500" dirty="0" smtClean="0"/>
-              <a:t>. </a:t>
-            </a:r>
-            <a:r>
-              <a:rPr lang="es-MX" sz="2500" dirty="0" err="1" smtClean="0"/>
-              <a:t>Discussion</a:t>
-            </a:r>
-            <a:r>
-              <a:rPr lang="es-MX" sz="2500" dirty="0" smtClean="0"/>
-              <a:t> </a:t>
-            </a:r>
-            <a:r>
-              <a:rPr lang="es-MX" sz="2500" dirty="0" smtClean="0"/>
-              <a:t>(?)</a:t>
-            </a:r>
-            <a:endParaRPr lang="es-MX" sz="2500" dirty="0"/>
-          </a:p>
-        </p:txBody>
-      </p:sp>
-    </p:spTree>
-    <p:extLst>
-      <p:ext uri="{BB962C8B-B14F-4D97-AF65-F5344CB8AC3E}">
-        <p14:creationId xmlns:p14="http://schemas.microsoft.com/office/powerpoint/2010/main" val="2201472808"/>
-      </p:ext>
-    </p:extLst>
-  </p:cSld>
-  <p:clrMapOvr>
-    <a:masterClrMapping/>
-  </p:clrMapOvr>
-</p:sld>
-</file>
-
-<file path=ppt/slides/slide20.xml><?xml version="1.0" encoding="utf-8"?>
+<file path=ppt/slides/slide17.xml><?xml version="1.0" encoding="utf-8"?>
 <p:sld xmlns:a="http://schemas.openxmlformats.org/drawingml/2006/main" xmlns:r="http://schemas.openxmlformats.org/officeDocument/2006/relationships" xmlns:p="http://schemas.openxmlformats.org/presentationml/2006/main">
   <p:cSld>
     <p:spTree>
@@ -7374,7 +6234,7 @@
 </p:sld>
 </file>
 
-<file path=ppt/slides/slide21.xml><?xml version="1.0" encoding="utf-8"?>
+<file path=ppt/slides/slide18.xml><?xml version="1.0" encoding="utf-8"?>
 <p:sld xmlns:a="http://schemas.openxmlformats.org/drawingml/2006/main" xmlns:r="http://schemas.openxmlformats.org/officeDocument/2006/relationships" xmlns:p="http://schemas.openxmlformats.org/presentationml/2006/main">
   <p:cSld>
     <p:spTree>
@@ -7508,7 +6368,7 @@
 </p:sld>
 </file>
 
-<file path=ppt/slides/slide22.xml><?xml version="1.0" encoding="utf-8"?>
+<file path=ppt/slides/slide19.xml><?xml version="1.0" encoding="utf-8"?>
 <p:sld xmlns:a="http://schemas.openxmlformats.org/drawingml/2006/main" xmlns:r="http://schemas.openxmlformats.org/officeDocument/2006/relationships" xmlns:p="http://schemas.openxmlformats.org/presentationml/2006/main">
   <p:cSld>
     <p:spTree>
@@ -7642,7 +6502,364 @@
 </p:sld>
 </file>
 
-<file path=ppt/slides/slide23.xml><?xml version="1.0" encoding="utf-8"?>
+<file path=ppt/slides/slide2.xml><?xml version="1.0" encoding="utf-8"?>
+<p:sld xmlns:a="http://schemas.openxmlformats.org/drawingml/2006/main" xmlns:r="http://schemas.openxmlformats.org/officeDocument/2006/relationships" xmlns:p="http://schemas.openxmlformats.org/presentationml/2006/main">
+  <p:cSld>
+    <p:spTree>
+      <p:nvGrpSpPr>
+        <p:cNvPr id="1" name=""/>
+        <p:cNvGrpSpPr/>
+        <p:nvPr/>
+      </p:nvGrpSpPr>
+      <p:grpSpPr>
+        <a:xfrm>
+          <a:off x="0" y="0"/>
+          <a:ext cx="0" cy="0"/>
+          <a:chOff x="0" y="0"/>
+          <a:chExt cx="0" cy="0"/>
+        </a:xfrm>
+      </p:grpSpPr>
+      <p:sp>
+        <p:nvSpPr>
+          <p:cNvPr id="2" name="1 Título"/>
+          <p:cNvSpPr>
+            <a:spLocks noGrp="1"/>
+          </p:cNvSpPr>
+          <p:nvPr>
+            <p:ph type="title"/>
+          </p:nvPr>
+        </p:nvSpPr>
+        <p:spPr/>
+        <p:txBody>
+          <a:bodyPr/>
+          <a:lstStyle/>
+          <a:p>
+            <a:r>
+              <a:rPr lang="es-MX" dirty="0" err="1" smtClean="0"/>
+              <a:t>Summary</a:t>
+            </a:r>
+            <a:endParaRPr lang="es-MX" dirty="0"/>
+          </a:p>
+        </p:txBody>
+      </p:sp>
+      <p:sp>
+        <p:nvSpPr>
+          <p:cNvPr id="3" name="2 Marcador de contenido"/>
+          <p:cNvSpPr>
+            <a:spLocks noGrp="1"/>
+          </p:cNvSpPr>
+          <p:nvPr>
+            <p:ph idx="1"/>
+          </p:nvPr>
+        </p:nvSpPr>
+        <p:spPr/>
+        <p:txBody>
+          <a:bodyPr>
+            <a:normAutofit/>
+          </a:bodyPr>
+          <a:lstStyle/>
+          <a:p>
+            <a:pPr marL="0" indent="0">
+              <a:buNone/>
+            </a:pPr>
+            <a:r>
+              <a:rPr lang="es-MX" sz="2500" b="1" dirty="0" smtClean="0"/>
+              <a:t>I. </a:t>
+            </a:r>
+            <a:r>
+              <a:rPr lang="es-MX" sz="2500" b="1" dirty="0" err="1" smtClean="0"/>
+              <a:t>Background</a:t>
+            </a:r>
+            <a:r>
+              <a:rPr lang="es-MX" sz="2500" b="1" dirty="0" smtClean="0"/>
+              <a:t>: 	</a:t>
+            </a:r>
+            <a:r>
+              <a:rPr lang="es-MX" sz="2500" dirty="0" smtClean="0"/>
+              <a:t>SDT (and </a:t>
+            </a:r>
+            <a:r>
+              <a:rPr lang="es-MX" sz="2500" dirty="0" err="1" smtClean="0"/>
+              <a:t>its</a:t>
+            </a:r>
+            <a:r>
+              <a:rPr lang="es-MX" sz="2500" dirty="0" smtClean="0"/>
+              <a:t> </a:t>
+            </a:r>
+            <a:r>
+              <a:rPr lang="es-MX" sz="2500" dirty="0" err="1" smtClean="0"/>
+              <a:t>application</a:t>
+            </a:r>
+            <a:r>
+              <a:rPr lang="es-MX" sz="2500" dirty="0" smtClean="0"/>
+              <a:t> </a:t>
+            </a:r>
+            <a:r>
+              <a:rPr lang="es-MX" sz="2500" dirty="0" err="1" smtClean="0"/>
+              <a:t>to</a:t>
+            </a:r>
+            <a:r>
+              <a:rPr lang="es-MX" sz="2500" dirty="0" smtClean="0"/>
+              <a:t> </a:t>
+            </a:r>
+            <a:r>
+              <a:rPr lang="es-MX" sz="2500" dirty="0" err="1" smtClean="0"/>
+              <a:t>Recognition</a:t>
+            </a:r>
+            <a:r>
+              <a:rPr lang="es-MX" sz="2500" dirty="0" smtClean="0"/>
+              <a:t> 			</a:t>
+            </a:r>
+            <a:r>
+              <a:rPr lang="es-MX" sz="2500" dirty="0" err="1" smtClean="0"/>
+              <a:t>Memory</a:t>
+            </a:r>
+            <a:r>
+              <a:rPr lang="es-MX" sz="2500" dirty="0" smtClean="0"/>
+              <a:t>)</a:t>
+            </a:r>
+          </a:p>
+          <a:p>
+            <a:pPr marL="0" indent="0">
+              <a:buNone/>
+            </a:pPr>
+            <a:r>
+              <a:rPr lang="es-MX" sz="2500" b="1" dirty="0" smtClean="0"/>
+              <a:t>II. </a:t>
+            </a:r>
+            <a:r>
+              <a:rPr lang="es-MX" sz="2500" b="1" dirty="0" err="1" smtClean="0"/>
+              <a:t>The</a:t>
+            </a:r>
+            <a:r>
+              <a:rPr lang="es-MX" sz="2500" b="1" dirty="0" smtClean="0"/>
+              <a:t> ‘</a:t>
+            </a:r>
+            <a:r>
+              <a:rPr lang="es-MX" sz="2500" b="1" dirty="0" err="1" smtClean="0"/>
+              <a:t>issue</a:t>
+            </a:r>
+            <a:r>
+              <a:rPr lang="es-MX" sz="2500" b="1" dirty="0" smtClean="0"/>
+              <a:t>’: 	</a:t>
+            </a:r>
+            <a:r>
+              <a:rPr lang="es-MX" sz="2500" dirty="0" err="1" smtClean="0"/>
+              <a:t>The</a:t>
+            </a:r>
+            <a:r>
+              <a:rPr lang="es-MX" sz="2500" dirty="0" smtClean="0"/>
+              <a:t> </a:t>
+            </a:r>
+            <a:r>
+              <a:rPr lang="es-MX" sz="2500" dirty="0" err="1" smtClean="0"/>
+              <a:t>Mirror</a:t>
+            </a:r>
+            <a:r>
+              <a:rPr lang="es-MX" sz="2500" dirty="0" smtClean="0"/>
+              <a:t> </a:t>
+            </a:r>
+            <a:r>
+              <a:rPr lang="es-MX" sz="2500" dirty="0" err="1" smtClean="0"/>
+              <a:t>Effect</a:t>
+            </a:r>
+            <a:r>
+              <a:rPr lang="es-MX" sz="2500" dirty="0" smtClean="0"/>
+              <a:t> </a:t>
+            </a:r>
+            <a:r>
+              <a:rPr lang="es-MX" sz="2500" dirty="0" err="1" smtClean="0"/>
+              <a:t>reported</a:t>
+            </a:r>
+            <a:r>
+              <a:rPr lang="es-MX" sz="2500" dirty="0" smtClean="0"/>
+              <a:t> in 				</a:t>
+            </a:r>
+            <a:r>
+              <a:rPr lang="es-MX" sz="2500" dirty="0" err="1" smtClean="0"/>
+              <a:t>Recognition</a:t>
+            </a:r>
+            <a:r>
+              <a:rPr lang="es-MX" sz="2500" dirty="0" smtClean="0"/>
+              <a:t> </a:t>
+            </a:r>
+            <a:r>
+              <a:rPr lang="es-MX" sz="2500" dirty="0" err="1" smtClean="0"/>
+              <a:t>Memory</a:t>
+            </a:r>
+            <a:r>
+              <a:rPr lang="es-MX" sz="2500" dirty="0" smtClean="0"/>
+              <a:t>.</a:t>
+            </a:r>
+          </a:p>
+          <a:p>
+            <a:pPr marL="0" indent="0">
+              <a:buNone/>
+            </a:pPr>
+            <a:r>
+              <a:rPr lang="es-MX" sz="2500" b="1" dirty="0" smtClean="0"/>
+              <a:t>III. </a:t>
+            </a:r>
+            <a:r>
+              <a:rPr lang="es-MX" sz="2500" b="1" dirty="0" err="1" smtClean="0"/>
+              <a:t>Experiment</a:t>
+            </a:r>
+            <a:r>
+              <a:rPr lang="es-MX" sz="2500" b="1" dirty="0" smtClean="0"/>
+              <a:t>: 	</a:t>
+            </a:r>
+            <a:r>
+              <a:rPr lang="es-MX" sz="2500" dirty="0" err="1" smtClean="0"/>
+              <a:t>Looking</a:t>
+            </a:r>
+            <a:r>
+              <a:rPr lang="es-MX" sz="2500" dirty="0" smtClean="0"/>
+              <a:t> </a:t>
+            </a:r>
+            <a:r>
+              <a:rPr lang="es-MX" sz="2500" dirty="0" err="1" smtClean="0"/>
+              <a:t>for</a:t>
+            </a:r>
+            <a:r>
+              <a:rPr lang="es-MX" sz="2500" dirty="0" smtClean="0"/>
+              <a:t> </a:t>
+            </a:r>
+            <a:r>
+              <a:rPr lang="es-MX" sz="2500" dirty="0" err="1" smtClean="0"/>
+              <a:t>the</a:t>
+            </a:r>
+            <a:r>
+              <a:rPr lang="es-MX" sz="2500" dirty="0" smtClean="0"/>
+              <a:t> </a:t>
+            </a:r>
+            <a:r>
+              <a:rPr lang="es-MX" sz="2500" dirty="0" err="1" smtClean="0"/>
+              <a:t>Mirror</a:t>
+            </a:r>
+            <a:r>
+              <a:rPr lang="es-MX" sz="2500" dirty="0" smtClean="0"/>
+              <a:t> </a:t>
+            </a:r>
+            <a:r>
+              <a:rPr lang="es-MX" sz="2500" dirty="0" err="1" smtClean="0"/>
+              <a:t>Effect</a:t>
+            </a:r>
+            <a:r>
+              <a:rPr lang="es-MX" sz="2500" dirty="0" smtClean="0"/>
+              <a:t> </a:t>
+            </a:r>
+            <a:r>
+              <a:rPr lang="es-MX" sz="2500" dirty="0" err="1" smtClean="0"/>
+              <a:t>within</a:t>
+            </a:r>
+            <a:r>
+              <a:rPr lang="es-MX" sz="2500" dirty="0" smtClean="0"/>
+              <a:t> a 			perceptual </a:t>
+            </a:r>
+            <a:r>
+              <a:rPr lang="es-MX" sz="2500" dirty="0" err="1" smtClean="0"/>
+              <a:t>task</a:t>
+            </a:r>
+            <a:r>
+              <a:rPr lang="es-MX" sz="2500" dirty="0" smtClean="0"/>
+              <a:t>.</a:t>
+            </a:r>
+          </a:p>
+          <a:p>
+            <a:pPr marL="0" indent="0">
+              <a:buNone/>
+            </a:pPr>
+            <a:r>
+              <a:rPr lang="es-MX" sz="2500" b="1" dirty="0" smtClean="0"/>
+              <a:t>IV. Data: 		</a:t>
+            </a:r>
+            <a:r>
+              <a:rPr lang="es-MX" sz="2500" dirty="0" err="1" smtClean="0"/>
+              <a:t>Plotting</a:t>
+            </a:r>
+            <a:r>
+              <a:rPr lang="es-MX" sz="2500" dirty="0" smtClean="0"/>
+              <a:t> </a:t>
+            </a:r>
+            <a:r>
+              <a:rPr lang="es-MX" sz="2500" dirty="0" err="1" smtClean="0"/>
+              <a:t>the</a:t>
+            </a:r>
+            <a:r>
+              <a:rPr lang="es-MX" sz="2500" dirty="0" smtClean="0"/>
+              <a:t> data</a:t>
+            </a:r>
+          </a:p>
+          <a:p>
+            <a:pPr marL="0" indent="0">
+              <a:buNone/>
+            </a:pPr>
+            <a:r>
+              <a:rPr lang="es-MX" sz="2500" b="1" dirty="0" smtClean="0"/>
+              <a:t>V. </a:t>
+            </a:r>
+            <a:r>
+              <a:rPr lang="es-MX" sz="2500" b="1" dirty="0" err="1" smtClean="0"/>
+              <a:t>Results</a:t>
+            </a:r>
+            <a:r>
+              <a:rPr lang="es-MX" sz="2500" b="1" dirty="0" smtClean="0"/>
+              <a:t>:		</a:t>
+            </a:r>
+            <a:r>
+              <a:rPr lang="es-MX" sz="2500" dirty="0" smtClean="0"/>
+              <a:t>Data </a:t>
+            </a:r>
+            <a:r>
+              <a:rPr lang="es-MX" sz="2500" dirty="0" err="1" smtClean="0"/>
+              <a:t>analysis</a:t>
+            </a:r>
+            <a:r>
+              <a:rPr lang="es-MX" sz="2500" b="1" dirty="0" smtClean="0"/>
+              <a:t> 	</a:t>
+            </a:r>
+            <a:endParaRPr lang="es-MX" sz="2500" dirty="0" smtClean="0"/>
+          </a:p>
+          <a:p>
+            <a:pPr marL="0" indent="0">
+              <a:buNone/>
+            </a:pPr>
+            <a:endParaRPr lang="es-MX" sz="2500" dirty="0"/>
+          </a:p>
+          <a:p>
+            <a:pPr marL="0" indent="0">
+              <a:buNone/>
+            </a:pPr>
+            <a:r>
+              <a:rPr lang="es-MX" sz="2500" dirty="0" smtClean="0"/>
+              <a:t>VI. </a:t>
+            </a:r>
+            <a:r>
+              <a:rPr lang="es-MX" sz="2500" dirty="0" err="1" smtClean="0"/>
+              <a:t>Discussion</a:t>
+            </a:r>
+            <a:r>
+              <a:rPr lang="es-MX" sz="2500" dirty="0" smtClean="0"/>
+              <a:t> (?)</a:t>
+            </a:r>
+            <a:endParaRPr lang="es-MX" sz="2500" dirty="0"/>
+          </a:p>
+        </p:txBody>
+      </p:sp>
+    </p:spTree>
+    <p:extLst>
+      <p:ext uri="{BB962C8B-B14F-4D97-AF65-F5344CB8AC3E}">
+        <p14:creationId xmlns:p14="http://schemas.microsoft.com/office/powerpoint/2010/main" val="2201472808"/>
+      </p:ext>
+    </p:extLst>
+  </p:cSld>
+  <p:clrMapOvr>
+    <a:masterClrMapping/>
+  </p:clrMapOvr>
+</p:sld>
+</file>
+
+<file path=ppt/slides/slide20.xml><?xml version="1.0" encoding="utf-8"?>
 <p:sld xmlns:a="http://schemas.openxmlformats.org/drawingml/2006/main" xmlns:r="http://schemas.openxmlformats.org/officeDocument/2006/relationships" xmlns:p="http://schemas.openxmlformats.org/presentationml/2006/main">
   <p:cSld>
     <p:spTree>
@@ -8070,7 +7287,7 @@
 </p:sld>
 </file>
 
-<file path=ppt/slides/slide24.xml><?xml version="1.0" encoding="utf-8"?>
+<file path=ppt/slides/slide21.xml><?xml version="1.0" encoding="utf-8"?>
 <p:sld xmlns:a="http://schemas.openxmlformats.org/drawingml/2006/main" xmlns:r="http://schemas.openxmlformats.org/officeDocument/2006/relationships" xmlns:p="http://schemas.openxmlformats.org/presentationml/2006/main">
   <p:cSld>
     <p:spTree>
@@ -8541,7 +7758,7 @@
 </p:sld>
 </file>
 
-<file path=ppt/slides/slide25.xml><?xml version="1.0" encoding="utf-8"?>
+<file path=ppt/slides/slide22.xml><?xml version="1.0" encoding="utf-8"?>
 <p:sld xmlns:a="http://schemas.openxmlformats.org/drawingml/2006/main" xmlns:r="http://schemas.openxmlformats.org/officeDocument/2006/relationships" xmlns:p="http://schemas.openxmlformats.org/presentationml/2006/main">
   <p:cSld>
     <p:spTree>
@@ -8944,7 +8161,7 @@
 </p:sld>
 </file>
 
-<file path=ppt/slides/slide26.xml><?xml version="1.0" encoding="utf-8"?>
+<file path=ppt/slides/slide23.xml><?xml version="1.0" encoding="utf-8"?>
 <p:sld xmlns:a="http://schemas.openxmlformats.org/drawingml/2006/main" xmlns:r="http://schemas.openxmlformats.org/officeDocument/2006/relationships" xmlns:p="http://schemas.openxmlformats.org/presentationml/2006/main">
   <p:cSld>
     <p:spTree>
@@ -8973,228 +8190,209 @@
         </p:nvSpPr>
         <p:spPr/>
         <p:txBody>
-          <a:bodyPr>
-            <a:normAutofit fontScale="90000"/>
-          </a:bodyPr>
-          <a:lstStyle/>
-          <a:p>
-            <a:r>
-              <a:rPr lang="es-MX" dirty="0" smtClean="0"/>
-              <a:t/>
-            </a:r>
-            <a:br>
-              <a:rPr lang="es-MX" dirty="0" smtClean="0"/>
-            </a:br>
+          <a:bodyPr/>
+          <a:lstStyle/>
+          <a:p>
+            <a:r>
+              <a:rPr lang="es-MX" dirty="0" smtClean="0"/>
+              <a:t>Variables</a:t>
+            </a:r>
             <a:endParaRPr lang="es-MX" dirty="0"/>
           </a:p>
         </p:txBody>
       </p:sp>
       <p:sp>
         <p:nvSpPr>
-          <p:cNvPr id="3" name="2 Marcador de contenido"/>
-          <p:cNvSpPr>
-            <a:spLocks noGrp="1"/>
-          </p:cNvSpPr>
-          <p:nvPr>
-            <p:ph idx="1"/>
-          </p:nvPr>
-        </p:nvSpPr>
-        <p:spPr>
-          <a:xfrm>
-            <a:off x="5148064" y="476672"/>
-            <a:ext cx="3600400" cy="6192688"/>
-          </a:xfrm>
-        </p:spPr>
-        <p:txBody>
-          <a:bodyPr>
-            <a:normAutofit fontScale="92500" lnSpcReduction="20000"/>
-          </a:bodyPr>
-          <a:lstStyle/>
-          <a:p>
-            <a:r>
-              <a:rPr lang="es-MX" b="1" dirty="0" smtClean="0"/>
-              <a:t>Standard </a:t>
-            </a:r>
-            <a:r>
-              <a:rPr lang="es-MX" b="1" dirty="0" err="1" smtClean="0"/>
-              <a:t>comparisons</a:t>
-            </a:r>
-            <a:r>
-              <a:rPr lang="es-MX" dirty="0"/>
-              <a:t/>
-            </a:r>
-            <a:br>
-              <a:rPr lang="es-MX" dirty="0"/>
-            </a:br>
-            <a:r>
-              <a:rPr lang="es-MX" dirty="0" smtClean="0"/>
-              <a:t/>
-            </a:r>
-            <a:br>
-              <a:rPr lang="es-MX" dirty="0" smtClean="0"/>
-            </a:br>
-            <a:r>
-              <a:rPr lang="es-MX" dirty="0" smtClean="0"/>
-              <a:t>AO </a:t>
-            </a:r>
-            <a:r>
-              <a:rPr lang="es-MX" dirty="0"/>
-              <a:t>– </a:t>
-            </a:r>
-            <a:r>
-              <a:rPr lang="es-MX" dirty="0" smtClean="0"/>
-              <a:t>AN</a:t>
-            </a:r>
-            <a:br>
-              <a:rPr lang="es-MX" dirty="0" smtClean="0"/>
-            </a:br>
-            <a:r>
-              <a:rPr lang="es-MX" dirty="0" smtClean="0"/>
-              <a:t>       - BN</a:t>
-            </a:r>
-            <a:br>
-              <a:rPr lang="es-MX" dirty="0" smtClean="0"/>
-            </a:br>
-            <a:r>
-              <a:rPr lang="es-MX" dirty="0"/>
-              <a:t/>
-            </a:r>
-            <a:br>
-              <a:rPr lang="es-MX" dirty="0"/>
-            </a:br>
-            <a:r>
-              <a:rPr lang="es-MX" dirty="0" smtClean="0"/>
-              <a:t>BO – AN</a:t>
-            </a:r>
-            <a:br>
-              <a:rPr lang="es-MX" dirty="0" smtClean="0"/>
-            </a:br>
-            <a:r>
-              <a:rPr lang="es-MX" dirty="0" smtClean="0"/>
-              <a:t>       - BN</a:t>
-            </a:r>
-            <a:endParaRPr lang="es-MX" dirty="0"/>
-          </a:p>
-          <a:p>
-            <a:pPr marL="0" indent="0">
+          <p:cNvPr id="4" name="3 Marcador de contenido"/>
+          <p:cNvSpPr>
+            <a:spLocks noGrp="1"/>
+          </p:cNvSpPr>
+          <p:nvPr>
+            <p:ph sz="half" idx="1"/>
+          </p:nvPr>
+        </p:nvSpPr>
+        <p:spPr/>
+        <p:txBody>
+          <a:bodyPr/>
+          <a:lstStyle/>
+          <a:p>
+            <a:pPr marL="0" indent="0" algn="ctr">
               <a:buNone/>
             </a:pPr>
             <a:r>
               <a:rPr lang="es-MX" dirty="0" smtClean="0"/>
-              <a:t/>
-            </a:r>
-            <a:br>
-              <a:rPr lang="es-MX" dirty="0" smtClean="0"/>
-            </a:br>
+              <a:t>A</a:t>
+            </a:r>
+          </a:p>
+          <a:p>
+            <a:pPr marL="0" indent="0" algn="ctr">
+              <a:buNone/>
+            </a:pPr>
+            <a:r>
+              <a:rPr lang="es-MX" dirty="0" err="1" smtClean="0"/>
+              <a:t>Low-frequency</a:t>
+            </a:r>
+            <a:r>
+              <a:rPr lang="es-MX" dirty="0" smtClean="0"/>
+              <a:t> </a:t>
+            </a:r>
+            <a:r>
+              <a:rPr lang="es-MX" dirty="0" err="1" smtClean="0"/>
+              <a:t>words</a:t>
+            </a:r>
+            <a:endParaRPr lang="es-MX" dirty="0" smtClean="0"/>
+          </a:p>
+          <a:p>
+            <a:pPr marL="0" indent="0" algn="ctr">
+              <a:buNone/>
+            </a:pPr>
+            <a:r>
+              <a:rPr lang="es-MX" dirty="0" smtClean="0"/>
+              <a:t>Concrete </a:t>
+            </a:r>
+            <a:r>
+              <a:rPr lang="es-MX" dirty="0" err="1" smtClean="0"/>
+              <a:t>words</a:t>
+            </a:r>
+            <a:endParaRPr lang="es-MX" dirty="0" smtClean="0"/>
+          </a:p>
+          <a:p>
+            <a:pPr marL="0" indent="0" algn="ctr">
+              <a:buNone/>
+            </a:pPr>
+            <a:r>
+              <a:rPr lang="es-MX" dirty="0" err="1" smtClean="0"/>
+              <a:t>Reversed</a:t>
+            </a:r>
+            <a:r>
+              <a:rPr lang="es-MX" dirty="0" smtClean="0"/>
+              <a:t> </a:t>
+            </a:r>
+            <a:r>
+              <a:rPr lang="es-MX" dirty="0" err="1" smtClean="0"/>
+              <a:t>words</a:t>
+            </a:r>
+            <a:r>
+              <a:rPr lang="es-MX" dirty="0" smtClean="0"/>
+              <a:t>.</a:t>
+            </a:r>
+          </a:p>
+          <a:p>
+            <a:pPr marL="0" indent="0" algn="ctr">
+              <a:buNone/>
+            </a:pPr>
+            <a:r>
+              <a:rPr lang="es-MX" dirty="0" err="1" smtClean="0"/>
+              <a:t>Pictures</a:t>
+            </a:r>
+            <a:r>
+              <a:rPr lang="es-MX" dirty="0" smtClean="0"/>
+              <a:t>.</a:t>
+            </a:r>
             <a:endParaRPr lang="es-MX" dirty="0"/>
           </a:p>
-          <a:p>
-            <a:r>
-              <a:rPr lang="es-MX" b="1" dirty="0" err="1" smtClean="0"/>
-              <a:t>Null</a:t>
-            </a:r>
-            <a:r>
-              <a:rPr lang="es-MX" b="1" dirty="0" smtClean="0"/>
-              <a:t> </a:t>
-            </a:r>
-            <a:r>
-              <a:rPr lang="es-MX" b="1" dirty="0" err="1" smtClean="0"/>
-              <a:t>Choices</a:t>
-            </a:r>
-            <a:r>
-              <a:rPr lang="es-MX" dirty="0" smtClean="0"/>
-              <a:t/>
-            </a:r>
-            <a:br>
-              <a:rPr lang="es-MX" dirty="0" smtClean="0"/>
-            </a:br>
-            <a:r>
-              <a:rPr lang="es-MX" dirty="0" smtClean="0"/>
-              <a:t/>
-            </a:r>
-            <a:br>
-              <a:rPr lang="es-MX" dirty="0" smtClean="0"/>
-            </a:br>
-            <a:r>
-              <a:rPr lang="es-MX" dirty="0" smtClean="0"/>
-              <a:t>AN – BN</a:t>
-            </a:r>
-            <a:br>
-              <a:rPr lang="es-MX" dirty="0" smtClean="0"/>
-            </a:br>
-            <a:r>
-              <a:rPr lang="es-MX" dirty="0" smtClean="0"/>
-              <a:t/>
-            </a:r>
-            <a:br>
-              <a:rPr lang="es-MX" dirty="0" smtClean="0"/>
-            </a:br>
-            <a:r>
-              <a:rPr lang="es-MX" dirty="0" smtClean="0"/>
-              <a:t>AO - BO</a:t>
+        </p:txBody>
+      </p:sp>
+      <p:sp>
+        <p:nvSpPr>
+          <p:cNvPr id="5" name="4 Marcador de contenido"/>
+          <p:cNvSpPr>
+            <a:spLocks noGrp="1"/>
+          </p:cNvSpPr>
+          <p:nvPr>
+            <p:ph sz="half" idx="2"/>
+          </p:nvPr>
+        </p:nvSpPr>
+        <p:spPr/>
+        <p:txBody>
+          <a:bodyPr/>
+          <a:lstStyle/>
+          <a:p>
+            <a:pPr marL="0" indent="0" algn="ctr">
+              <a:buNone/>
+            </a:pPr>
+            <a:r>
+              <a:rPr lang="es-MX" dirty="0" smtClean="0"/>
+              <a:t>B</a:t>
+            </a:r>
+          </a:p>
+          <a:p>
+            <a:pPr marL="0" indent="0" algn="ctr">
+              <a:buNone/>
+            </a:pPr>
+            <a:r>
+              <a:rPr lang="es-MX" dirty="0" smtClean="0"/>
+              <a:t>High-</a:t>
+            </a:r>
+            <a:r>
+              <a:rPr lang="es-MX" dirty="0" err="1" smtClean="0"/>
+              <a:t>frequency</a:t>
+            </a:r>
+            <a:r>
+              <a:rPr lang="es-MX" dirty="0" smtClean="0"/>
+              <a:t> </a:t>
+            </a:r>
+            <a:r>
+              <a:rPr lang="es-MX" dirty="0" err="1" smtClean="0"/>
+              <a:t>words</a:t>
+            </a:r>
+            <a:endParaRPr lang="es-MX" dirty="0" smtClean="0"/>
+          </a:p>
+          <a:p>
+            <a:pPr marL="0" indent="0" algn="ctr">
+              <a:buNone/>
+            </a:pPr>
+            <a:r>
+              <a:rPr lang="es-MX" dirty="0" err="1" smtClean="0"/>
+              <a:t>Abstract</a:t>
+            </a:r>
+            <a:r>
+              <a:rPr lang="es-MX" dirty="0" smtClean="0"/>
+              <a:t> </a:t>
+            </a:r>
+            <a:r>
+              <a:rPr lang="es-MX" dirty="0" err="1" smtClean="0"/>
+              <a:t>words</a:t>
+            </a:r>
+            <a:endParaRPr lang="es-MX" dirty="0" smtClean="0"/>
+          </a:p>
+          <a:p>
+            <a:pPr marL="0" indent="0" algn="ctr">
+              <a:buNone/>
+            </a:pPr>
+            <a:r>
+              <a:rPr lang="es-MX" dirty="0" smtClean="0"/>
+              <a:t>Standard </a:t>
+            </a:r>
+            <a:r>
+              <a:rPr lang="es-MX" dirty="0" err="1" smtClean="0"/>
+              <a:t>words</a:t>
+            </a:r>
+            <a:r>
+              <a:rPr lang="es-MX" dirty="0" smtClean="0"/>
+              <a:t>. </a:t>
+            </a:r>
+          </a:p>
+          <a:p>
+            <a:pPr marL="0" indent="0" algn="ctr">
+              <a:buNone/>
+            </a:pPr>
+            <a:r>
+              <a:rPr lang="es-MX" dirty="0" err="1" smtClean="0"/>
+              <a:t>Words</a:t>
+            </a:r>
+            <a:r>
+              <a:rPr lang="es-MX" dirty="0" smtClean="0"/>
+              <a:t>.</a:t>
             </a:r>
             <a:endParaRPr lang="es-MX" dirty="0"/>
           </a:p>
         </p:txBody>
       </p:sp>
-      <p:pic>
-        <p:nvPicPr>
-          <p:cNvPr id="4" name="Picture 2"/>
-          <p:cNvPicPr>
-            <a:picLocks noChangeAspect="1" noChangeArrowheads="1"/>
-          </p:cNvPicPr>
-          <p:nvPr/>
-        </p:nvPicPr>
-        <p:blipFill>
-          <a:blip r:embed="rId2">
-            <a:extLst>
-              <a:ext uri="{28A0092B-C50C-407E-A947-70E740481C1C}">
-                <a14:useLocalDpi xmlns:a14="http://schemas.microsoft.com/office/drawing/2010/main" val="0"/>
-              </a:ext>
-            </a:extLst>
-          </a:blip>
-          <a:srcRect/>
-          <a:stretch>
-            <a:fillRect/>
-          </a:stretch>
-        </p:blipFill>
-        <p:spPr bwMode="auto">
-          <a:xfrm>
-            <a:off x="15877" y="1628800"/>
-            <a:ext cx="5351141" cy="2743969"/>
-          </a:xfrm>
-          <a:prstGeom prst="rect">
-            <a:avLst/>
-          </a:prstGeom>
-          <a:noFill/>
-          <a:ln>
-            <a:noFill/>
-          </a:ln>
-          <a:extLst>
-            <a:ext uri="{909E8E84-426E-40DD-AFC4-6F175D3DCCD1}">
-              <a14:hiddenFill xmlns:a14="http://schemas.microsoft.com/office/drawing/2010/main">
-                <a:solidFill>
-                  <a:schemeClr val="accent1"/>
-                </a:solidFill>
-              </a14:hiddenFill>
-            </a:ext>
-            <a:ext uri="{91240B29-F687-4F45-9708-019B960494DF}">
-              <a14:hiddenLine xmlns:a14="http://schemas.microsoft.com/office/drawing/2010/main" w="9525">
-                <a:solidFill>
-                  <a:schemeClr val="tx1"/>
-                </a:solidFill>
-                <a:miter lim="800000"/>
-                <a:headEnd/>
-                <a:tailEnd/>
-              </a14:hiddenLine>
-            </a:ext>
-          </a:extLst>
-        </p:spPr>
-      </p:pic>
     </p:spTree>
     <p:extLst>
       <p:ext uri="{BB962C8B-B14F-4D97-AF65-F5344CB8AC3E}">
-        <p14:creationId xmlns:p14="http://schemas.microsoft.com/office/powerpoint/2010/main" val="3937785319"/>
+        <p14:creationId xmlns:p14="http://schemas.microsoft.com/office/powerpoint/2010/main" val="775072787"/>
       </p:ext>
     </p:extLst>
   </p:cSld>
@@ -9204,7 +8402,7 @@
 </p:sld>
 </file>
 
-<file path=ppt/slides/slide27.xml><?xml version="1.0" encoding="utf-8"?>
+<file path=ppt/slides/slide24.xml><?xml version="1.0" encoding="utf-8"?>
 <p:sld xmlns:a="http://schemas.openxmlformats.org/drawingml/2006/main" xmlns:r="http://schemas.openxmlformats.org/officeDocument/2006/relationships" xmlns:p="http://schemas.openxmlformats.org/presentationml/2006/main">
   <p:cSld>
     <p:spTree>
@@ -9233,247 +8431,6 @@
         </p:nvSpPr>
         <p:spPr/>
         <p:txBody>
-          <a:bodyPr/>
-          <a:lstStyle/>
-          <a:p>
-            <a:r>
-              <a:rPr lang="es-MX" dirty="0" smtClean="0"/>
-              <a:t>Variables</a:t>
-            </a:r>
-            <a:endParaRPr lang="es-MX" dirty="0"/>
-          </a:p>
-        </p:txBody>
-      </p:sp>
-      <p:sp>
-        <p:nvSpPr>
-          <p:cNvPr id="4" name="3 Marcador de contenido"/>
-          <p:cNvSpPr>
-            <a:spLocks noGrp="1"/>
-          </p:cNvSpPr>
-          <p:nvPr>
-            <p:ph sz="half" idx="1"/>
-          </p:nvPr>
-        </p:nvSpPr>
-        <p:spPr/>
-        <p:txBody>
-          <a:bodyPr/>
-          <a:lstStyle/>
-          <a:p>
-            <a:pPr marL="0" indent="0" algn="ctr">
-              <a:buNone/>
-            </a:pPr>
-            <a:r>
-              <a:rPr lang="es-MX" dirty="0" smtClean="0"/>
-              <a:t>A</a:t>
-            </a:r>
-          </a:p>
-          <a:p>
-            <a:pPr marL="0" indent="0" algn="ctr">
-              <a:buNone/>
-            </a:pPr>
-            <a:r>
-              <a:rPr lang="es-MX" dirty="0" err="1" smtClean="0"/>
-              <a:t>Low-frequency</a:t>
-            </a:r>
-            <a:r>
-              <a:rPr lang="es-MX" dirty="0" smtClean="0"/>
-              <a:t> </a:t>
-            </a:r>
-            <a:r>
-              <a:rPr lang="es-MX" dirty="0" err="1" smtClean="0"/>
-              <a:t>words</a:t>
-            </a:r>
-            <a:endParaRPr lang="es-MX" dirty="0" smtClean="0"/>
-          </a:p>
-          <a:p>
-            <a:pPr marL="0" indent="0" algn="ctr">
-              <a:buNone/>
-            </a:pPr>
-            <a:r>
-              <a:rPr lang="es-MX" dirty="0" smtClean="0"/>
-              <a:t>Concrete </a:t>
-            </a:r>
-            <a:r>
-              <a:rPr lang="es-MX" dirty="0" err="1" smtClean="0"/>
-              <a:t>words</a:t>
-            </a:r>
-            <a:endParaRPr lang="es-MX" dirty="0" smtClean="0"/>
-          </a:p>
-          <a:p>
-            <a:pPr marL="0" indent="0" algn="ctr">
-              <a:buNone/>
-            </a:pPr>
-            <a:r>
-              <a:rPr lang="es-MX" dirty="0" err="1" smtClean="0"/>
-              <a:t>Reversed</a:t>
-            </a:r>
-            <a:r>
-              <a:rPr lang="es-MX" dirty="0" smtClean="0"/>
-              <a:t> </a:t>
-            </a:r>
-            <a:r>
-              <a:rPr lang="es-MX" dirty="0" err="1" smtClean="0"/>
-              <a:t>words</a:t>
-            </a:r>
-            <a:r>
-              <a:rPr lang="es-MX" dirty="0" smtClean="0"/>
-              <a:t>.</a:t>
-            </a:r>
-          </a:p>
-          <a:p>
-            <a:pPr marL="0" indent="0" algn="ctr">
-              <a:buNone/>
-            </a:pPr>
-            <a:r>
-              <a:rPr lang="es-MX" dirty="0" err="1" smtClean="0"/>
-              <a:t>Pictures</a:t>
-            </a:r>
-            <a:r>
-              <a:rPr lang="es-MX" dirty="0" smtClean="0"/>
-              <a:t>.</a:t>
-            </a:r>
-            <a:endParaRPr lang="es-MX" dirty="0"/>
-          </a:p>
-        </p:txBody>
-      </p:sp>
-      <p:sp>
-        <p:nvSpPr>
-          <p:cNvPr id="5" name="4 Marcador de contenido"/>
-          <p:cNvSpPr>
-            <a:spLocks noGrp="1"/>
-          </p:cNvSpPr>
-          <p:nvPr>
-            <p:ph sz="half" idx="2"/>
-          </p:nvPr>
-        </p:nvSpPr>
-        <p:spPr/>
-        <p:txBody>
-          <a:bodyPr/>
-          <a:lstStyle/>
-          <a:p>
-            <a:pPr marL="0" indent="0" algn="ctr">
-              <a:buNone/>
-            </a:pPr>
-            <a:r>
-              <a:rPr lang="es-MX" dirty="0" smtClean="0"/>
-              <a:t>B</a:t>
-            </a:r>
-          </a:p>
-          <a:p>
-            <a:pPr marL="0" indent="0" algn="ctr">
-              <a:buNone/>
-            </a:pPr>
-            <a:r>
-              <a:rPr lang="es-MX" dirty="0" smtClean="0"/>
-              <a:t>High-</a:t>
-            </a:r>
-            <a:r>
-              <a:rPr lang="es-MX" dirty="0" err="1" smtClean="0"/>
-              <a:t>frequency</a:t>
-            </a:r>
-            <a:r>
-              <a:rPr lang="es-MX" dirty="0" smtClean="0"/>
-              <a:t> </a:t>
-            </a:r>
-            <a:r>
-              <a:rPr lang="es-MX" dirty="0" err="1" smtClean="0"/>
-              <a:t>words</a:t>
-            </a:r>
-            <a:endParaRPr lang="es-MX" dirty="0" smtClean="0"/>
-          </a:p>
-          <a:p>
-            <a:pPr marL="0" indent="0" algn="ctr">
-              <a:buNone/>
-            </a:pPr>
-            <a:r>
-              <a:rPr lang="es-MX" dirty="0" err="1" smtClean="0"/>
-              <a:t>Abstract</a:t>
-            </a:r>
-            <a:r>
-              <a:rPr lang="es-MX" dirty="0" smtClean="0"/>
-              <a:t> </a:t>
-            </a:r>
-            <a:r>
-              <a:rPr lang="es-MX" dirty="0" err="1" smtClean="0"/>
-              <a:t>words</a:t>
-            </a:r>
-            <a:endParaRPr lang="es-MX" dirty="0" smtClean="0"/>
-          </a:p>
-          <a:p>
-            <a:pPr marL="0" indent="0" algn="ctr">
-              <a:buNone/>
-            </a:pPr>
-            <a:r>
-              <a:rPr lang="es-MX" dirty="0" smtClean="0"/>
-              <a:t>Standard </a:t>
-            </a:r>
-            <a:r>
-              <a:rPr lang="es-MX" dirty="0" err="1" smtClean="0"/>
-              <a:t>words</a:t>
-            </a:r>
-            <a:r>
-              <a:rPr lang="es-MX" dirty="0" smtClean="0"/>
-              <a:t>. </a:t>
-            </a:r>
-          </a:p>
-          <a:p>
-            <a:pPr marL="0" indent="0" algn="ctr">
-              <a:buNone/>
-            </a:pPr>
-            <a:r>
-              <a:rPr lang="es-MX" dirty="0" err="1" smtClean="0"/>
-              <a:t>Words</a:t>
-            </a:r>
-            <a:r>
-              <a:rPr lang="es-MX" dirty="0" smtClean="0"/>
-              <a:t>.</a:t>
-            </a:r>
-            <a:endParaRPr lang="es-MX" dirty="0"/>
-          </a:p>
-        </p:txBody>
-      </p:sp>
-    </p:spTree>
-    <p:extLst>
-      <p:ext uri="{BB962C8B-B14F-4D97-AF65-F5344CB8AC3E}">
-        <p14:creationId xmlns:p14="http://schemas.microsoft.com/office/powerpoint/2010/main" val="775072787"/>
-      </p:ext>
-    </p:extLst>
-  </p:cSld>
-  <p:clrMapOvr>
-    <a:masterClrMapping/>
-  </p:clrMapOvr>
-</p:sld>
-</file>
-
-<file path=ppt/slides/slide28.xml><?xml version="1.0" encoding="utf-8"?>
-<p:sld xmlns:a="http://schemas.openxmlformats.org/drawingml/2006/main" xmlns:r="http://schemas.openxmlformats.org/officeDocument/2006/relationships" xmlns:p="http://schemas.openxmlformats.org/presentationml/2006/main">
-  <p:cSld>
-    <p:spTree>
-      <p:nvGrpSpPr>
-        <p:cNvPr id="1" name=""/>
-        <p:cNvGrpSpPr/>
-        <p:nvPr/>
-      </p:nvGrpSpPr>
-      <p:grpSpPr>
-        <a:xfrm>
-          <a:off x="0" y="0"/>
-          <a:ext cx="0" cy="0"/>
-          <a:chOff x="0" y="0"/>
-          <a:chExt cx="0" cy="0"/>
-        </a:xfrm>
-      </p:grpSpPr>
-      <p:sp>
-        <p:nvSpPr>
-          <p:cNvPr id="2" name="1 Título"/>
-          <p:cNvSpPr>
-            <a:spLocks noGrp="1"/>
-          </p:cNvSpPr>
-          <p:nvPr>
-            <p:ph type="title"/>
-          </p:nvPr>
-        </p:nvSpPr>
-        <p:spPr/>
-        <p:txBody>
           <a:bodyPr>
             <a:normAutofit fontScale="90000"/>
           </a:bodyPr>
@@ -9887,7 +8844,7 @@
 </p:sld>
 </file>
 
-<file path=ppt/slides/slide29.xml><?xml version="1.0" encoding="utf-8"?>
+<file path=ppt/slides/slide25.xml><?xml version="1.0" encoding="utf-8"?>
 <p:sld xmlns:a="http://schemas.openxmlformats.org/drawingml/2006/main" xmlns:r="http://schemas.openxmlformats.org/officeDocument/2006/relationships" xmlns:p="http://schemas.openxmlformats.org/presentationml/2006/main">
   <p:cSld>
     <p:spTree>
@@ -10018,7 +8975,7 @@
 </p:sld>
 </file>
 
-<file path=ppt/slides/slide3.xml><?xml version="1.0" encoding="utf-8"?>
+<file path=ppt/slides/slide26.xml><?xml version="1.0" encoding="utf-8"?>
 <p:sld xmlns:a="http://schemas.openxmlformats.org/drawingml/2006/main" xmlns:r="http://schemas.openxmlformats.org/officeDocument/2006/relationships" xmlns:p="http://schemas.openxmlformats.org/presentationml/2006/main">
   <p:cSld>
     <p:spTree>
@@ -10037,12 +8994,12 @@
       </p:grpSpPr>
       <p:sp>
         <p:nvSpPr>
-          <p:cNvPr id="2" name="1 Título"/>
-          <p:cNvSpPr>
-            <a:spLocks noGrp="1"/>
-          </p:cNvSpPr>
-          <p:nvPr>
-            <p:ph type="ctrTitle"/>
+          <p:cNvPr id="2" name="Título 1"/>
+          <p:cNvSpPr>
+            <a:spLocks noGrp="1"/>
+          </p:cNvSpPr>
+          <p:nvPr>
+            <p:ph type="title"/>
           </p:nvPr>
         </p:nvSpPr>
         <p:spPr/>
@@ -10051,63 +9008,235 @@
           <a:lstStyle/>
           <a:p>
             <a:r>
-              <a:rPr lang="es-MX" dirty="0" err="1" smtClean="0"/>
-              <a:t>Signal</a:t>
-            </a:r>
-            <a:r>
-              <a:rPr lang="es-MX" dirty="0" smtClean="0"/>
-              <a:t> </a:t>
-            </a:r>
-            <a:r>
-              <a:rPr lang="es-MX" dirty="0" err="1" smtClean="0"/>
-              <a:t>Detection</a:t>
-            </a:r>
-            <a:r>
-              <a:rPr lang="es-MX" dirty="0" smtClean="0"/>
-              <a:t> </a:t>
-            </a:r>
-            <a:r>
-              <a:rPr lang="es-MX" dirty="0" err="1" smtClean="0"/>
-              <a:t>Theory</a:t>
-            </a:r>
-            <a:endParaRPr lang="es-MX" dirty="0"/>
-          </a:p>
-        </p:txBody>
-      </p:sp>
-      <p:sp>
-        <p:nvSpPr>
-          <p:cNvPr id="3" name="2 Subtítulo"/>
-          <p:cNvSpPr>
-            <a:spLocks noGrp="1"/>
-          </p:cNvSpPr>
-          <p:nvPr>
-            <p:ph type="subTitle" idx="1"/>
-          </p:nvPr>
-        </p:nvSpPr>
-        <p:spPr>
-          <a:xfrm>
-            <a:off x="1403648" y="332656"/>
-            <a:ext cx="6400800" cy="1752600"/>
-          </a:xfrm>
-        </p:spPr>
-        <p:txBody>
-          <a:bodyPr/>
-          <a:lstStyle/>
-          <a:p>
-            <a:r>
-              <a:rPr lang="es-MX" dirty="0" smtClean="0"/>
-              <a:t>PARTE I</a:t>
-            </a:r>
-          </a:p>
-          <a:p>
-            <a:endParaRPr lang="es-MX" dirty="0"/>
+              <a:rPr lang="es-ES" dirty="0" err="1" smtClean="0"/>
+              <a:t>Research</a:t>
+            </a:r>
+            <a:r>
+              <a:rPr lang="es-ES" dirty="0" smtClean="0"/>
+              <a:t> </a:t>
+            </a:r>
+            <a:r>
+              <a:rPr lang="es-ES" dirty="0" err="1" smtClean="0"/>
+              <a:t>question</a:t>
+            </a:r>
+            <a:endParaRPr lang="es-ES" dirty="0"/>
+          </a:p>
+        </p:txBody>
+      </p:sp>
+      <p:sp>
+        <p:nvSpPr>
+          <p:cNvPr id="3" name="Marcador de contenido 2"/>
+          <p:cNvSpPr>
+            <a:spLocks noGrp="1"/>
+          </p:cNvSpPr>
+          <p:nvPr>
+            <p:ph idx="1"/>
+          </p:nvPr>
+        </p:nvSpPr>
+        <p:spPr/>
+        <p:txBody>
+          <a:bodyPr>
+            <a:normAutofit/>
+          </a:bodyPr>
+          <a:lstStyle/>
+          <a:p>
+            <a:r>
+              <a:rPr lang="es-ES" dirty="0" err="1" smtClean="0"/>
+              <a:t>Is</a:t>
+            </a:r>
+            <a:r>
+              <a:rPr lang="es-ES" dirty="0" smtClean="0"/>
+              <a:t> </a:t>
+            </a:r>
+            <a:r>
+              <a:rPr lang="es-ES" dirty="0" err="1" smtClean="0"/>
+              <a:t>the</a:t>
+            </a:r>
+            <a:r>
+              <a:rPr lang="es-ES" dirty="0" smtClean="0"/>
+              <a:t> </a:t>
+            </a:r>
+            <a:r>
+              <a:rPr lang="es-ES" dirty="0" err="1" smtClean="0"/>
+              <a:t>Mirror</a:t>
+            </a:r>
+            <a:r>
+              <a:rPr lang="es-ES" dirty="0" smtClean="0"/>
+              <a:t> </a:t>
+            </a:r>
+            <a:r>
+              <a:rPr lang="es-ES" dirty="0" err="1" smtClean="0"/>
+              <a:t>Effect</a:t>
+            </a:r>
+            <a:r>
+              <a:rPr lang="es-ES" dirty="0" smtClean="0"/>
+              <a:t> </a:t>
+            </a:r>
+            <a:r>
+              <a:rPr lang="es-ES" dirty="0" err="1" smtClean="0"/>
+              <a:t>exclusively</a:t>
+            </a:r>
+            <a:r>
+              <a:rPr lang="es-ES" dirty="0" smtClean="0"/>
+              <a:t> </a:t>
+            </a:r>
+            <a:r>
+              <a:rPr lang="es-ES" dirty="0" err="1" smtClean="0"/>
+              <a:t>related</a:t>
+            </a:r>
+            <a:r>
+              <a:rPr lang="es-ES" dirty="0" smtClean="0"/>
+              <a:t> </a:t>
+            </a:r>
+            <a:r>
+              <a:rPr lang="es-ES" dirty="0" err="1" smtClean="0"/>
+              <a:t>to</a:t>
+            </a:r>
+            <a:r>
+              <a:rPr lang="es-ES" dirty="0" smtClean="0"/>
+              <a:t> </a:t>
+            </a:r>
+            <a:r>
+              <a:rPr lang="es-ES" dirty="0" err="1" smtClean="0"/>
+              <a:t>recognition</a:t>
+            </a:r>
+            <a:r>
+              <a:rPr lang="es-ES" dirty="0" smtClean="0"/>
+              <a:t> </a:t>
+            </a:r>
+            <a:r>
+              <a:rPr lang="es-ES" dirty="0" err="1" smtClean="0"/>
+              <a:t>memory</a:t>
+            </a:r>
+            <a:r>
+              <a:rPr lang="es-ES" dirty="0" smtClean="0"/>
+              <a:t>?</a:t>
+            </a:r>
+          </a:p>
+          <a:p>
+            <a:pPr lvl="1"/>
+            <a:r>
+              <a:rPr lang="es-ES" dirty="0" smtClean="0"/>
+              <a:t>Can </a:t>
+            </a:r>
+            <a:r>
+              <a:rPr lang="es-ES" dirty="0" err="1" smtClean="0"/>
+              <a:t>we</a:t>
+            </a:r>
+            <a:r>
+              <a:rPr lang="es-ES" dirty="0" smtClean="0"/>
+              <a:t> </a:t>
+            </a:r>
+            <a:r>
+              <a:rPr lang="es-ES" dirty="0" err="1" smtClean="0"/>
+              <a:t>find</a:t>
+            </a:r>
+            <a:r>
+              <a:rPr lang="es-ES" dirty="0" smtClean="0"/>
+              <a:t> </a:t>
+            </a:r>
+            <a:r>
+              <a:rPr lang="es-ES" dirty="0" err="1" smtClean="0"/>
+              <a:t>evidence</a:t>
+            </a:r>
+            <a:r>
+              <a:rPr lang="es-ES" dirty="0" smtClean="0"/>
+              <a:t> </a:t>
+            </a:r>
+            <a:r>
+              <a:rPr lang="es-ES" dirty="0" err="1" smtClean="0"/>
+              <a:t>for</a:t>
+            </a:r>
+            <a:r>
+              <a:rPr lang="es-ES" dirty="0" smtClean="0"/>
+              <a:t> </a:t>
+            </a:r>
+            <a:r>
+              <a:rPr lang="es-ES" dirty="0" err="1" smtClean="0"/>
+              <a:t>the</a:t>
+            </a:r>
+            <a:r>
+              <a:rPr lang="es-ES" dirty="0" smtClean="0"/>
+              <a:t> </a:t>
+            </a:r>
+            <a:r>
+              <a:rPr lang="es-ES" dirty="0" err="1" smtClean="0"/>
+              <a:t>Mirror</a:t>
+            </a:r>
+            <a:r>
+              <a:rPr lang="es-ES" dirty="0" smtClean="0"/>
+              <a:t> </a:t>
+            </a:r>
+            <a:r>
+              <a:rPr lang="es-ES" dirty="0" err="1" smtClean="0"/>
+              <a:t>Effect</a:t>
+            </a:r>
+            <a:r>
+              <a:rPr lang="es-ES" dirty="0" smtClean="0"/>
+              <a:t> in a perceptual </a:t>
+            </a:r>
+            <a:r>
+              <a:rPr lang="es-ES" dirty="0" err="1" smtClean="0"/>
+              <a:t>task</a:t>
+            </a:r>
+            <a:r>
+              <a:rPr lang="es-ES" dirty="0" smtClean="0"/>
+              <a:t>?</a:t>
+            </a:r>
+            <a:endParaRPr lang="es-ES" dirty="0"/>
+          </a:p>
+          <a:p>
+            <a:endParaRPr lang="es-ES" dirty="0" smtClean="0"/>
+          </a:p>
+          <a:p>
+            <a:r>
+              <a:rPr lang="es-ES" dirty="0" err="1" smtClean="0"/>
+              <a:t>Is</a:t>
+            </a:r>
+            <a:r>
+              <a:rPr lang="es-ES" dirty="0" smtClean="0"/>
+              <a:t> </a:t>
+            </a:r>
+            <a:r>
+              <a:rPr lang="es-ES" dirty="0" err="1" smtClean="0"/>
+              <a:t>the</a:t>
+            </a:r>
+            <a:r>
+              <a:rPr lang="es-ES" dirty="0" smtClean="0"/>
+              <a:t> </a:t>
+            </a:r>
+            <a:r>
+              <a:rPr lang="es-ES" dirty="0" err="1" smtClean="0"/>
+              <a:t>Mirror</a:t>
+            </a:r>
+            <a:r>
+              <a:rPr lang="es-ES" dirty="0" smtClean="0"/>
+              <a:t> </a:t>
+            </a:r>
+            <a:r>
+              <a:rPr lang="es-ES" dirty="0" err="1" smtClean="0"/>
+              <a:t>Effect</a:t>
+            </a:r>
+            <a:r>
+              <a:rPr lang="es-ES" dirty="0" smtClean="0"/>
+              <a:t> a </a:t>
+            </a:r>
+            <a:r>
+              <a:rPr lang="es-ES" dirty="0" err="1" smtClean="0"/>
+              <a:t>property</a:t>
+            </a:r>
+            <a:r>
+              <a:rPr lang="es-ES" dirty="0" smtClean="0"/>
+              <a:t> of SDT.</a:t>
+            </a:r>
+            <a:endParaRPr lang="es-ES" dirty="0"/>
           </a:p>
         </p:txBody>
       </p:sp>
     </p:spTree>
     <p:extLst>
       <p:ext uri="{BB962C8B-B14F-4D97-AF65-F5344CB8AC3E}">
-        <p14:creationId xmlns:p14="http://schemas.microsoft.com/office/powerpoint/2010/main" val="711355567"/>
+        <p14:creationId xmlns:p14="http://schemas.microsoft.com/office/powerpoint/2010/main" val="1114088535"/>
       </p:ext>
     </p:extLst>
   </p:cSld>
@@ -10117,7 +9246,7 @@
 </p:sld>
 </file>
 
-<file path=ppt/slides/slide30.xml><?xml version="1.0" encoding="utf-8"?>
+<file path=ppt/slides/slide27.xml><?xml version="1.0" encoding="utf-8"?>
 <p:sld xmlns:a="http://schemas.openxmlformats.org/drawingml/2006/main" xmlns:r="http://schemas.openxmlformats.org/officeDocument/2006/relationships" xmlns:p="http://schemas.openxmlformats.org/presentationml/2006/main">
   <p:cSld>
     <p:spTree>
@@ -10136,12 +9265,12 @@
       </p:grpSpPr>
       <p:sp>
         <p:nvSpPr>
-          <p:cNvPr id="2" name="Título 1"/>
-          <p:cNvSpPr>
-            <a:spLocks noGrp="1"/>
-          </p:cNvSpPr>
-          <p:nvPr>
-            <p:ph type="title"/>
+          <p:cNvPr id="2" name="1 Título"/>
+          <p:cNvSpPr>
+            <a:spLocks noGrp="1"/>
+          </p:cNvSpPr>
+          <p:nvPr>
+            <p:ph type="ctrTitle"/>
           </p:nvPr>
         </p:nvSpPr>
         <p:spPr/>
@@ -10150,21 +9279,29 @@
           <a:lstStyle/>
           <a:p>
             <a:r>
-              <a:rPr lang="es-ES" dirty="0" smtClean="0"/>
-              <a:t>PREGUNTA</a:t>
-            </a:r>
-            <a:endParaRPr lang="es-ES" dirty="0"/>
-          </a:p>
-        </p:txBody>
-      </p:sp>
-      <p:sp>
-        <p:nvSpPr>
-          <p:cNvPr id="3" name="Marcador de contenido 2"/>
-          <p:cNvSpPr>
-            <a:spLocks noGrp="1"/>
-          </p:cNvSpPr>
-          <p:nvPr>
-            <p:ph idx="1"/>
+              <a:rPr lang="es-MX" dirty="0" err="1" smtClean="0"/>
+              <a:t>The</a:t>
+            </a:r>
+            <a:r>
+              <a:rPr lang="es-MX" dirty="0" smtClean="0"/>
+              <a:t> </a:t>
+            </a:r>
+            <a:r>
+              <a:rPr lang="es-MX" dirty="0" err="1" smtClean="0"/>
+              <a:t>Experiment</a:t>
+            </a:r>
+            <a:endParaRPr lang="es-MX" dirty="0"/>
+          </a:p>
+        </p:txBody>
+      </p:sp>
+      <p:sp>
+        <p:nvSpPr>
+          <p:cNvPr id="3" name="2 Subtítulo"/>
+          <p:cNvSpPr>
+            <a:spLocks noGrp="1"/>
+          </p:cNvSpPr>
+          <p:nvPr>
+            <p:ph type="subTitle" idx="1"/>
           </p:nvPr>
         </p:nvSpPr>
         <p:spPr/>
@@ -10173,26 +9310,21 @@
           <a:lstStyle/>
           <a:p>
             <a:r>
-              <a:rPr lang="es-ES" dirty="0" smtClean="0"/>
-              <a:t>¿El Efecto Espejo es algo exclusivo de la memoria de reconocimiento? ¿Se encuentra también en estudios perceptuales?</a:t>
-            </a:r>
-          </a:p>
-          <a:p>
-            <a:endParaRPr lang="es-ES" dirty="0"/>
-          </a:p>
-          <a:p>
-            <a:r>
-              <a:rPr lang="es-ES" dirty="0" smtClean="0"/>
-              <a:t>¿El Efecto Espejo es una propiedad de la SDT?</a:t>
-            </a:r>
-            <a:endParaRPr lang="es-ES" dirty="0"/>
+              <a:rPr lang="es-MX" dirty="0" smtClean="0"/>
+              <a:t>PARTE </a:t>
+            </a:r>
+            <a:r>
+              <a:rPr lang="es-MX" dirty="0" smtClean="0"/>
+              <a:t>III</a:t>
+            </a:r>
+            <a:endParaRPr lang="es-MX" dirty="0" smtClean="0"/>
           </a:p>
         </p:txBody>
       </p:sp>
     </p:spTree>
     <p:extLst>
       <p:ext uri="{BB962C8B-B14F-4D97-AF65-F5344CB8AC3E}">
-        <p14:creationId xmlns:p14="http://schemas.microsoft.com/office/powerpoint/2010/main" val="1114088535"/>
+        <p14:creationId xmlns:p14="http://schemas.microsoft.com/office/powerpoint/2010/main" val="711355567"/>
       </p:ext>
     </p:extLst>
   </p:cSld>
@@ -10202,7 +9334,7 @@
 </p:sld>
 </file>
 
-<file path=ppt/slides/slide31.xml><?xml version="1.0" encoding="utf-8"?>
+<file path=ppt/slides/slide28.xml><?xml version="1.0" encoding="utf-8"?>
 <p:sld xmlns:a="http://schemas.openxmlformats.org/drawingml/2006/main" xmlns:r="http://schemas.openxmlformats.org/officeDocument/2006/relationships" xmlns:p="http://schemas.openxmlformats.org/presentationml/2006/main">
   <p:cSld>
     <p:spTree>
@@ -10226,81 +9358,6 @@
             <a:spLocks noGrp="1"/>
           </p:cNvSpPr>
           <p:nvPr>
-            <p:ph type="ctrTitle"/>
-          </p:nvPr>
-        </p:nvSpPr>
-        <p:spPr/>
-        <p:txBody>
-          <a:bodyPr/>
-          <a:lstStyle/>
-          <a:p>
-            <a:r>
-              <a:rPr lang="es-MX" dirty="0" smtClean="0"/>
-              <a:t>El Experimento</a:t>
-            </a:r>
-            <a:endParaRPr lang="es-MX" dirty="0"/>
-          </a:p>
-        </p:txBody>
-      </p:sp>
-      <p:sp>
-        <p:nvSpPr>
-          <p:cNvPr id="3" name="2 Subtítulo"/>
-          <p:cNvSpPr>
-            <a:spLocks noGrp="1"/>
-          </p:cNvSpPr>
-          <p:nvPr>
-            <p:ph type="subTitle" idx="1"/>
-          </p:nvPr>
-        </p:nvSpPr>
-        <p:spPr/>
-        <p:txBody>
-          <a:bodyPr/>
-          <a:lstStyle/>
-          <a:p>
-            <a:r>
-              <a:rPr lang="es-MX" dirty="0" smtClean="0"/>
-              <a:t>PARTE IV</a:t>
-            </a:r>
-          </a:p>
-        </p:txBody>
-      </p:sp>
-    </p:spTree>
-    <p:extLst>
-      <p:ext uri="{BB962C8B-B14F-4D97-AF65-F5344CB8AC3E}">
-        <p14:creationId xmlns:p14="http://schemas.microsoft.com/office/powerpoint/2010/main" val="711355567"/>
-      </p:ext>
-    </p:extLst>
-  </p:cSld>
-  <p:clrMapOvr>
-    <a:masterClrMapping/>
-  </p:clrMapOvr>
-</p:sld>
-</file>
-
-<file path=ppt/slides/slide32.xml><?xml version="1.0" encoding="utf-8"?>
-<p:sld xmlns:a="http://schemas.openxmlformats.org/drawingml/2006/main" xmlns:r="http://schemas.openxmlformats.org/officeDocument/2006/relationships" xmlns:p="http://schemas.openxmlformats.org/presentationml/2006/main">
-  <p:cSld>
-    <p:spTree>
-      <p:nvGrpSpPr>
-        <p:cNvPr id="1" name=""/>
-        <p:cNvGrpSpPr/>
-        <p:nvPr/>
-      </p:nvGrpSpPr>
-      <p:grpSpPr>
-        <a:xfrm>
-          <a:off x="0" y="0"/>
-          <a:ext cx="0" cy="0"/>
-          <a:chOff x="0" y="0"/>
-          <a:chExt cx="0" cy="0"/>
-        </a:xfrm>
-      </p:grpSpPr>
-      <p:sp>
-        <p:nvSpPr>
-          <p:cNvPr id="2" name="1 Título"/>
-          <p:cNvSpPr>
-            <a:spLocks noGrp="1"/>
-          </p:cNvSpPr>
-          <p:nvPr>
             <p:ph type="title"/>
           </p:nvPr>
         </p:nvSpPr>
@@ -10340,7 +9397,7 @@
         </p:spPr>
         <p:txBody>
           <a:bodyPr>
-            <a:normAutofit fontScale="92500" lnSpcReduction="10000"/>
+            <a:normAutofit fontScale="92500" lnSpcReduction="20000"/>
           </a:bodyPr>
           <a:lstStyle/>
           <a:p>
@@ -10348,16 +9405,108 @@
               <a:buNone/>
             </a:pPr>
             <a:r>
-              <a:rPr lang="es-MX" dirty="0" smtClean="0"/>
-              <a:t>Se diseñó una tarea de detección meramente perceptual (visual), con dos niveles de dificultad, para probar la </a:t>
-            </a:r>
-            <a:r>
-              <a:rPr lang="es-MX" dirty="0" err="1" smtClean="0"/>
-              <a:t>generabilidad</a:t>
-            </a:r>
-            <a:r>
-              <a:rPr lang="es-MX" dirty="0" smtClean="0"/>
-              <a:t> del Efecto Espejo.</a:t>
+              <a:rPr lang="es-MX" dirty="0" err="1" smtClean="0"/>
+              <a:t>We</a:t>
+            </a:r>
+            <a:r>
+              <a:rPr lang="es-MX" dirty="0" smtClean="0"/>
+              <a:t> </a:t>
+            </a:r>
+            <a:r>
+              <a:rPr lang="es-MX" dirty="0" err="1" smtClean="0"/>
+              <a:t>designed</a:t>
+            </a:r>
+            <a:r>
+              <a:rPr lang="es-MX" dirty="0" smtClean="0"/>
+              <a:t> a perceptual </a:t>
+            </a:r>
+            <a:r>
+              <a:rPr lang="es-MX" dirty="0" err="1" smtClean="0"/>
+              <a:t>task</a:t>
+            </a:r>
+            <a:r>
+              <a:rPr lang="es-MX" dirty="0" smtClean="0"/>
+              <a:t> </a:t>
+            </a:r>
+            <a:r>
+              <a:rPr lang="es-MX" dirty="0" err="1" smtClean="0"/>
+              <a:t>with</a:t>
+            </a:r>
+            <a:r>
+              <a:rPr lang="es-MX" dirty="0" smtClean="0"/>
+              <a:t> </a:t>
+            </a:r>
+            <a:r>
+              <a:rPr lang="es-MX" dirty="0" err="1" smtClean="0"/>
+              <a:t>two</a:t>
+            </a:r>
+            <a:r>
+              <a:rPr lang="es-MX" dirty="0" smtClean="0"/>
+              <a:t> </a:t>
+            </a:r>
+            <a:r>
+              <a:rPr lang="es-MX" dirty="0" err="1" smtClean="0"/>
+              <a:t>levels</a:t>
+            </a:r>
+            <a:r>
+              <a:rPr lang="es-MX" dirty="0" smtClean="0"/>
+              <a:t> of </a:t>
+            </a:r>
+            <a:r>
+              <a:rPr lang="es-MX" dirty="0" err="1" smtClean="0"/>
+              <a:t>discriminability</a:t>
+            </a:r>
+            <a:r>
+              <a:rPr lang="es-MX" dirty="0" smtClean="0"/>
+              <a:t> </a:t>
+            </a:r>
+            <a:r>
+              <a:rPr lang="es-MX" dirty="0" err="1" smtClean="0"/>
+              <a:t>to</a:t>
+            </a:r>
+            <a:r>
+              <a:rPr lang="es-MX" dirty="0" smtClean="0"/>
+              <a:t> test </a:t>
+            </a:r>
+            <a:r>
+              <a:rPr lang="es-MX" dirty="0" err="1" smtClean="0"/>
+              <a:t>the</a:t>
+            </a:r>
+            <a:r>
+              <a:rPr lang="es-MX" dirty="0" smtClean="0"/>
+              <a:t> </a:t>
+            </a:r>
+            <a:r>
+              <a:rPr lang="es-MX" dirty="0" err="1" smtClean="0"/>
+              <a:t>generalizability</a:t>
+            </a:r>
+            <a:r>
+              <a:rPr lang="es-MX" dirty="0" smtClean="0"/>
+              <a:t> of </a:t>
+            </a:r>
+            <a:r>
+              <a:rPr lang="es-MX" dirty="0" err="1" smtClean="0"/>
+              <a:t>the</a:t>
+            </a:r>
+            <a:r>
+              <a:rPr lang="es-MX" dirty="0" smtClean="0"/>
+              <a:t> </a:t>
+            </a:r>
+            <a:r>
+              <a:rPr lang="es-MX" dirty="0" err="1" smtClean="0"/>
+              <a:t>Mirror</a:t>
+            </a:r>
+            <a:r>
+              <a:rPr lang="es-MX" dirty="0" smtClean="0"/>
+              <a:t> </a:t>
+            </a:r>
+            <a:r>
+              <a:rPr lang="es-MX" dirty="0" err="1" smtClean="0"/>
+              <a:t>Effect</a:t>
+            </a:r>
+            <a:r>
+              <a:rPr lang="es-MX" dirty="0" smtClean="0"/>
+              <a:t>.</a:t>
             </a:r>
           </a:p>
           <a:p>
@@ -10369,16 +9518,64 @@
           <a:p>
             <a:r>
               <a:rPr lang="es-MX" dirty="0" smtClean="0"/>
-              <a:t>No fase pre-tarea.</a:t>
-            </a:r>
-          </a:p>
-          <a:p>
-            <a:r>
-              <a:rPr lang="es-MX" dirty="0" smtClean="0"/>
-              <a:t>No procesamiento superior</a:t>
-            </a:r>
-          </a:p>
-          <a:p>
+              <a:t>No pre-experimental </a:t>
+            </a:r>
+            <a:r>
+              <a:rPr lang="es-MX" dirty="0" err="1" smtClean="0"/>
+              <a:t>task</a:t>
+            </a:r>
+            <a:endParaRPr lang="es-MX" dirty="0" smtClean="0"/>
+          </a:p>
+          <a:p>
+            <a:r>
+              <a:rPr lang="es-MX" dirty="0" smtClean="0"/>
+              <a:t>No </a:t>
+            </a:r>
+            <a:r>
+              <a:rPr lang="es-MX" dirty="0" err="1" smtClean="0"/>
+              <a:t>high-level</a:t>
+            </a:r>
+            <a:r>
+              <a:rPr lang="es-MX" dirty="0" smtClean="0"/>
+              <a:t> </a:t>
+            </a:r>
+            <a:r>
+              <a:rPr lang="es-MX" dirty="0" err="1" smtClean="0"/>
+              <a:t>processing</a:t>
+            </a:r>
+            <a:endParaRPr lang="es-MX" dirty="0" smtClean="0"/>
+          </a:p>
+          <a:p>
+            <a:endParaRPr lang="es-MX" dirty="0" smtClean="0"/>
+          </a:p>
+          <a:p>
+            <a:pPr marL="0" indent="0">
+              <a:buNone/>
+            </a:pPr>
+            <a:r>
+              <a:rPr lang="es-MX" dirty="0" err="1" smtClean="0"/>
+              <a:t>Is</a:t>
+            </a:r>
+            <a:r>
+              <a:rPr lang="es-MX" dirty="0" smtClean="0"/>
+              <a:t> </a:t>
+            </a:r>
+            <a:r>
+              <a:rPr lang="es-MX" dirty="0" err="1" smtClean="0"/>
+              <a:t>the</a:t>
+            </a:r>
+            <a:r>
+              <a:rPr lang="es-MX" dirty="0" smtClean="0"/>
+              <a:t> </a:t>
+            </a:r>
+            <a:r>
+              <a:rPr lang="es-MX" dirty="0" err="1" smtClean="0"/>
+              <a:t>Mirror</a:t>
+            </a:r>
+            <a:r>
+              <a:rPr lang="es-MX" smtClean="0"/>
+              <a:t> </a:t>
+            </a:r>
             <a:endParaRPr lang="es-MX" dirty="0"/>
           </a:p>
           <a:p>
@@ -10411,7 +9608,7 @@
 </p:sld>
 </file>
 
-<file path=ppt/slides/slide33.xml><?xml version="1.0" encoding="utf-8"?>
+<file path=ppt/slides/slide29.xml><?xml version="1.0" encoding="utf-8"?>
 <p:sld xmlns:a="http://schemas.openxmlformats.org/drawingml/2006/main" xmlns:r="http://schemas.openxmlformats.org/officeDocument/2006/relationships" xmlns:p="http://schemas.openxmlformats.org/presentationml/2006/main">
   <p:cSld>
     <p:spTree>
@@ -10529,7 +9726,106 @@
 </p:sld>
 </file>
 
-<file path=ppt/slides/slide34.xml><?xml version="1.0" encoding="utf-8"?>
+<file path=ppt/slides/slide3.xml><?xml version="1.0" encoding="utf-8"?>
+<p:sld xmlns:a="http://schemas.openxmlformats.org/drawingml/2006/main" xmlns:r="http://schemas.openxmlformats.org/officeDocument/2006/relationships" xmlns:p="http://schemas.openxmlformats.org/presentationml/2006/main">
+  <p:cSld>
+    <p:spTree>
+      <p:nvGrpSpPr>
+        <p:cNvPr id="1" name=""/>
+        <p:cNvGrpSpPr/>
+        <p:nvPr/>
+      </p:nvGrpSpPr>
+      <p:grpSpPr>
+        <a:xfrm>
+          <a:off x="0" y="0"/>
+          <a:ext cx="0" cy="0"/>
+          <a:chOff x="0" y="0"/>
+          <a:chExt cx="0" cy="0"/>
+        </a:xfrm>
+      </p:grpSpPr>
+      <p:sp>
+        <p:nvSpPr>
+          <p:cNvPr id="2" name="1 Título"/>
+          <p:cNvSpPr>
+            <a:spLocks noGrp="1"/>
+          </p:cNvSpPr>
+          <p:nvPr>
+            <p:ph type="ctrTitle"/>
+          </p:nvPr>
+        </p:nvSpPr>
+        <p:spPr/>
+        <p:txBody>
+          <a:bodyPr/>
+          <a:lstStyle/>
+          <a:p>
+            <a:r>
+              <a:rPr lang="es-MX" dirty="0" err="1" smtClean="0"/>
+              <a:t>Signal</a:t>
+            </a:r>
+            <a:r>
+              <a:rPr lang="es-MX" dirty="0" smtClean="0"/>
+              <a:t> </a:t>
+            </a:r>
+            <a:r>
+              <a:rPr lang="es-MX" dirty="0" err="1" smtClean="0"/>
+              <a:t>Detection</a:t>
+            </a:r>
+            <a:r>
+              <a:rPr lang="es-MX" dirty="0" smtClean="0"/>
+              <a:t> </a:t>
+            </a:r>
+            <a:r>
+              <a:rPr lang="es-MX" dirty="0" err="1" smtClean="0"/>
+              <a:t>Theory</a:t>
+            </a:r>
+            <a:endParaRPr lang="es-MX" dirty="0"/>
+          </a:p>
+        </p:txBody>
+      </p:sp>
+      <p:sp>
+        <p:nvSpPr>
+          <p:cNvPr id="3" name="2 Subtítulo"/>
+          <p:cNvSpPr>
+            <a:spLocks noGrp="1"/>
+          </p:cNvSpPr>
+          <p:nvPr>
+            <p:ph type="subTitle" idx="1"/>
+          </p:nvPr>
+        </p:nvSpPr>
+        <p:spPr>
+          <a:xfrm>
+            <a:off x="1403648" y="332656"/>
+            <a:ext cx="6400800" cy="1752600"/>
+          </a:xfrm>
+        </p:spPr>
+        <p:txBody>
+          <a:bodyPr/>
+          <a:lstStyle/>
+          <a:p>
+            <a:r>
+              <a:rPr lang="es-MX" dirty="0" smtClean="0"/>
+              <a:t>PARTE I</a:t>
+            </a:r>
+          </a:p>
+          <a:p>
+            <a:endParaRPr lang="es-MX" dirty="0"/>
+          </a:p>
+        </p:txBody>
+      </p:sp>
+    </p:spTree>
+    <p:extLst>
+      <p:ext uri="{BB962C8B-B14F-4D97-AF65-F5344CB8AC3E}">
+        <p14:creationId xmlns:p14="http://schemas.microsoft.com/office/powerpoint/2010/main" val="711355567"/>
+      </p:ext>
+    </p:extLst>
+  </p:cSld>
+  <p:clrMapOvr>
+    <a:masterClrMapping/>
+  </p:clrMapOvr>
+</p:sld>
+</file>
+
+<file path=ppt/slides/slide30.xml><?xml version="1.0" encoding="utf-8"?>
 <p:sld xmlns:a="http://schemas.openxmlformats.org/drawingml/2006/main" xmlns:r="http://schemas.openxmlformats.org/officeDocument/2006/relationships" xmlns:p="http://schemas.openxmlformats.org/presentationml/2006/main">
   <p:cSld>
     <p:spTree>
@@ -10663,7 +9959,7 @@
 </p:sld>
 </file>
 
-<file path=ppt/slides/slide35.xml><?xml version="1.0" encoding="utf-8"?>
+<file path=ppt/slides/slide31.xml><?xml version="1.0" encoding="utf-8"?>
 <p:sld xmlns:a="http://schemas.openxmlformats.org/drawingml/2006/main" xmlns:r="http://schemas.openxmlformats.org/officeDocument/2006/relationships" xmlns:p="http://schemas.openxmlformats.org/presentationml/2006/main">
   <p:cSld>
     <p:spTree>
@@ -10797,7 +10093,7 @@
 </p:sld>
 </file>
 
-<file path=ppt/slides/slide36.xml><?xml version="1.0" encoding="utf-8"?>
+<file path=ppt/slides/slide32.xml><?xml version="1.0" encoding="utf-8"?>
 <p:sld xmlns:a="http://schemas.openxmlformats.org/drawingml/2006/main" xmlns:r="http://schemas.openxmlformats.org/officeDocument/2006/relationships" xmlns:p="http://schemas.openxmlformats.org/presentationml/2006/main">
   <p:cSld>
     <p:spTree>
@@ -10875,7 +10171,7 @@
 </p:sld>
 </file>
 
-<file path=ppt/slides/slide37.xml><?xml version="1.0" encoding="utf-8"?>
+<file path=ppt/slides/slide33.xml><?xml version="1.0" encoding="utf-8"?>
 <p:sld xmlns:a="http://schemas.openxmlformats.org/drawingml/2006/main" xmlns:r="http://schemas.openxmlformats.org/officeDocument/2006/relationships" xmlns:p="http://schemas.openxmlformats.org/presentationml/2006/main">
   <p:cSld>
     <p:spTree>
@@ -10997,7 +10293,7 @@
 </p:sld>
 </file>
 
-<file path=ppt/slides/slide38.xml><?xml version="1.0" encoding="utf-8"?>
+<file path=ppt/slides/slide34.xml><?xml version="1.0" encoding="utf-8"?>
 <p:sld xmlns:a="http://schemas.openxmlformats.org/drawingml/2006/main" xmlns:r="http://schemas.openxmlformats.org/officeDocument/2006/relationships" xmlns:p="http://schemas.openxmlformats.org/presentationml/2006/main">
   <p:cSld>
     <p:spTree>
@@ -11119,7 +10415,7 @@
 </p:sld>
 </file>
 
-<file path=ppt/slides/slide39.xml><?xml version="1.0" encoding="utf-8"?>
+<file path=ppt/slides/slide35.xml><?xml version="1.0" encoding="utf-8"?>
 <p:sld xmlns:a="http://schemas.openxmlformats.org/drawingml/2006/main" xmlns:r="http://schemas.openxmlformats.org/officeDocument/2006/relationships" xmlns:p="http://schemas.openxmlformats.org/presentationml/2006/main">
   <p:cSld>
     <p:spTree>
@@ -11241,702 +10537,7 @@
 </p:sld>
 </file>
 
-<file path=ppt/slides/slide4.xml><?xml version="1.0" encoding="utf-8"?>
-<p:sld xmlns:a="http://schemas.openxmlformats.org/drawingml/2006/main" xmlns:r="http://schemas.openxmlformats.org/officeDocument/2006/relationships" xmlns:p="http://schemas.openxmlformats.org/presentationml/2006/main">
-  <p:cSld>
-    <p:spTree>
-      <p:nvGrpSpPr>
-        <p:cNvPr id="1" name=""/>
-        <p:cNvGrpSpPr/>
-        <p:nvPr/>
-      </p:nvGrpSpPr>
-      <p:grpSpPr>
-        <a:xfrm>
-          <a:off x="0" y="0"/>
-          <a:ext cx="0" cy="0"/>
-          <a:chOff x="0" y="0"/>
-          <a:chExt cx="0" cy="0"/>
-        </a:xfrm>
-      </p:grpSpPr>
-      <p:sp>
-        <p:nvSpPr>
-          <p:cNvPr id="2" name="1 Título"/>
-          <p:cNvSpPr>
-            <a:spLocks noGrp="1"/>
-          </p:cNvSpPr>
-          <p:nvPr>
-            <p:ph type="title"/>
-          </p:nvPr>
-        </p:nvSpPr>
-        <p:spPr/>
-        <p:txBody>
-          <a:bodyPr/>
-          <a:lstStyle/>
-          <a:p>
-            <a:r>
-              <a:rPr lang="es-MX" dirty="0" err="1" smtClean="0"/>
-              <a:t>One</a:t>
-            </a:r>
-            <a:r>
-              <a:rPr lang="es-MX" dirty="0" smtClean="0"/>
-              <a:t> single </a:t>
-            </a:r>
-            <a:r>
-              <a:rPr lang="es-MX" dirty="0" err="1" smtClean="0"/>
-              <a:t>problem</a:t>
-            </a:r>
-            <a:r>
-              <a:rPr lang="es-MX" dirty="0" smtClean="0"/>
-              <a:t>…</a:t>
-            </a:r>
-            <a:endParaRPr lang="es-MX" dirty="0"/>
-          </a:p>
-        </p:txBody>
-      </p:sp>
-      <p:sp>
-        <p:nvSpPr>
-          <p:cNvPr id="3" name="2 Marcador de contenido"/>
-          <p:cNvSpPr>
-            <a:spLocks noGrp="1"/>
-          </p:cNvSpPr>
-          <p:nvPr>
-            <p:ph idx="1"/>
-          </p:nvPr>
-        </p:nvSpPr>
-        <p:spPr>
-          <a:xfrm>
-            <a:off x="457200" y="1600200"/>
-            <a:ext cx="4114800" cy="4525963"/>
-          </a:xfrm>
-        </p:spPr>
-        <p:txBody>
-          <a:bodyPr>
-            <a:normAutofit fontScale="92500" lnSpcReduction="10000"/>
-          </a:bodyPr>
-          <a:lstStyle/>
-          <a:p>
-            <a:pPr marL="0" indent="0">
-              <a:buNone/>
-            </a:pPr>
-            <a:r>
-              <a:rPr lang="es-MX" dirty="0" err="1" smtClean="0">
-                <a:solidFill>
-                  <a:schemeClr val="bg1">
-                    <a:lumMod val="65000"/>
-                  </a:schemeClr>
-                </a:solidFill>
-              </a:rPr>
-              <a:t>Is</a:t>
-            </a:r>
-            <a:r>
-              <a:rPr lang="es-MX" dirty="0" smtClean="0">
-                <a:solidFill>
-                  <a:schemeClr val="bg1">
-                    <a:lumMod val="65000"/>
-                  </a:schemeClr>
-                </a:solidFill>
-              </a:rPr>
-              <a:t> </a:t>
-            </a:r>
-            <a:r>
-              <a:rPr lang="es-MX" dirty="0" err="1" smtClean="0">
-                <a:solidFill>
-                  <a:schemeClr val="bg1">
-                    <a:lumMod val="65000"/>
-                  </a:schemeClr>
-                </a:solidFill>
-              </a:rPr>
-              <a:t>that</a:t>
-            </a:r>
-            <a:r>
-              <a:rPr lang="es-MX" dirty="0" smtClean="0">
-                <a:solidFill>
-                  <a:schemeClr val="bg1">
-                    <a:lumMod val="65000"/>
-                  </a:schemeClr>
-                </a:solidFill>
-              </a:rPr>
-              <a:t> </a:t>
-            </a:r>
-            <a:r>
-              <a:rPr lang="es-MX" dirty="0" err="1" smtClean="0">
-                <a:solidFill>
-                  <a:schemeClr val="bg1">
-                    <a:lumMod val="65000"/>
-                  </a:schemeClr>
-                </a:solidFill>
-              </a:rPr>
-              <a:t>the</a:t>
-            </a:r>
-            <a:r>
-              <a:rPr lang="es-MX" dirty="0" smtClean="0">
-                <a:solidFill>
-                  <a:schemeClr val="bg1">
-                    <a:lumMod val="65000"/>
-                  </a:schemeClr>
-                </a:solidFill>
-              </a:rPr>
-              <a:t> </a:t>
-            </a:r>
-            <a:r>
-              <a:rPr lang="es-MX" dirty="0" err="1" smtClean="0">
-                <a:solidFill>
-                  <a:schemeClr val="bg1">
-                    <a:lumMod val="65000"/>
-                  </a:schemeClr>
-                </a:solidFill>
-              </a:rPr>
-              <a:t>sound</a:t>
-            </a:r>
-            <a:r>
-              <a:rPr lang="es-MX" dirty="0" smtClean="0">
-                <a:solidFill>
-                  <a:schemeClr val="bg1">
-                    <a:lumMod val="65000"/>
-                  </a:schemeClr>
-                </a:solidFill>
-              </a:rPr>
-              <a:t> of a </a:t>
-            </a:r>
-            <a:r>
-              <a:rPr lang="es-MX" dirty="0" err="1" smtClean="0">
-                <a:solidFill>
-                  <a:schemeClr val="bg1">
-                    <a:lumMod val="65000"/>
-                  </a:schemeClr>
-                </a:solidFill>
-              </a:rPr>
-              <a:t>predator</a:t>
-            </a:r>
-            <a:r>
-              <a:rPr lang="es-MX" dirty="0" smtClean="0">
-                <a:solidFill>
-                  <a:schemeClr val="bg1">
-                    <a:lumMod val="65000"/>
-                  </a:schemeClr>
-                </a:solidFill>
-              </a:rPr>
-              <a:t> </a:t>
-            </a:r>
-            <a:r>
-              <a:rPr lang="es-MX" dirty="0" err="1" smtClean="0">
-                <a:solidFill>
-                  <a:schemeClr val="bg1">
-                    <a:lumMod val="65000"/>
-                  </a:schemeClr>
-                </a:solidFill>
-              </a:rPr>
-              <a:t>approaching</a:t>
-            </a:r>
-            <a:r>
-              <a:rPr lang="es-MX" dirty="0" smtClean="0">
-                <a:solidFill>
-                  <a:schemeClr val="bg1">
-                    <a:lumMod val="65000"/>
-                  </a:schemeClr>
-                </a:solidFill>
-              </a:rPr>
-              <a:t>?</a:t>
-            </a:r>
-          </a:p>
-          <a:p>
-            <a:pPr marL="0" indent="0">
-              <a:buNone/>
-            </a:pPr>
-            <a:endParaRPr lang="es-MX" dirty="0" smtClean="0">
-              <a:solidFill>
-                <a:schemeClr val="bg1">
-                  <a:lumMod val="65000"/>
-                </a:schemeClr>
-              </a:solidFill>
-            </a:endParaRPr>
-          </a:p>
-          <a:p>
-            <a:pPr marL="0" indent="0">
-              <a:buNone/>
-            </a:pPr>
-            <a:r>
-              <a:rPr lang="es-MX" dirty="0" err="1" smtClean="0">
-                <a:solidFill>
-                  <a:schemeClr val="bg1">
-                    <a:lumMod val="65000"/>
-                  </a:schemeClr>
-                </a:solidFill>
-              </a:rPr>
-              <a:t>Is</a:t>
-            </a:r>
-            <a:r>
-              <a:rPr lang="es-MX" dirty="0" smtClean="0">
-                <a:solidFill>
-                  <a:schemeClr val="bg1">
-                    <a:lumMod val="65000"/>
-                  </a:schemeClr>
-                </a:solidFill>
-              </a:rPr>
-              <a:t> </a:t>
-            </a:r>
-            <a:r>
-              <a:rPr lang="es-MX" dirty="0" err="1" smtClean="0">
-                <a:solidFill>
-                  <a:schemeClr val="bg1">
-                    <a:lumMod val="65000"/>
-                  </a:schemeClr>
-                </a:solidFill>
-              </a:rPr>
-              <a:t>this</a:t>
-            </a:r>
-            <a:r>
-              <a:rPr lang="es-MX" dirty="0" smtClean="0">
-                <a:solidFill>
-                  <a:schemeClr val="bg1">
-                    <a:lumMod val="65000"/>
-                  </a:schemeClr>
-                </a:solidFill>
-              </a:rPr>
-              <a:t> </a:t>
-            </a:r>
-            <a:r>
-              <a:rPr lang="es-MX" dirty="0" err="1" smtClean="0">
-                <a:solidFill>
-                  <a:schemeClr val="bg1">
-                    <a:lumMod val="65000"/>
-                  </a:schemeClr>
-                </a:solidFill>
-              </a:rPr>
-              <a:t>food</a:t>
-            </a:r>
-            <a:r>
-              <a:rPr lang="es-MX" dirty="0" smtClean="0">
-                <a:solidFill>
-                  <a:schemeClr val="bg1">
-                    <a:lumMod val="65000"/>
-                  </a:schemeClr>
-                </a:solidFill>
-              </a:rPr>
-              <a:t> </a:t>
-            </a:r>
-            <a:r>
-              <a:rPr lang="es-MX" dirty="0" err="1" smtClean="0">
-                <a:solidFill>
-                  <a:schemeClr val="bg1">
-                    <a:lumMod val="65000"/>
-                  </a:schemeClr>
-                </a:solidFill>
-              </a:rPr>
-              <a:t>eatable</a:t>
-            </a:r>
-            <a:r>
-              <a:rPr lang="es-MX" dirty="0" smtClean="0">
-                <a:solidFill>
-                  <a:schemeClr val="bg1">
-                    <a:lumMod val="65000"/>
-                  </a:schemeClr>
-                </a:solidFill>
-              </a:rPr>
-              <a:t>?</a:t>
-            </a:r>
-            <a:endParaRPr lang="es-MX" dirty="0">
-              <a:solidFill>
-                <a:schemeClr val="bg1">
-                  <a:lumMod val="65000"/>
-                </a:schemeClr>
-              </a:solidFill>
-            </a:endParaRPr>
-          </a:p>
-          <a:p>
-            <a:pPr marL="0" indent="0">
-              <a:buNone/>
-            </a:pPr>
-            <a:endParaRPr lang="es-MX" dirty="0" smtClean="0">
-              <a:solidFill>
-                <a:schemeClr val="bg1">
-                  <a:lumMod val="65000"/>
-                </a:schemeClr>
-              </a:solidFill>
-            </a:endParaRPr>
-          </a:p>
-          <a:p>
-            <a:pPr marL="0" indent="0">
-              <a:buNone/>
-            </a:pPr>
-            <a:r>
-              <a:rPr lang="es-MX" dirty="0" err="1" smtClean="0">
-                <a:solidFill>
-                  <a:schemeClr val="bg1">
-                    <a:lumMod val="65000"/>
-                  </a:schemeClr>
-                </a:solidFill>
-              </a:rPr>
-              <a:t>Is</a:t>
-            </a:r>
-            <a:r>
-              <a:rPr lang="es-MX" dirty="0" smtClean="0">
-                <a:solidFill>
-                  <a:schemeClr val="bg1">
-                    <a:lumMod val="65000"/>
-                  </a:schemeClr>
-                </a:solidFill>
-              </a:rPr>
-              <a:t> </a:t>
-            </a:r>
-            <a:r>
-              <a:rPr lang="es-MX" dirty="0" err="1" smtClean="0">
-                <a:solidFill>
-                  <a:schemeClr val="bg1">
-                    <a:lumMod val="65000"/>
-                  </a:schemeClr>
-                </a:solidFill>
-              </a:rPr>
-              <a:t>my</a:t>
-            </a:r>
-            <a:r>
-              <a:rPr lang="es-MX" dirty="0" smtClean="0">
-                <a:solidFill>
-                  <a:schemeClr val="bg1">
-                    <a:lumMod val="65000"/>
-                  </a:schemeClr>
-                </a:solidFill>
-              </a:rPr>
-              <a:t> </a:t>
-            </a:r>
-            <a:r>
-              <a:rPr lang="es-MX" dirty="0" err="1" smtClean="0">
-                <a:solidFill>
-                  <a:schemeClr val="bg1">
-                    <a:lumMod val="65000"/>
-                  </a:schemeClr>
-                </a:solidFill>
-              </a:rPr>
-              <a:t>mom</a:t>
-            </a:r>
-            <a:r>
-              <a:rPr lang="es-MX" dirty="0" smtClean="0">
-                <a:solidFill>
-                  <a:schemeClr val="bg1">
-                    <a:lumMod val="65000"/>
-                  </a:schemeClr>
-                </a:solidFill>
-              </a:rPr>
-              <a:t> </a:t>
-            </a:r>
-            <a:r>
-              <a:rPr lang="es-MX" dirty="0" err="1" smtClean="0">
-                <a:solidFill>
-                  <a:schemeClr val="bg1">
-                    <a:lumMod val="65000"/>
-                  </a:schemeClr>
-                </a:solidFill>
-              </a:rPr>
-              <a:t>mad</a:t>
-            </a:r>
-            <a:r>
-              <a:rPr lang="es-MX" dirty="0" smtClean="0">
-                <a:solidFill>
-                  <a:schemeClr val="bg1">
-                    <a:lumMod val="65000"/>
-                  </a:schemeClr>
-                </a:solidFill>
-              </a:rPr>
-              <a:t> at me?</a:t>
-            </a:r>
-          </a:p>
-          <a:p>
-            <a:pPr marL="0" indent="0">
-              <a:buNone/>
-            </a:pPr>
-            <a:endParaRPr lang="es-MX" dirty="0" smtClean="0">
-              <a:solidFill>
-                <a:schemeClr val="bg1">
-                  <a:lumMod val="65000"/>
-                </a:schemeClr>
-              </a:solidFill>
-            </a:endParaRPr>
-          </a:p>
-          <a:p>
-            <a:pPr marL="0" indent="0">
-              <a:buNone/>
-            </a:pPr>
-            <a:r>
-              <a:rPr lang="es-MX" dirty="0" err="1" smtClean="0">
-                <a:solidFill>
-                  <a:schemeClr val="bg1">
-                    <a:lumMod val="65000"/>
-                  </a:schemeClr>
-                </a:solidFill>
-              </a:rPr>
-              <a:t>Is</a:t>
-            </a:r>
-            <a:r>
-              <a:rPr lang="es-MX" dirty="0" smtClean="0">
-                <a:solidFill>
-                  <a:schemeClr val="bg1">
-                    <a:lumMod val="65000"/>
-                  </a:schemeClr>
-                </a:solidFill>
-              </a:rPr>
-              <a:t> </a:t>
-            </a:r>
-            <a:r>
-              <a:rPr lang="es-MX" dirty="0" err="1" smtClean="0">
-                <a:solidFill>
-                  <a:schemeClr val="bg1">
-                    <a:lumMod val="65000"/>
-                  </a:schemeClr>
-                </a:solidFill>
-              </a:rPr>
-              <a:t>there</a:t>
-            </a:r>
-            <a:r>
-              <a:rPr lang="es-MX" dirty="0" smtClean="0">
-                <a:solidFill>
-                  <a:schemeClr val="bg1">
-                    <a:lumMod val="65000"/>
-                  </a:schemeClr>
-                </a:solidFill>
-              </a:rPr>
-              <a:t> a </a:t>
-            </a:r>
-            <a:r>
-              <a:rPr lang="es-MX" dirty="0" err="1" smtClean="0">
-                <a:solidFill>
-                  <a:schemeClr val="bg1">
-                    <a:lumMod val="65000"/>
-                  </a:schemeClr>
-                </a:solidFill>
-              </a:rPr>
-              <a:t>bomb</a:t>
-            </a:r>
-            <a:r>
-              <a:rPr lang="es-MX" dirty="0" smtClean="0">
-                <a:solidFill>
-                  <a:schemeClr val="bg1">
-                    <a:lumMod val="65000"/>
-                  </a:schemeClr>
-                </a:solidFill>
-              </a:rPr>
-              <a:t> in </a:t>
-            </a:r>
-            <a:r>
-              <a:rPr lang="es-MX" dirty="0" err="1" smtClean="0">
-                <a:solidFill>
-                  <a:schemeClr val="bg1">
-                    <a:lumMod val="65000"/>
-                  </a:schemeClr>
-                </a:solidFill>
-              </a:rPr>
-              <a:t>this</a:t>
-            </a:r>
-            <a:r>
-              <a:rPr lang="es-MX" dirty="0" smtClean="0">
-                <a:solidFill>
-                  <a:schemeClr val="bg1">
-                    <a:lumMod val="65000"/>
-                  </a:schemeClr>
-                </a:solidFill>
-              </a:rPr>
-              <a:t> bag?</a:t>
-            </a:r>
-          </a:p>
-        </p:txBody>
-      </p:sp>
-      <p:sp>
-        <p:nvSpPr>
-          <p:cNvPr id="4" name="3 CuadroTexto"/>
-          <p:cNvSpPr txBox="1"/>
-          <p:nvPr/>
-        </p:nvSpPr>
-        <p:spPr>
-          <a:xfrm rot="19142179">
-            <a:off x="171536" y="3299435"/>
-            <a:ext cx="4176464" cy="477054"/>
-          </a:xfrm>
-          <a:prstGeom prst="rect">
-            <a:avLst/>
-          </a:prstGeom>
-          <a:noFill/>
-        </p:spPr>
-        <p:txBody>
-          <a:bodyPr wrap="square" rtlCol="0">
-            <a:spAutoFit/>
-          </a:bodyPr>
-          <a:lstStyle/>
-          <a:p>
-            <a:pPr algn="ctr"/>
-            <a:r>
-              <a:rPr lang="es-MX" sz="2500" b="1" dirty="0" err="1" smtClean="0"/>
-              <a:t>Is</a:t>
-            </a:r>
-            <a:r>
-              <a:rPr lang="es-MX" sz="2500" b="1" dirty="0" smtClean="0"/>
-              <a:t> </a:t>
-            </a:r>
-            <a:r>
-              <a:rPr lang="es-MX" sz="2500" b="1" dirty="0" err="1" smtClean="0"/>
-              <a:t>the</a:t>
-            </a:r>
-            <a:r>
-              <a:rPr lang="es-MX" sz="2500" b="1" dirty="0" smtClean="0"/>
-              <a:t> target </a:t>
-            </a:r>
-            <a:r>
-              <a:rPr lang="es-MX" sz="2500" b="1" dirty="0" err="1" smtClean="0"/>
-              <a:t>stimulus</a:t>
-            </a:r>
-            <a:r>
-              <a:rPr lang="es-MX" sz="2500" b="1" dirty="0" smtClean="0"/>
-              <a:t> </a:t>
-            </a:r>
-            <a:r>
-              <a:rPr lang="es-MX" sz="2500" b="1" dirty="0" err="1" smtClean="0"/>
-              <a:t>present</a:t>
-            </a:r>
-            <a:r>
-              <a:rPr lang="es-MX" sz="2500" b="1" dirty="0" smtClean="0"/>
-              <a:t>?</a:t>
-            </a:r>
-            <a:endParaRPr lang="es-MX" sz="2500" b="1" dirty="0"/>
-          </a:p>
-        </p:txBody>
-      </p:sp>
-      <p:pic>
-        <p:nvPicPr>
-          <p:cNvPr id="5" name="Picture 2"/>
-          <p:cNvPicPr>
-            <a:picLocks noChangeAspect="1" noChangeArrowheads="1"/>
-          </p:cNvPicPr>
-          <p:nvPr/>
-        </p:nvPicPr>
-        <p:blipFill>
-          <a:blip r:embed="rId2">
-            <a:extLst>
-              <a:ext uri="{28A0092B-C50C-407E-A947-70E740481C1C}">
-                <a14:useLocalDpi xmlns:a14="http://schemas.microsoft.com/office/drawing/2010/main" val="0"/>
-              </a:ext>
-            </a:extLst>
-          </a:blip>
-          <a:srcRect/>
-          <a:stretch>
-            <a:fillRect/>
-          </a:stretch>
-        </p:blipFill>
-        <p:spPr bwMode="auto">
-          <a:xfrm>
-            <a:off x="4211960" y="2253796"/>
-            <a:ext cx="4802288" cy="2653517"/>
-          </a:xfrm>
-          <a:prstGeom prst="rect">
-            <a:avLst/>
-          </a:prstGeom>
-          <a:noFill/>
-          <a:ln>
-            <a:noFill/>
-          </a:ln>
-          <a:extLst>
-            <a:ext uri="{909E8E84-426E-40DD-AFC4-6F175D3DCCD1}">
-              <a14:hiddenFill xmlns:a14="http://schemas.microsoft.com/office/drawing/2010/main">
-                <a:solidFill>
-                  <a:schemeClr val="accent1"/>
-                </a:solidFill>
-              </a14:hiddenFill>
-            </a:ext>
-            <a:ext uri="{91240B29-F687-4F45-9708-019B960494DF}">
-              <a14:hiddenLine xmlns:a14="http://schemas.microsoft.com/office/drawing/2010/main" w="9525">
-                <a:solidFill>
-                  <a:schemeClr val="tx1"/>
-                </a:solidFill>
-                <a:miter lim="800000"/>
-                <a:headEnd/>
-                <a:tailEnd/>
-              </a14:hiddenLine>
-            </a:ext>
-          </a:extLst>
-        </p:spPr>
-      </p:pic>
-      <p:sp>
-        <p:nvSpPr>
-          <p:cNvPr id="6" name="5 CuadroTexto"/>
-          <p:cNvSpPr txBox="1"/>
-          <p:nvPr/>
-        </p:nvSpPr>
-        <p:spPr>
-          <a:xfrm>
-            <a:off x="5220072" y="2636912"/>
-            <a:ext cx="792088" cy="323165"/>
-          </a:xfrm>
-          <a:prstGeom prst="rect">
-            <a:avLst/>
-          </a:prstGeom>
-          <a:solidFill>
-            <a:schemeClr val="bg1"/>
-          </a:solidFill>
-        </p:spPr>
-        <p:txBody>
-          <a:bodyPr wrap="square" rtlCol="0">
-            <a:spAutoFit/>
-          </a:bodyPr>
-          <a:lstStyle/>
-          <a:p>
-            <a:r>
-              <a:rPr lang="es-MX" sz="1500" dirty="0" err="1" smtClean="0"/>
-              <a:t>Noise</a:t>
-            </a:r>
-            <a:endParaRPr lang="es-MX" sz="1500" dirty="0"/>
-          </a:p>
-        </p:txBody>
-      </p:sp>
-      <p:sp>
-        <p:nvSpPr>
-          <p:cNvPr id="7" name="6 CuadroTexto"/>
-          <p:cNvSpPr txBox="1"/>
-          <p:nvPr/>
-        </p:nvSpPr>
-        <p:spPr>
-          <a:xfrm>
-            <a:off x="8028384" y="2638778"/>
-            <a:ext cx="792088" cy="323165"/>
-          </a:xfrm>
-          <a:prstGeom prst="rect">
-            <a:avLst/>
-          </a:prstGeom>
-          <a:solidFill>
-            <a:schemeClr val="bg1"/>
-          </a:solidFill>
-        </p:spPr>
-        <p:txBody>
-          <a:bodyPr wrap="square" rtlCol="0">
-            <a:spAutoFit/>
-          </a:bodyPr>
-          <a:lstStyle/>
-          <a:p>
-            <a:r>
-              <a:rPr lang="es-MX" sz="1500" dirty="0" smtClean="0"/>
-              <a:t>Signal</a:t>
-            </a:r>
-            <a:endParaRPr lang="es-MX" sz="1500" dirty="0"/>
-          </a:p>
-        </p:txBody>
-      </p:sp>
-    </p:spTree>
-    <p:extLst>
-      <p:ext uri="{BB962C8B-B14F-4D97-AF65-F5344CB8AC3E}">
-        <p14:creationId xmlns:p14="http://schemas.microsoft.com/office/powerpoint/2010/main" val="3491768966"/>
-      </p:ext>
-    </p:extLst>
-  </p:cSld>
-  <p:clrMapOvr>
-    <a:masterClrMapping/>
-  </p:clrMapOvr>
-  <p:timing>
-    <p:tnLst>
-      <p:par>
-        <p:cTn id="1" dur="indefinite" restart="never" nodeType="tmRoot"/>
-      </p:par>
-    </p:tnLst>
-  </p:timing>
-</p:sld>
-</file>
-
-<file path=ppt/slides/slide40.xml><?xml version="1.0" encoding="utf-8"?>
+<file path=ppt/slides/slide36.xml><?xml version="1.0" encoding="utf-8"?>
 <p:sld xmlns:a="http://schemas.openxmlformats.org/drawingml/2006/main" xmlns:r="http://schemas.openxmlformats.org/officeDocument/2006/relationships" xmlns:p="http://schemas.openxmlformats.org/presentationml/2006/main">
   <p:cSld>
     <p:spTree>
@@ -12070,7 +10671,7 @@
 </p:sld>
 </file>
 
-<file path=ppt/slides/slide41.xml><?xml version="1.0" encoding="utf-8"?>
+<file path=ppt/slides/slide37.xml><?xml version="1.0" encoding="utf-8"?>
 <p:sld xmlns:a="http://schemas.openxmlformats.org/drawingml/2006/main" xmlns:r="http://schemas.openxmlformats.org/officeDocument/2006/relationships" xmlns:p="http://schemas.openxmlformats.org/presentationml/2006/main">
   <p:cSld>
     <p:spTree>
@@ -12258,7 +10859,7 @@
 </p:sld>
 </file>
 
-<file path=ppt/slides/slide42.xml><?xml version="1.0" encoding="utf-8"?>
+<file path=ppt/slides/slide38.xml><?xml version="1.0" encoding="utf-8"?>
 <p:sld xmlns:a="http://schemas.openxmlformats.org/drawingml/2006/main" xmlns:r="http://schemas.openxmlformats.org/officeDocument/2006/relationships" xmlns:p="http://schemas.openxmlformats.org/presentationml/2006/main">
   <p:cSld>
     <p:spTree>
@@ -12380,7 +10981,7 @@
 </p:sld>
 </file>
 
-<file path=ppt/slides/slide43.xml><?xml version="1.0" encoding="utf-8"?>
+<file path=ppt/slides/slide39.xml><?xml version="1.0" encoding="utf-8"?>
 <p:sld xmlns:a="http://schemas.openxmlformats.org/drawingml/2006/main" xmlns:r="http://schemas.openxmlformats.org/officeDocument/2006/relationships" xmlns:p="http://schemas.openxmlformats.org/presentationml/2006/main">
   <p:cSld>
     <p:spTree>
@@ -12502,7 +11103,702 @@
 </p:sld>
 </file>
 
-<file path=ppt/slides/slide44.xml><?xml version="1.0" encoding="utf-8"?>
+<file path=ppt/slides/slide4.xml><?xml version="1.0" encoding="utf-8"?>
+<p:sld xmlns:a="http://schemas.openxmlformats.org/drawingml/2006/main" xmlns:r="http://schemas.openxmlformats.org/officeDocument/2006/relationships" xmlns:p="http://schemas.openxmlformats.org/presentationml/2006/main">
+  <p:cSld>
+    <p:spTree>
+      <p:nvGrpSpPr>
+        <p:cNvPr id="1" name=""/>
+        <p:cNvGrpSpPr/>
+        <p:nvPr/>
+      </p:nvGrpSpPr>
+      <p:grpSpPr>
+        <a:xfrm>
+          <a:off x="0" y="0"/>
+          <a:ext cx="0" cy="0"/>
+          <a:chOff x="0" y="0"/>
+          <a:chExt cx="0" cy="0"/>
+        </a:xfrm>
+      </p:grpSpPr>
+      <p:sp>
+        <p:nvSpPr>
+          <p:cNvPr id="2" name="1 Título"/>
+          <p:cNvSpPr>
+            <a:spLocks noGrp="1"/>
+          </p:cNvSpPr>
+          <p:nvPr>
+            <p:ph type="title"/>
+          </p:nvPr>
+        </p:nvSpPr>
+        <p:spPr/>
+        <p:txBody>
+          <a:bodyPr/>
+          <a:lstStyle/>
+          <a:p>
+            <a:r>
+              <a:rPr lang="es-MX" dirty="0" err="1" smtClean="0"/>
+              <a:t>One</a:t>
+            </a:r>
+            <a:r>
+              <a:rPr lang="es-MX" dirty="0" smtClean="0"/>
+              <a:t> single </a:t>
+            </a:r>
+            <a:r>
+              <a:rPr lang="es-MX" dirty="0" err="1" smtClean="0"/>
+              <a:t>problem</a:t>
+            </a:r>
+            <a:r>
+              <a:rPr lang="es-MX" dirty="0" smtClean="0"/>
+              <a:t>…</a:t>
+            </a:r>
+            <a:endParaRPr lang="es-MX" dirty="0"/>
+          </a:p>
+        </p:txBody>
+      </p:sp>
+      <p:sp>
+        <p:nvSpPr>
+          <p:cNvPr id="3" name="2 Marcador de contenido"/>
+          <p:cNvSpPr>
+            <a:spLocks noGrp="1"/>
+          </p:cNvSpPr>
+          <p:nvPr>
+            <p:ph idx="1"/>
+          </p:nvPr>
+        </p:nvSpPr>
+        <p:spPr>
+          <a:xfrm>
+            <a:off x="457200" y="1600200"/>
+            <a:ext cx="4114800" cy="4525963"/>
+          </a:xfrm>
+        </p:spPr>
+        <p:txBody>
+          <a:bodyPr>
+            <a:normAutofit fontScale="92500" lnSpcReduction="10000"/>
+          </a:bodyPr>
+          <a:lstStyle/>
+          <a:p>
+            <a:pPr marL="0" indent="0">
+              <a:buNone/>
+            </a:pPr>
+            <a:r>
+              <a:rPr lang="es-MX" dirty="0" err="1" smtClean="0">
+                <a:solidFill>
+                  <a:schemeClr val="bg1">
+                    <a:lumMod val="65000"/>
+                  </a:schemeClr>
+                </a:solidFill>
+              </a:rPr>
+              <a:t>Is</a:t>
+            </a:r>
+            <a:r>
+              <a:rPr lang="es-MX" dirty="0" smtClean="0">
+                <a:solidFill>
+                  <a:schemeClr val="bg1">
+                    <a:lumMod val="65000"/>
+                  </a:schemeClr>
+                </a:solidFill>
+              </a:rPr>
+              <a:t> </a:t>
+            </a:r>
+            <a:r>
+              <a:rPr lang="es-MX" dirty="0" err="1" smtClean="0">
+                <a:solidFill>
+                  <a:schemeClr val="bg1">
+                    <a:lumMod val="65000"/>
+                  </a:schemeClr>
+                </a:solidFill>
+              </a:rPr>
+              <a:t>that</a:t>
+            </a:r>
+            <a:r>
+              <a:rPr lang="es-MX" dirty="0" smtClean="0">
+                <a:solidFill>
+                  <a:schemeClr val="bg1">
+                    <a:lumMod val="65000"/>
+                  </a:schemeClr>
+                </a:solidFill>
+              </a:rPr>
+              <a:t> </a:t>
+            </a:r>
+            <a:r>
+              <a:rPr lang="es-MX" dirty="0" err="1" smtClean="0">
+                <a:solidFill>
+                  <a:schemeClr val="bg1">
+                    <a:lumMod val="65000"/>
+                  </a:schemeClr>
+                </a:solidFill>
+              </a:rPr>
+              <a:t>the</a:t>
+            </a:r>
+            <a:r>
+              <a:rPr lang="es-MX" dirty="0" smtClean="0">
+                <a:solidFill>
+                  <a:schemeClr val="bg1">
+                    <a:lumMod val="65000"/>
+                  </a:schemeClr>
+                </a:solidFill>
+              </a:rPr>
+              <a:t> </a:t>
+            </a:r>
+            <a:r>
+              <a:rPr lang="es-MX" dirty="0" err="1" smtClean="0">
+                <a:solidFill>
+                  <a:schemeClr val="bg1">
+                    <a:lumMod val="65000"/>
+                  </a:schemeClr>
+                </a:solidFill>
+              </a:rPr>
+              <a:t>sound</a:t>
+            </a:r>
+            <a:r>
+              <a:rPr lang="es-MX" dirty="0" smtClean="0">
+                <a:solidFill>
+                  <a:schemeClr val="bg1">
+                    <a:lumMod val="65000"/>
+                  </a:schemeClr>
+                </a:solidFill>
+              </a:rPr>
+              <a:t> of a </a:t>
+            </a:r>
+            <a:r>
+              <a:rPr lang="es-MX" dirty="0" err="1" smtClean="0">
+                <a:solidFill>
+                  <a:schemeClr val="bg1">
+                    <a:lumMod val="65000"/>
+                  </a:schemeClr>
+                </a:solidFill>
+              </a:rPr>
+              <a:t>predator</a:t>
+            </a:r>
+            <a:r>
+              <a:rPr lang="es-MX" dirty="0" smtClean="0">
+                <a:solidFill>
+                  <a:schemeClr val="bg1">
+                    <a:lumMod val="65000"/>
+                  </a:schemeClr>
+                </a:solidFill>
+              </a:rPr>
+              <a:t> </a:t>
+            </a:r>
+            <a:r>
+              <a:rPr lang="es-MX" dirty="0" err="1" smtClean="0">
+                <a:solidFill>
+                  <a:schemeClr val="bg1">
+                    <a:lumMod val="65000"/>
+                  </a:schemeClr>
+                </a:solidFill>
+              </a:rPr>
+              <a:t>approaching</a:t>
+            </a:r>
+            <a:r>
+              <a:rPr lang="es-MX" dirty="0" smtClean="0">
+                <a:solidFill>
+                  <a:schemeClr val="bg1">
+                    <a:lumMod val="65000"/>
+                  </a:schemeClr>
+                </a:solidFill>
+              </a:rPr>
+              <a:t>?</a:t>
+            </a:r>
+          </a:p>
+          <a:p>
+            <a:pPr marL="0" indent="0">
+              <a:buNone/>
+            </a:pPr>
+            <a:endParaRPr lang="es-MX" dirty="0" smtClean="0">
+              <a:solidFill>
+                <a:schemeClr val="bg1">
+                  <a:lumMod val="65000"/>
+                </a:schemeClr>
+              </a:solidFill>
+            </a:endParaRPr>
+          </a:p>
+          <a:p>
+            <a:pPr marL="0" indent="0">
+              <a:buNone/>
+            </a:pPr>
+            <a:r>
+              <a:rPr lang="es-MX" dirty="0" err="1" smtClean="0">
+                <a:solidFill>
+                  <a:schemeClr val="bg1">
+                    <a:lumMod val="65000"/>
+                  </a:schemeClr>
+                </a:solidFill>
+              </a:rPr>
+              <a:t>Is</a:t>
+            </a:r>
+            <a:r>
+              <a:rPr lang="es-MX" dirty="0" smtClean="0">
+                <a:solidFill>
+                  <a:schemeClr val="bg1">
+                    <a:lumMod val="65000"/>
+                  </a:schemeClr>
+                </a:solidFill>
+              </a:rPr>
+              <a:t> </a:t>
+            </a:r>
+            <a:r>
+              <a:rPr lang="es-MX" dirty="0" err="1" smtClean="0">
+                <a:solidFill>
+                  <a:schemeClr val="bg1">
+                    <a:lumMod val="65000"/>
+                  </a:schemeClr>
+                </a:solidFill>
+              </a:rPr>
+              <a:t>this</a:t>
+            </a:r>
+            <a:r>
+              <a:rPr lang="es-MX" dirty="0" smtClean="0">
+                <a:solidFill>
+                  <a:schemeClr val="bg1">
+                    <a:lumMod val="65000"/>
+                  </a:schemeClr>
+                </a:solidFill>
+              </a:rPr>
+              <a:t> </a:t>
+            </a:r>
+            <a:r>
+              <a:rPr lang="es-MX" dirty="0" err="1" smtClean="0">
+                <a:solidFill>
+                  <a:schemeClr val="bg1">
+                    <a:lumMod val="65000"/>
+                  </a:schemeClr>
+                </a:solidFill>
+              </a:rPr>
+              <a:t>food</a:t>
+            </a:r>
+            <a:r>
+              <a:rPr lang="es-MX" dirty="0" smtClean="0">
+                <a:solidFill>
+                  <a:schemeClr val="bg1">
+                    <a:lumMod val="65000"/>
+                  </a:schemeClr>
+                </a:solidFill>
+              </a:rPr>
+              <a:t> </a:t>
+            </a:r>
+            <a:r>
+              <a:rPr lang="es-MX" dirty="0" err="1" smtClean="0">
+                <a:solidFill>
+                  <a:schemeClr val="bg1">
+                    <a:lumMod val="65000"/>
+                  </a:schemeClr>
+                </a:solidFill>
+              </a:rPr>
+              <a:t>eatable</a:t>
+            </a:r>
+            <a:r>
+              <a:rPr lang="es-MX" dirty="0" smtClean="0">
+                <a:solidFill>
+                  <a:schemeClr val="bg1">
+                    <a:lumMod val="65000"/>
+                  </a:schemeClr>
+                </a:solidFill>
+              </a:rPr>
+              <a:t>?</a:t>
+            </a:r>
+            <a:endParaRPr lang="es-MX" dirty="0">
+              <a:solidFill>
+                <a:schemeClr val="bg1">
+                  <a:lumMod val="65000"/>
+                </a:schemeClr>
+              </a:solidFill>
+            </a:endParaRPr>
+          </a:p>
+          <a:p>
+            <a:pPr marL="0" indent="0">
+              <a:buNone/>
+            </a:pPr>
+            <a:endParaRPr lang="es-MX" dirty="0" smtClean="0">
+              <a:solidFill>
+                <a:schemeClr val="bg1">
+                  <a:lumMod val="65000"/>
+                </a:schemeClr>
+              </a:solidFill>
+            </a:endParaRPr>
+          </a:p>
+          <a:p>
+            <a:pPr marL="0" indent="0">
+              <a:buNone/>
+            </a:pPr>
+            <a:r>
+              <a:rPr lang="es-MX" dirty="0" err="1" smtClean="0">
+                <a:solidFill>
+                  <a:schemeClr val="bg1">
+                    <a:lumMod val="65000"/>
+                  </a:schemeClr>
+                </a:solidFill>
+              </a:rPr>
+              <a:t>Is</a:t>
+            </a:r>
+            <a:r>
+              <a:rPr lang="es-MX" dirty="0" smtClean="0">
+                <a:solidFill>
+                  <a:schemeClr val="bg1">
+                    <a:lumMod val="65000"/>
+                  </a:schemeClr>
+                </a:solidFill>
+              </a:rPr>
+              <a:t> </a:t>
+            </a:r>
+            <a:r>
+              <a:rPr lang="es-MX" dirty="0" err="1" smtClean="0">
+                <a:solidFill>
+                  <a:schemeClr val="bg1">
+                    <a:lumMod val="65000"/>
+                  </a:schemeClr>
+                </a:solidFill>
+              </a:rPr>
+              <a:t>my</a:t>
+            </a:r>
+            <a:r>
+              <a:rPr lang="es-MX" dirty="0" smtClean="0">
+                <a:solidFill>
+                  <a:schemeClr val="bg1">
+                    <a:lumMod val="65000"/>
+                  </a:schemeClr>
+                </a:solidFill>
+              </a:rPr>
+              <a:t> </a:t>
+            </a:r>
+            <a:r>
+              <a:rPr lang="es-MX" dirty="0" err="1" smtClean="0">
+                <a:solidFill>
+                  <a:schemeClr val="bg1">
+                    <a:lumMod val="65000"/>
+                  </a:schemeClr>
+                </a:solidFill>
+              </a:rPr>
+              <a:t>mom</a:t>
+            </a:r>
+            <a:r>
+              <a:rPr lang="es-MX" dirty="0" smtClean="0">
+                <a:solidFill>
+                  <a:schemeClr val="bg1">
+                    <a:lumMod val="65000"/>
+                  </a:schemeClr>
+                </a:solidFill>
+              </a:rPr>
+              <a:t> </a:t>
+            </a:r>
+            <a:r>
+              <a:rPr lang="es-MX" dirty="0" err="1" smtClean="0">
+                <a:solidFill>
+                  <a:schemeClr val="bg1">
+                    <a:lumMod val="65000"/>
+                  </a:schemeClr>
+                </a:solidFill>
+              </a:rPr>
+              <a:t>mad</a:t>
+            </a:r>
+            <a:r>
+              <a:rPr lang="es-MX" dirty="0" smtClean="0">
+                <a:solidFill>
+                  <a:schemeClr val="bg1">
+                    <a:lumMod val="65000"/>
+                  </a:schemeClr>
+                </a:solidFill>
+              </a:rPr>
+              <a:t> at me?</a:t>
+            </a:r>
+          </a:p>
+          <a:p>
+            <a:pPr marL="0" indent="0">
+              <a:buNone/>
+            </a:pPr>
+            <a:endParaRPr lang="es-MX" dirty="0" smtClean="0">
+              <a:solidFill>
+                <a:schemeClr val="bg1">
+                  <a:lumMod val="65000"/>
+                </a:schemeClr>
+              </a:solidFill>
+            </a:endParaRPr>
+          </a:p>
+          <a:p>
+            <a:pPr marL="0" indent="0">
+              <a:buNone/>
+            </a:pPr>
+            <a:r>
+              <a:rPr lang="es-MX" dirty="0" err="1" smtClean="0">
+                <a:solidFill>
+                  <a:schemeClr val="bg1">
+                    <a:lumMod val="65000"/>
+                  </a:schemeClr>
+                </a:solidFill>
+              </a:rPr>
+              <a:t>Is</a:t>
+            </a:r>
+            <a:r>
+              <a:rPr lang="es-MX" dirty="0" smtClean="0">
+                <a:solidFill>
+                  <a:schemeClr val="bg1">
+                    <a:lumMod val="65000"/>
+                  </a:schemeClr>
+                </a:solidFill>
+              </a:rPr>
+              <a:t> </a:t>
+            </a:r>
+            <a:r>
+              <a:rPr lang="es-MX" dirty="0" err="1" smtClean="0">
+                <a:solidFill>
+                  <a:schemeClr val="bg1">
+                    <a:lumMod val="65000"/>
+                  </a:schemeClr>
+                </a:solidFill>
+              </a:rPr>
+              <a:t>there</a:t>
+            </a:r>
+            <a:r>
+              <a:rPr lang="es-MX" dirty="0" smtClean="0">
+                <a:solidFill>
+                  <a:schemeClr val="bg1">
+                    <a:lumMod val="65000"/>
+                  </a:schemeClr>
+                </a:solidFill>
+              </a:rPr>
+              <a:t> a </a:t>
+            </a:r>
+            <a:r>
+              <a:rPr lang="es-MX" dirty="0" err="1" smtClean="0">
+                <a:solidFill>
+                  <a:schemeClr val="bg1">
+                    <a:lumMod val="65000"/>
+                  </a:schemeClr>
+                </a:solidFill>
+              </a:rPr>
+              <a:t>bomb</a:t>
+            </a:r>
+            <a:r>
+              <a:rPr lang="es-MX" dirty="0" smtClean="0">
+                <a:solidFill>
+                  <a:schemeClr val="bg1">
+                    <a:lumMod val="65000"/>
+                  </a:schemeClr>
+                </a:solidFill>
+              </a:rPr>
+              <a:t> in </a:t>
+            </a:r>
+            <a:r>
+              <a:rPr lang="es-MX" dirty="0" err="1" smtClean="0">
+                <a:solidFill>
+                  <a:schemeClr val="bg1">
+                    <a:lumMod val="65000"/>
+                  </a:schemeClr>
+                </a:solidFill>
+              </a:rPr>
+              <a:t>this</a:t>
+            </a:r>
+            <a:r>
+              <a:rPr lang="es-MX" dirty="0" smtClean="0">
+                <a:solidFill>
+                  <a:schemeClr val="bg1">
+                    <a:lumMod val="65000"/>
+                  </a:schemeClr>
+                </a:solidFill>
+              </a:rPr>
+              <a:t> bag?</a:t>
+            </a:r>
+          </a:p>
+        </p:txBody>
+      </p:sp>
+      <p:sp>
+        <p:nvSpPr>
+          <p:cNvPr id="4" name="3 CuadroTexto"/>
+          <p:cNvSpPr txBox="1"/>
+          <p:nvPr/>
+        </p:nvSpPr>
+        <p:spPr>
+          <a:xfrm rot="19142179">
+            <a:off x="171536" y="3299435"/>
+            <a:ext cx="4176464" cy="477054"/>
+          </a:xfrm>
+          <a:prstGeom prst="rect">
+            <a:avLst/>
+          </a:prstGeom>
+          <a:noFill/>
+        </p:spPr>
+        <p:txBody>
+          <a:bodyPr wrap="square" rtlCol="0">
+            <a:spAutoFit/>
+          </a:bodyPr>
+          <a:lstStyle/>
+          <a:p>
+            <a:pPr algn="ctr"/>
+            <a:r>
+              <a:rPr lang="es-MX" sz="2500" b="1" dirty="0" err="1" smtClean="0"/>
+              <a:t>Is</a:t>
+            </a:r>
+            <a:r>
+              <a:rPr lang="es-MX" sz="2500" b="1" dirty="0" smtClean="0"/>
+              <a:t> </a:t>
+            </a:r>
+            <a:r>
+              <a:rPr lang="es-MX" sz="2500" b="1" dirty="0" err="1" smtClean="0"/>
+              <a:t>the</a:t>
+            </a:r>
+            <a:r>
+              <a:rPr lang="es-MX" sz="2500" b="1" dirty="0" smtClean="0"/>
+              <a:t> target </a:t>
+            </a:r>
+            <a:r>
+              <a:rPr lang="es-MX" sz="2500" b="1" dirty="0" err="1" smtClean="0"/>
+              <a:t>stimulus</a:t>
+            </a:r>
+            <a:r>
+              <a:rPr lang="es-MX" sz="2500" b="1" dirty="0" smtClean="0"/>
+              <a:t> </a:t>
+            </a:r>
+            <a:r>
+              <a:rPr lang="es-MX" sz="2500" b="1" dirty="0" err="1" smtClean="0"/>
+              <a:t>present</a:t>
+            </a:r>
+            <a:r>
+              <a:rPr lang="es-MX" sz="2500" b="1" dirty="0" smtClean="0"/>
+              <a:t>?</a:t>
+            </a:r>
+            <a:endParaRPr lang="es-MX" sz="2500" b="1" dirty="0"/>
+          </a:p>
+        </p:txBody>
+      </p:sp>
+      <p:pic>
+        <p:nvPicPr>
+          <p:cNvPr id="5" name="Picture 2"/>
+          <p:cNvPicPr>
+            <a:picLocks noChangeAspect="1" noChangeArrowheads="1"/>
+          </p:cNvPicPr>
+          <p:nvPr/>
+        </p:nvPicPr>
+        <p:blipFill>
+          <a:blip r:embed="rId2">
+            <a:extLst>
+              <a:ext uri="{28A0092B-C50C-407E-A947-70E740481C1C}">
+                <a14:useLocalDpi xmlns:a14="http://schemas.microsoft.com/office/drawing/2010/main" val="0"/>
+              </a:ext>
+            </a:extLst>
+          </a:blip>
+          <a:srcRect/>
+          <a:stretch>
+            <a:fillRect/>
+          </a:stretch>
+        </p:blipFill>
+        <p:spPr bwMode="auto">
+          <a:xfrm>
+            <a:off x="4211960" y="2253796"/>
+            <a:ext cx="4802288" cy="2653517"/>
+          </a:xfrm>
+          <a:prstGeom prst="rect">
+            <a:avLst/>
+          </a:prstGeom>
+          <a:noFill/>
+          <a:ln>
+            <a:noFill/>
+          </a:ln>
+          <a:extLst>
+            <a:ext uri="{909E8E84-426E-40DD-AFC4-6F175D3DCCD1}">
+              <a14:hiddenFill xmlns:a14="http://schemas.microsoft.com/office/drawing/2010/main">
+                <a:solidFill>
+                  <a:schemeClr val="accent1"/>
+                </a:solidFill>
+              </a14:hiddenFill>
+            </a:ext>
+            <a:ext uri="{91240B29-F687-4F45-9708-019B960494DF}">
+              <a14:hiddenLine xmlns:a14="http://schemas.microsoft.com/office/drawing/2010/main" w="9525">
+                <a:solidFill>
+                  <a:schemeClr val="tx1"/>
+                </a:solidFill>
+                <a:miter lim="800000"/>
+                <a:headEnd/>
+                <a:tailEnd/>
+              </a14:hiddenLine>
+            </a:ext>
+          </a:extLst>
+        </p:spPr>
+      </p:pic>
+      <p:sp>
+        <p:nvSpPr>
+          <p:cNvPr id="6" name="5 CuadroTexto"/>
+          <p:cNvSpPr txBox="1"/>
+          <p:nvPr/>
+        </p:nvSpPr>
+        <p:spPr>
+          <a:xfrm>
+            <a:off x="5220072" y="2636912"/>
+            <a:ext cx="792088" cy="323165"/>
+          </a:xfrm>
+          <a:prstGeom prst="rect">
+            <a:avLst/>
+          </a:prstGeom>
+          <a:solidFill>
+            <a:schemeClr val="bg1"/>
+          </a:solidFill>
+        </p:spPr>
+        <p:txBody>
+          <a:bodyPr wrap="square" rtlCol="0">
+            <a:spAutoFit/>
+          </a:bodyPr>
+          <a:lstStyle/>
+          <a:p>
+            <a:r>
+              <a:rPr lang="es-MX" sz="1500" dirty="0" err="1" smtClean="0"/>
+              <a:t>Noise</a:t>
+            </a:r>
+            <a:endParaRPr lang="es-MX" sz="1500" dirty="0"/>
+          </a:p>
+        </p:txBody>
+      </p:sp>
+      <p:sp>
+        <p:nvSpPr>
+          <p:cNvPr id="7" name="6 CuadroTexto"/>
+          <p:cNvSpPr txBox="1"/>
+          <p:nvPr/>
+        </p:nvSpPr>
+        <p:spPr>
+          <a:xfrm>
+            <a:off x="8028384" y="2638778"/>
+            <a:ext cx="792088" cy="323165"/>
+          </a:xfrm>
+          <a:prstGeom prst="rect">
+            <a:avLst/>
+          </a:prstGeom>
+          <a:solidFill>
+            <a:schemeClr val="bg1"/>
+          </a:solidFill>
+        </p:spPr>
+        <p:txBody>
+          <a:bodyPr wrap="square" rtlCol="0">
+            <a:spAutoFit/>
+          </a:bodyPr>
+          <a:lstStyle/>
+          <a:p>
+            <a:r>
+              <a:rPr lang="es-MX" sz="1500" dirty="0" smtClean="0"/>
+              <a:t>Signal</a:t>
+            </a:r>
+            <a:endParaRPr lang="es-MX" sz="1500" dirty="0"/>
+          </a:p>
+        </p:txBody>
+      </p:sp>
+    </p:spTree>
+    <p:extLst>
+      <p:ext uri="{BB962C8B-B14F-4D97-AF65-F5344CB8AC3E}">
+        <p14:creationId xmlns:p14="http://schemas.microsoft.com/office/powerpoint/2010/main" val="3491768966"/>
+      </p:ext>
+    </p:extLst>
+  </p:cSld>
+  <p:clrMapOvr>
+    <a:masterClrMapping/>
+  </p:clrMapOvr>
+  <p:timing>
+    <p:tnLst>
+      <p:par>
+        <p:cTn id="1" dur="indefinite" restart="never" nodeType="tmRoot"/>
+      </p:par>
+    </p:tnLst>
+  </p:timing>
+</p:sld>
+</file>
+
+<file path=ppt/slides/slide40.xml><?xml version="1.0" encoding="utf-8"?>
 <p:sld xmlns:a="http://schemas.openxmlformats.org/drawingml/2006/main" xmlns:r="http://schemas.openxmlformats.org/officeDocument/2006/relationships" xmlns:p="http://schemas.openxmlformats.org/presentationml/2006/main">
   <p:cSld>
     <p:spTree>
@@ -12624,7 +11920,7 @@
 </p:sld>
 </file>
 
-<file path=ppt/slides/slide45.xml><?xml version="1.0" encoding="utf-8"?>
+<file path=ppt/slides/slide41.xml><?xml version="1.0" encoding="utf-8"?>
 <p:sld xmlns:a="http://schemas.openxmlformats.org/drawingml/2006/main" xmlns:r="http://schemas.openxmlformats.org/officeDocument/2006/relationships" xmlns:p="http://schemas.openxmlformats.org/presentationml/2006/main">
   <p:cSld>
     <p:spTree>
@@ -12867,7 +12163,7 @@
 </p:sld>
 </file>
 
-<file path=ppt/slides/slide46.xml><?xml version="1.0" encoding="utf-8"?>
+<file path=ppt/slides/slide42.xml><?xml version="1.0" encoding="utf-8"?>
 <p:sld xmlns:a="http://schemas.openxmlformats.org/drawingml/2006/main" xmlns:r="http://schemas.openxmlformats.org/officeDocument/2006/relationships" xmlns:p="http://schemas.openxmlformats.org/presentationml/2006/main">
   <p:cSld>
     <p:spTree>
@@ -13376,7 +12672,7 @@
 </p:sld>
 </file>
 
-<file path=ppt/slides/slide47.xml><?xml version="1.0" encoding="utf-8"?>
+<file path=ppt/slides/slide43.xml><?xml version="1.0" encoding="utf-8"?>
 <p:sld xmlns:a="http://schemas.openxmlformats.org/drawingml/2006/main" xmlns:r="http://schemas.openxmlformats.org/officeDocument/2006/relationships" xmlns:p="http://schemas.openxmlformats.org/presentationml/2006/main">
   <p:cSld>
     <p:spTree>
@@ -13510,7 +12806,7 @@
 </p:sld>
 </file>
 
-<file path=ppt/slides/slide48.xml><?xml version="1.0" encoding="utf-8"?>
+<file path=ppt/slides/slide44.xml><?xml version="1.0" encoding="utf-8"?>
 <p:sld xmlns:a="http://schemas.openxmlformats.org/drawingml/2006/main" xmlns:r="http://schemas.openxmlformats.org/officeDocument/2006/relationships" xmlns:p="http://schemas.openxmlformats.org/presentationml/2006/main">
   <p:cSld>
     <p:spTree>
@@ -13586,7 +12882,7 @@
 </p:sld>
 </file>
 
-<file path=ppt/slides/slide49.xml><?xml version="1.0" encoding="utf-8"?>
+<file path=ppt/slides/slide45.xml><?xml version="1.0" encoding="utf-8"?>
 <p:sld xmlns:a="http://schemas.openxmlformats.org/drawingml/2006/main" xmlns:r="http://schemas.openxmlformats.org/officeDocument/2006/relationships" xmlns:p="http://schemas.openxmlformats.org/presentationml/2006/main">
   <p:cSld>
     <p:spTree>
@@ -13708,6 +13004,469 @@
 </p:sld>
 </file>
 
+<file path=ppt/slides/slide46.xml><?xml version="1.0" encoding="utf-8"?>
+<p:sld xmlns:a="http://schemas.openxmlformats.org/drawingml/2006/main" xmlns:r="http://schemas.openxmlformats.org/officeDocument/2006/relationships" xmlns:p="http://schemas.openxmlformats.org/presentationml/2006/main">
+  <p:cSld>
+    <p:spTree>
+      <p:nvGrpSpPr>
+        <p:cNvPr id="1" name=""/>
+        <p:cNvGrpSpPr/>
+        <p:nvPr/>
+      </p:nvGrpSpPr>
+      <p:grpSpPr>
+        <a:xfrm>
+          <a:off x="0" y="0"/>
+          <a:ext cx="0" cy="0"/>
+          <a:chOff x="0" y="0"/>
+          <a:chExt cx="0" cy="0"/>
+        </a:xfrm>
+      </p:grpSpPr>
+      <p:sp>
+        <p:nvSpPr>
+          <p:cNvPr id="2" name="1 Título"/>
+          <p:cNvSpPr>
+            <a:spLocks noGrp="1"/>
+          </p:cNvSpPr>
+          <p:nvPr>
+            <p:ph type="title"/>
+          </p:nvPr>
+        </p:nvSpPr>
+        <p:spPr/>
+        <p:txBody>
+          <a:bodyPr/>
+          <a:lstStyle/>
+          <a:p>
+            <a:endParaRPr lang="es-MX"/>
+          </a:p>
+        </p:txBody>
+      </p:sp>
+      <p:sp>
+        <p:nvSpPr>
+          <p:cNvPr id="3" name="2 Marcador de contenido"/>
+          <p:cNvSpPr>
+            <a:spLocks noGrp="1"/>
+          </p:cNvSpPr>
+          <p:nvPr>
+            <p:ph idx="1"/>
+          </p:nvPr>
+        </p:nvSpPr>
+        <p:spPr/>
+        <p:txBody>
+          <a:bodyPr/>
+          <a:lstStyle/>
+          <a:p>
+            <a:endParaRPr lang="es-MX"/>
+          </a:p>
+        </p:txBody>
+      </p:sp>
+      <p:pic>
+        <p:nvPicPr>
+          <p:cNvPr id="11266" name="Picture 2"/>
+          <p:cNvPicPr>
+            <a:picLocks noChangeAspect="1" noChangeArrowheads="1"/>
+          </p:cNvPicPr>
+          <p:nvPr/>
+        </p:nvPicPr>
+        <p:blipFill>
+          <a:blip r:embed="rId2">
+            <a:extLst>
+              <a:ext uri="{28A0092B-C50C-407E-A947-70E740481C1C}">
+                <a14:useLocalDpi xmlns:a14="http://schemas.microsoft.com/office/drawing/2010/main" val="0"/>
+              </a:ext>
+            </a:extLst>
+          </a:blip>
+          <a:srcRect/>
+          <a:stretch>
+            <a:fillRect/>
+          </a:stretch>
+        </p:blipFill>
+        <p:spPr bwMode="auto">
+          <a:xfrm>
+            <a:off x="469712" y="0"/>
+            <a:ext cx="8393264" cy="6669359"/>
+          </a:xfrm>
+          <a:prstGeom prst="rect">
+            <a:avLst/>
+          </a:prstGeom>
+          <a:noFill/>
+          <a:ln>
+            <a:noFill/>
+          </a:ln>
+          <a:extLst>
+            <a:ext uri="{909E8E84-426E-40DD-AFC4-6F175D3DCCD1}">
+              <a14:hiddenFill xmlns:a14="http://schemas.microsoft.com/office/drawing/2010/main">
+                <a:solidFill>
+                  <a:schemeClr val="accent1"/>
+                </a:solidFill>
+              </a14:hiddenFill>
+            </a:ext>
+            <a:ext uri="{91240B29-F687-4F45-9708-019B960494DF}">
+              <a14:hiddenLine xmlns:a14="http://schemas.microsoft.com/office/drawing/2010/main" w="9525">
+                <a:solidFill>
+                  <a:schemeClr val="tx1"/>
+                </a:solidFill>
+                <a:miter lim="800000"/>
+                <a:headEnd/>
+                <a:tailEnd/>
+              </a14:hiddenLine>
+            </a:ext>
+          </a:extLst>
+        </p:spPr>
+      </p:pic>
+    </p:spTree>
+    <p:extLst>
+      <p:ext uri="{BB962C8B-B14F-4D97-AF65-F5344CB8AC3E}">
+        <p14:creationId xmlns:p14="http://schemas.microsoft.com/office/powerpoint/2010/main" val="3143293457"/>
+      </p:ext>
+    </p:extLst>
+  </p:cSld>
+  <p:clrMapOvr>
+    <a:masterClrMapping/>
+  </p:clrMapOvr>
+</p:sld>
+</file>
+
+<file path=ppt/slides/slide47.xml><?xml version="1.0" encoding="utf-8"?>
+<p:sld xmlns:a="http://schemas.openxmlformats.org/drawingml/2006/main" xmlns:r="http://schemas.openxmlformats.org/officeDocument/2006/relationships" xmlns:p="http://schemas.openxmlformats.org/presentationml/2006/main">
+  <p:cSld>
+    <p:spTree>
+      <p:nvGrpSpPr>
+        <p:cNvPr id="1" name=""/>
+        <p:cNvGrpSpPr/>
+        <p:nvPr/>
+      </p:nvGrpSpPr>
+      <p:grpSpPr>
+        <a:xfrm>
+          <a:off x="0" y="0"/>
+          <a:ext cx="0" cy="0"/>
+          <a:chOff x="0" y="0"/>
+          <a:chExt cx="0" cy="0"/>
+        </a:xfrm>
+      </p:grpSpPr>
+      <p:sp>
+        <p:nvSpPr>
+          <p:cNvPr id="2" name="1 Título"/>
+          <p:cNvSpPr>
+            <a:spLocks noGrp="1"/>
+          </p:cNvSpPr>
+          <p:nvPr>
+            <p:ph type="title"/>
+          </p:nvPr>
+        </p:nvSpPr>
+        <p:spPr/>
+        <p:txBody>
+          <a:bodyPr/>
+          <a:lstStyle/>
+          <a:p>
+            <a:endParaRPr lang="es-MX"/>
+          </a:p>
+        </p:txBody>
+      </p:sp>
+      <p:sp>
+        <p:nvSpPr>
+          <p:cNvPr id="3" name="2 Marcador de contenido"/>
+          <p:cNvSpPr>
+            <a:spLocks noGrp="1"/>
+          </p:cNvSpPr>
+          <p:nvPr>
+            <p:ph idx="1"/>
+          </p:nvPr>
+        </p:nvSpPr>
+        <p:spPr/>
+        <p:txBody>
+          <a:bodyPr/>
+          <a:lstStyle/>
+          <a:p>
+            <a:endParaRPr lang="es-MX"/>
+          </a:p>
+        </p:txBody>
+      </p:sp>
+      <p:pic>
+        <p:nvPicPr>
+          <p:cNvPr id="22530" name="Picture 2"/>
+          <p:cNvPicPr>
+            <a:picLocks noChangeAspect="1" noChangeArrowheads="1"/>
+          </p:cNvPicPr>
+          <p:nvPr/>
+        </p:nvPicPr>
+        <p:blipFill>
+          <a:blip r:embed="rId2">
+            <a:extLst>
+              <a:ext uri="{28A0092B-C50C-407E-A947-70E740481C1C}">
+                <a14:useLocalDpi xmlns:a14="http://schemas.microsoft.com/office/drawing/2010/main" val="0"/>
+              </a:ext>
+            </a:extLst>
+          </a:blip>
+          <a:srcRect/>
+          <a:stretch>
+            <a:fillRect/>
+          </a:stretch>
+        </p:blipFill>
+        <p:spPr bwMode="auto">
+          <a:xfrm>
+            <a:off x="709613" y="366713"/>
+            <a:ext cx="7724775" cy="6124575"/>
+          </a:xfrm>
+          <a:prstGeom prst="rect">
+            <a:avLst/>
+          </a:prstGeom>
+          <a:noFill/>
+          <a:ln>
+            <a:noFill/>
+          </a:ln>
+          <a:extLst>
+            <a:ext uri="{909E8E84-426E-40DD-AFC4-6F175D3DCCD1}">
+              <a14:hiddenFill xmlns:a14="http://schemas.microsoft.com/office/drawing/2010/main">
+                <a:solidFill>
+                  <a:schemeClr val="accent1"/>
+                </a:solidFill>
+              </a14:hiddenFill>
+            </a:ext>
+            <a:ext uri="{91240B29-F687-4F45-9708-019B960494DF}">
+              <a14:hiddenLine xmlns:a14="http://schemas.microsoft.com/office/drawing/2010/main" w="9525">
+                <a:solidFill>
+                  <a:schemeClr val="tx1"/>
+                </a:solidFill>
+                <a:miter lim="800000"/>
+                <a:headEnd/>
+                <a:tailEnd/>
+              </a14:hiddenLine>
+            </a:ext>
+          </a:extLst>
+        </p:spPr>
+      </p:pic>
+    </p:spTree>
+    <p:extLst>
+      <p:ext uri="{BB962C8B-B14F-4D97-AF65-F5344CB8AC3E}">
+        <p14:creationId xmlns:p14="http://schemas.microsoft.com/office/powerpoint/2010/main" val="3268235862"/>
+      </p:ext>
+    </p:extLst>
+  </p:cSld>
+  <p:clrMapOvr>
+    <a:masterClrMapping/>
+  </p:clrMapOvr>
+  <p:timing>
+    <p:tnLst>
+      <p:par>
+        <p:cTn id="1" dur="indefinite" restart="never" nodeType="tmRoot"/>
+      </p:par>
+    </p:tnLst>
+  </p:timing>
+</p:sld>
+</file>
+
+<file path=ppt/slides/slide48.xml><?xml version="1.0" encoding="utf-8"?>
+<p:sld xmlns:a="http://schemas.openxmlformats.org/drawingml/2006/main" xmlns:r="http://schemas.openxmlformats.org/officeDocument/2006/relationships" xmlns:p="http://schemas.openxmlformats.org/presentationml/2006/main">
+  <p:cSld>
+    <p:spTree>
+      <p:nvGrpSpPr>
+        <p:cNvPr id="1" name=""/>
+        <p:cNvGrpSpPr/>
+        <p:nvPr/>
+      </p:nvGrpSpPr>
+      <p:grpSpPr>
+        <a:xfrm>
+          <a:off x="0" y="0"/>
+          <a:ext cx="0" cy="0"/>
+          <a:chOff x="0" y="0"/>
+          <a:chExt cx="0" cy="0"/>
+        </a:xfrm>
+      </p:grpSpPr>
+      <p:sp>
+        <p:nvSpPr>
+          <p:cNvPr id="2" name="1 Título"/>
+          <p:cNvSpPr>
+            <a:spLocks noGrp="1"/>
+          </p:cNvSpPr>
+          <p:nvPr>
+            <p:ph type="title"/>
+          </p:nvPr>
+        </p:nvSpPr>
+        <p:spPr/>
+        <p:txBody>
+          <a:bodyPr/>
+          <a:lstStyle/>
+          <a:p>
+            <a:endParaRPr lang="es-MX"/>
+          </a:p>
+        </p:txBody>
+      </p:sp>
+      <p:sp>
+        <p:nvSpPr>
+          <p:cNvPr id="3" name="2 Marcador de contenido"/>
+          <p:cNvSpPr>
+            <a:spLocks noGrp="1"/>
+          </p:cNvSpPr>
+          <p:nvPr>
+            <p:ph idx="1"/>
+          </p:nvPr>
+        </p:nvSpPr>
+        <p:spPr/>
+        <p:txBody>
+          <a:bodyPr/>
+          <a:lstStyle/>
+          <a:p>
+            <a:endParaRPr lang="es-MX"/>
+          </a:p>
+        </p:txBody>
+      </p:sp>
+      <p:pic>
+        <p:nvPicPr>
+          <p:cNvPr id="23554" name="Picture 2"/>
+          <p:cNvPicPr>
+            <a:picLocks noChangeAspect="1" noChangeArrowheads="1"/>
+          </p:cNvPicPr>
+          <p:nvPr/>
+        </p:nvPicPr>
+        <p:blipFill>
+          <a:blip r:embed="rId2">
+            <a:extLst>
+              <a:ext uri="{28A0092B-C50C-407E-A947-70E740481C1C}">
+                <a14:useLocalDpi xmlns:a14="http://schemas.microsoft.com/office/drawing/2010/main" val="0"/>
+              </a:ext>
+            </a:extLst>
+          </a:blip>
+          <a:srcRect/>
+          <a:stretch>
+            <a:fillRect/>
+          </a:stretch>
+        </p:blipFill>
+        <p:spPr bwMode="auto">
+          <a:xfrm>
+            <a:off x="326323" y="55901"/>
+            <a:ext cx="8422141" cy="6802099"/>
+          </a:xfrm>
+          <a:prstGeom prst="rect">
+            <a:avLst/>
+          </a:prstGeom>
+          <a:noFill/>
+          <a:ln>
+            <a:noFill/>
+          </a:ln>
+          <a:extLst>
+            <a:ext uri="{909E8E84-426E-40DD-AFC4-6F175D3DCCD1}">
+              <a14:hiddenFill xmlns:a14="http://schemas.microsoft.com/office/drawing/2010/main">
+                <a:solidFill>
+                  <a:schemeClr val="accent1"/>
+                </a:solidFill>
+              </a14:hiddenFill>
+            </a:ext>
+            <a:ext uri="{91240B29-F687-4F45-9708-019B960494DF}">
+              <a14:hiddenLine xmlns:a14="http://schemas.microsoft.com/office/drawing/2010/main" w="9525">
+                <a:solidFill>
+                  <a:schemeClr val="tx1"/>
+                </a:solidFill>
+                <a:miter lim="800000"/>
+                <a:headEnd/>
+                <a:tailEnd/>
+              </a14:hiddenLine>
+            </a:ext>
+          </a:extLst>
+        </p:spPr>
+      </p:pic>
+    </p:spTree>
+    <p:extLst>
+      <p:ext uri="{BB962C8B-B14F-4D97-AF65-F5344CB8AC3E}">
+        <p14:creationId xmlns:p14="http://schemas.microsoft.com/office/powerpoint/2010/main" val="2311151182"/>
+      </p:ext>
+    </p:extLst>
+  </p:cSld>
+  <p:clrMapOvr>
+    <a:masterClrMapping/>
+  </p:clrMapOvr>
+  <p:timing>
+    <p:tnLst>
+      <p:par>
+        <p:cTn id="1" dur="indefinite" restart="never" nodeType="tmRoot"/>
+      </p:par>
+    </p:tnLst>
+  </p:timing>
+</p:sld>
+</file>
+
+<file path=ppt/slides/slide49.xml><?xml version="1.0" encoding="utf-8"?>
+<p:sld xmlns:a="http://schemas.openxmlformats.org/drawingml/2006/main" xmlns:r="http://schemas.openxmlformats.org/officeDocument/2006/relationships" xmlns:p="http://schemas.openxmlformats.org/presentationml/2006/main">
+  <p:cSld>
+    <p:spTree>
+      <p:nvGrpSpPr>
+        <p:cNvPr id="1" name=""/>
+        <p:cNvGrpSpPr/>
+        <p:nvPr/>
+      </p:nvGrpSpPr>
+      <p:grpSpPr>
+        <a:xfrm>
+          <a:off x="0" y="0"/>
+          <a:ext cx="0" cy="0"/>
+          <a:chOff x="0" y="0"/>
+          <a:chExt cx="0" cy="0"/>
+        </a:xfrm>
+      </p:grpSpPr>
+      <p:sp>
+        <p:nvSpPr>
+          <p:cNvPr id="2" name="1 Título"/>
+          <p:cNvSpPr>
+            <a:spLocks noGrp="1"/>
+          </p:cNvSpPr>
+          <p:nvPr>
+            <p:ph type="ctrTitle"/>
+          </p:nvPr>
+        </p:nvSpPr>
+        <p:spPr/>
+        <p:txBody>
+          <a:bodyPr/>
+          <a:lstStyle/>
+          <a:p>
+            <a:r>
+              <a:rPr lang="es-MX" dirty="0" smtClean="0"/>
+              <a:t>Resultados</a:t>
+            </a:r>
+            <a:endParaRPr lang="es-MX" dirty="0"/>
+          </a:p>
+        </p:txBody>
+      </p:sp>
+      <p:sp>
+        <p:nvSpPr>
+          <p:cNvPr id="3" name="2 Subtítulo"/>
+          <p:cNvSpPr>
+            <a:spLocks noGrp="1"/>
+          </p:cNvSpPr>
+          <p:nvPr>
+            <p:ph type="subTitle" idx="1"/>
+          </p:nvPr>
+        </p:nvSpPr>
+        <p:spPr/>
+        <p:txBody>
+          <a:bodyPr/>
+          <a:lstStyle/>
+          <a:p>
+            <a:r>
+              <a:rPr lang="es-MX" dirty="0" smtClean="0"/>
+              <a:t>Parte VI</a:t>
+            </a:r>
+            <a:endParaRPr lang="es-MX" dirty="0"/>
+          </a:p>
+        </p:txBody>
+      </p:sp>
+    </p:spTree>
+    <p:extLst>
+      <p:ext uri="{BB962C8B-B14F-4D97-AF65-F5344CB8AC3E}">
+        <p14:creationId xmlns:p14="http://schemas.microsoft.com/office/powerpoint/2010/main" val="711355567"/>
+      </p:ext>
+    </p:extLst>
+  </p:cSld>
+  <p:clrMapOvr>
+    <a:masterClrMapping/>
+  </p:clrMapOvr>
+  <p:timing>
+    <p:tnLst>
+      <p:par>
+        <p:cTn id="1" dur="indefinite" restart="never" nodeType="tmRoot"/>
+      </p:par>
+    </p:tnLst>
+  </p:timing>
+</p:sld>
+</file>
+
 <file path=ppt/slides/slide5.xml><?xml version="1.0" encoding="utf-8"?>
 <p:sld xmlns:a="http://schemas.openxmlformats.org/drawingml/2006/main" xmlns:r="http://schemas.openxmlformats.org/officeDocument/2006/relationships" xmlns:p="http://schemas.openxmlformats.org/presentationml/2006/main">
   <p:cSld>
@@ -13757,7 +13516,7 @@
               <a:t> </a:t>
             </a:r>
             <a:r>
-              <a:rPr lang="es-MX" b="1" dirty="0" err="1" smtClean="0"/>
+              <a:rPr lang="es-MX" dirty="0" err="1" smtClean="0"/>
               <a:t>is</a:t>
             </a:r>
             <a:r>
@@ -13995,469 +13754,6 @@
             <p:ph type="title"/>
           </p:nvPr>
         </p:nvSpPr>
-        <p:spPr/>
-        <p:txBody>
-          <a:bodyPr/>
-          <a:lstStyle/>
-          <a:p>
-            <a:endParaRPr lang="es-MX"/>
-          </a:p>
-        </p:txBody>
-      </p:sp>
-      <p:sp>
-        <p:nvSpPr>
-          <p:cNvPr id="3" name="2 Marcador de contenido"/>
-          <p:cNvSpPr>
-            <a:spLocks noGrp="1"/>
-          </p:cNvSpPr>
-          <p:nvPr>
-            <p:ph idx="1"/>
-          </p:nvPr>
-        </p:nvSpPr>
-        <p:spPr/>
-        <p:txBody>
-          <a:bodyPr/>
-          <a:lstStyle/>
-          <a:p>
-            <a:endParaRPr lang="es-MX"/>
-          </a:p>
-        </p:txBody>
-      </p:sp>
-      <p:pic>
-        <p:nvPicPr>
-          <p:cNvPr id="11266" name="Picture 2"/>
-          <p:cNvPicPr>
-            <a:picLocks noChangeAspect="1" noChangeArrowheads="1"/>
-          </p:cNvPicPr>
-          <p:nvPr/>
-        </p:nvPicPr>
-        <p:blipFill>
-          <a:blip r:embed="rId2">
-            <a:extLst>
-              <a:ext uri="{28A0092B-C50C-407E-A947-70E740481C1C}">
-                <a14:useLocalDpi xmlns:a14="http://schemas.microsoft.com/office/drawing/2010/main" val="0"/>
-              </a:ext>
-            </a:extLst>
-          </a:blip>
-          <a:srcRect/>
-          <a:stretch>
-            <a:fillRect/>
-          </a:stretch>
-        </p:blipFill>
-        <p:spPr bwMode="auto">
-          <a:xfrm>
-            <a:off x="469712" y="0"/>
-            <a:ext cx="8393264" cy="6669359"/>
-          </a:xfrm>
-          <a:prstGeom prst="rect">
-            <a:avLst/>
-          </a:prstGeom>
-          <a:noFill/>
-          <a:ln>
-            <a:noFill/>
-          </a:ln>
-          <a:extLst>
-            <a:ext uri="{909E8E84-426E-40DD-AFC4-6F175D3DCCD1}">
-              <a14:hiddenFill xmlns:a14="http://schemas.microsoft.com/office/drawing/2010/main">
-                <a:solidFill>
-                  <a:schemeClr val="accent1"/>
-                </a:solidFill>
-              </a14:hiddenFill>
-            </a:ext>
-            <a:ext uri="{91240B29-F687-4F45-9708-019B960494DF}">
-              <a14:hiddenLine xmlns:a14="http://schemas.microsoft.com/office/drawing/2010/main" w="9525">
-                <a:solidFill>
-                  <a:schemeClr val="tx1"/>
-                </a:solidFill>
-                <a:miter lim="800000"/>
-                <a:headEnd/>
-                <a:tailEnd/>
-              </a14:hiddenLine>
-            </a:ext>
-          </a:extLst>
-        </p:spPr>
-      </p:pic>
-    </p:spTree>
-    <p:extLst>
-      <p:ext uri="{BB962C8B-B14F-4D97-AF65-F5344CB8AC3E}">
-        <p14:creationId xmlns:p14="http://schemas.microsoft.com/office/powerpoint/2010/main" val="3143293457"/>
-      </p:ext>
-    </p:extLst>
-  </p:cSld>
-  <p:clrMapOvr>
-    <a:masterClrMapping/>
-  </p:clrMapOvr>
-</p:sld>
-</file>
-
-<file path=ppt/slides/slide51.xml><?xml version="1.0" encoding="utf-8"?>
-<p:sld xmlns:a="http://schemas.openxmlformats.org/drawingml/2006/main" xmlns:r="http://schemas.openxmlformats.org/officeDocument/2006/relationships" xmlns:p="http://schemas.openxmlformats.org/presentationml/2006/main">
-  <p:cSld>
-    <p:spTree>
-      <p:nvGrpSpPr>
-        <p:cNvPr id="1" name=""/>
-        <p:cNvGrpSpPr/>
-        <p:nvPr/>
-      </p:nvGrpSpPr>
-      <p:grpSpPr>
-        <a:xfrm>
-          <a:off x="0" y="0"/>
-          <a:ext cx="0" cy="0"/>
-          <a:chOff x="0" y="0"/>
-          <a:chExt cx="0" cy="0"/>
-        </a:xfrm>
-      </p:grpSpPr>
-      <p:sp>
-        <p:nvSpPr>
-          <p:cNvPr id="2" name="1 Título"/>
-          <p:cNvSpPr>
-            <a:spLocks noGrp="1"/>
-          </p:cNvSpPr>
-          <p:nvPr>
-            <p:ph type="title"/>
-          </p:nvPr>
-        </p:nvSpPr>
-        <p:spPr/>
-        <p:txBody>
-          <a:bodyPr/>
-          <a:lstStyle/>
-          <a:p>
-            <a:endParaRPr lang="es-MX"/>
-          </a:p>
-        </p:txBody>
-      </p:sp>
-      <p:sp>
-        <p:nvSpPr>
-          <p:cNvPr id="3" name="2 Marcador de contenido"/>
-          <p:cNvSpPr>
-            <a:spLocks noGrp="1"/>
-          </p:cNvSpPr>
-          <p:nvPr>
-            <p:ph idx="1"/>
-          </p:nvPr>
-        </p:nvSpPr>
-        <p:spPr/>
-        <p:txBody>
-          <a:bodyPr/>
-          <a:lstStyle/>
-          <a:p>
-            <a:endParaRPr lang="es-MX"/>
-          </a:p>
-        </p:txBody>
-      </p:sp>
-      <p:pic>
-        <p:nvPicPr>
-          <p:cNvPr id="22530" name="Picture 2"/>
-          <p:cNvPicPr>
-            <a:picLocks noChangeAspect="1" noChangeArrowheads="1"/>
-          </p:cNvPicPr>
-          <p:nvPr/>
-        </p:nvPicPr>
-        <p:blipFill>
-          <a:blip r:embed="rId2">
-            <a:extLst>
-              <a:ext uri="{28A0092B-C50C-407E-A947-70E740481C1C}">
-                <a14:useLocalDpi xmlns:a14="http://schemas.microsoft.com/office/drawing/2010/main" val="0"/>
-              </a:ext>
-            </a:extLst>
-          </a:blip>
-          <a:srcRect/>
-          <a:stretch>
-            <a:fillRect/>
-          </a:stretch>
-        </p:blipFill>
-        <p:spPr bwMode="auto">
-          <a:xfrm>
-            <a:off x="709613" y="366713"/>
-            <a:ext cx="7724775" cy="6124575"/>
-          </a:xfrm>
-          <a:prstGeom prst="rect">
-            <a:avLst/>
-          </a:prstGeom>
-          <a:noFill/>
-          <a:ln>
-            <a:noFill/>
-          </a:ln>
-          <a:extLst>
-            <a:ext uri="{909E8E84-426E-40DD-AFC4-6F175D3DCCD1}">
-              <a14:hiddenFill xmlns:a14="http://schemas.microsoft.com/office/drawing/2010/main">
-                <a:solidFill>
-                  <a:schemeClr val="accent1"/>
-                </a:solidFill>
-              </a14:hiddenFill>
-            </a:ext>
-            <a:ext uri="{91240B29-F687-4F45-9708-019B960494DF}">
-              <a14:hiddenLine xmlns:a14="http://schemas.microsoft.com/office/drawing/2010/main" w="9525">
-                <a:solidFill>
-                  <a:schemeClr val="tx1"/>
-                </a:solidFill>
-                <a:miter lim="800000"/>
-                <a:headEnd/>
-                <a:tailEnd/>
-              </a14:hiddenLine>
-            </a:ext>
-          </a:extLst>
-        </p:spPr>
-      </p:pic>
-    </p:spTree>
-    <p:extLst>
-      <p:ext uri="{BB962C8B-B14F-4D97-AF65-F5344CB8AC3E}">
-        <p14:creationId xmlns:p14="http://schemas.microsoft.com/office/powerpoint/2010/main" val="3268235862"/>
-      </p:ext>
-    </p:extLst>
-  </p:cSld>
-  <p:clrMapOvr>
-    <a:masterClrMapping/>
-  </p:clrMapOvr>
-  <p:timing>
-    <p:tnLst>
-      <p:par>
-        <p:cTn id="1" dur="indefinite" restart="never" nodeType="tmRoot"/>
-      </p:par>
-    </p:tnLst>
-  </p:timing>
-</p:sld>
-</file>
-
-<file path=ppt/slides/slide52.xml><?xml version="1.0" encoding="utf-8"?>
-<p:sld xmlns:a="http://schemas.openxmlformats.org/drawingml/2006/main" xmlns:r="http://schemas.openxmlformats.org/officeDocument/2006/relationships" xmlns:p="http://schemas.openxmlformats.org/presentationml/2006/main">
-  <p:cSld>
-    <p:spTree>
-      <p:nvGrpSpPr>
-        <p:cNvPr id="1" name=""/>
-        <p:cNvGrpSpPr/>
-        <p:nvPr/>
-      </p:nvGrpSpPr>
-      <p:grpSpPr>
-        <a:xfrm>
-          <a:off x="0" y="0"/>
-          <a:ext cx="0" cy="0"/>
-          <a:chOff x="0" y="0"/>
-          <a:chExt cx="0" cy="0"/>
-        </a:xfrm>
-      </p:grpSpPr>
-      <p:sp>
-        <p:nvSpPr>
-          <p:cNvPr id="2" name="1 Título"/>
-          <p:cNvSpPr>
-            <a:spLocks noGrp="1"/>
-          </p:cNvSpPr>
-          <p:nvPr>
-            <p:ph type="title"/>
-          </p:nvPr>
-        </p:nvSpPr>
-        <p:spPr/>
-        <p:txBody>
-          <a:bodyPr/>
-          <a:lstStyle/>
-          <a:p>
-            <a:endParaRPr lang="es-MX"/>
-          </a:p>
-        </p:txBody>
-      </p:sp>
-      <p:sp>
-        <p:nvSpPr>
-          <p:cNvPr id="3" name="2 Marcador de contenido"/>
-          <p:cNvSpPr>
-            <a:spLocks noGrp="1"/>
-          </p:cNvSpPr>
-          <p:nvPr>
-            <p:ph idx="1"/>
-          </p:nvPr>
-        </p:nvSpPr>
-        <p:spPr/>
-        <p:txBody>
-          <a:bodyPr/>
-          <a:lstStyle/>
-          <a:p>
-            <a:endParaRPr lang="es-MX"/>
-          </a:p>
-        </p:txBody>
-      </p:sp>
-      <p:pic>
-        <p:nvPicPr>
-          <p:cNvPr id="23554" name="Picture 2"/>
-          <p:cNvPicPr>
-            <a:picLocks noChangeAspect="1" noChangeArrowheads="1"/>
-          </p:cNvPicPr>
-          <p:nvPr/>
-        </p:nvPicPr>
-        <p:blipFill>
-          <a:blip r:embed="rId2">
-            <a:extLst>
-              <a:ext uri="{28A0092B-C50C-407E-A947-70E740481C1C}">
-                <a14:useLocalDpi xmlns:a14="http://schemas.microsoft.com/office/drawing/2010/main" val="0"/>
-              </a:ext>
-            </a:extLst>
-          </a:blip>
-          <a:srcRect/>
-          <a:stretch>
-            <a:fillRect/>
-          </a:stretch>
-        </p:blipFill>
-        <p:spPr bwMode="auto">
-          <a:xfrm>
-            <a:off x="326323" y="55901"/>
-            <a:ext cx="8422141" cy="6802099"/>
-          </a:xfrm>
-          <a:prstGeom prst="rect">
-            <a:avLst/>
-          </a:prstGeom>
-          <a:noFill/>
-          <a:ln>
-            <a:noFill/>
-          </a:ln>
-          <a:extLst>
-            <a:ext uri="{909E8E84-426E-40DD-AFC4-6F175D3DCCD1}">
-              <a14:hiddenFill xmlns:a14="http://schemas.microsoft.com/office/drawing/2010/main">
-                <a:solidFill>
-                  <a:schemeClr val="accent1"/>
-                </a:solidFill>
-              </a14:hiddenFill>
-            </a:ext>
-            <a:ext uri="{91240B29-F687-4F45-9708-019B960494DF}">
-              <a14:hiddenLine xmlns:a14="http://schemas.microsoft.com/office/drawing/2010/main" w="9525">
-                <a:solidFill>
-                  <a:schemeClr val="tx1"/>
-                </a:solidFill>
-                <a:miter lim="800000"/>
-                <a:headEnd/>
-                <a:tailEnd/>
-              </a14:hiddenLine>
-            </a:ext>
-          </a:extLst>
-        </p:spPr>
-      </p:pic>
-    </p:spTree>
-    <p:extLst>
-      <p:ext uri="{BB962C8B-B14F-4D97-AF65-F5344CB8AC3E}">
-        <p14:creationId xmlns:p14="http://schemas.microsoft.com/office/powerpoint/2010/main" val="2311151182"/>
-      </p:ext>
-    </p:extLst>
-  </p:cSld>
-  <p:clrMapOvr>
-    <a:masterClrMapping/>
-  </p:clrMapOvr>
-  <p:timing>
-    <p:tnLst>
-      <p:par>
-        <p:cTn id="1" dur="indefinite" restart="never" nodeType="tmRoot"/>
-      </p:par>
-    </p:tnLst>
-  </p:timing>
-</p:sld>
-</file>
-
-<file path=ppt/slides/slide53.xml><?xml version="1.0" encoding="utf-8"?>
-<p:sld xmlns:a="http://schemas.openxmlformats.org/drawingml/2006/main" xmlns:r="http://schemas.openxmlformats.org/officeDocument/2006/relationships" xmlns:p="http://schemas.openxmlformats.org/presentationml/2006/main">
-  <p:cSld>
-    <p:spTree>
-      <p:nvGrpSpPr>
-        <p:cNvPr id="1" name=""/>
-        <p:cNvGrpSpPr/>
-        <p:nvPr/>
-      </p:nvGrpSpPr>
-      <p:grpSpPr>
-        <a:xfrm>
-          <a:off x="0" y="0"/>
-          <a:ext cx="0" cy="0"/>
-          <a:chOff x="0" y="0"/>
-          <a:chExt cx="0" cy="0"/>
-        </a:xfrm>
-      </p:grpSpPr>
-      <p:sp>
-        <p:nvSpPr>
-          <p:cNvPr id="2" name="1 Título"/>
-          <p:cNvSpPr>
-            <a:spLocks noGrp="1"/>
-          </p:cNvSpPr>
-          <p:nvPr>
-            <p:ph type="ctrTitle"/>
-          </p:nvPr>
-        </p:nvSpPr>
-        <p:spPr/>
-        <p:txBody>
-          <a:bodyPr/>
-          <a:lstStyle/>
-          <a:p>
-            <a:r>
-              <a:rPr lang="es-MX" dirty="0" smtClean="0"/>
-              <a:t>Resultados</a:t>
-            </a:r>
-            <a:endParaRPr lang="es-MX" dirty="0"/>
-          </a:p>
-        </p:txBody>
-      </p:sp>
-      <p:sp>
-        <p:nvSpPr>
-          <p:cNvPr id="3" name="2 Subtítulo"/>
-          <p:cNvSpPr>
-            <a:spLocks noGrp="1"/>
-          </p:cNvSpPr>
-          <p:nvPr>
-            <p:ph type="subTitle" idx="1"/>
-          </p:nvPr>
-        </p:nvSpPr>
-        <p:spPr/>
-        <p:txBody>
-          <a:bodyPr/>
-          <a:lstStyle/>
-          <a:p>
-            <a:r>
-              <a:rPr lang="es-MX" dirty="0" smtClean="0"/>
-              <a:t>Parte VI</a:t>
-            </a:r>
-            <a:endParaRPr lang="es-MX" dirty="0"/>
-          </a:p>
-        </p:txBody>
-      </p:sp>
-    </p:spTree>
-    <p:extLst>
-      <p:ext uri="{BB962C8B-B14F-4D97-AF65-F5344CB8AC3E}">
-        <p14:creationId xmlns:p14="http://schemas.microsoft.com/office/powerpoint/2010/main" val="711355567"/>
-      </p:ext>
-    </p:extLst>
-  </p:cSld>
-  <p:clrMapOvr>
-    <a:masterClrMapping/>
-  </p:clrMapOvr>
-  <p:timing>
-    <p:tnLst>
-      <p:par>
-        <p:cTn id="1" dur="indefinite" restart="never" nodeType="tmRoot"/>
-      </p:par>
-    </p:tnLst>
-  </p:timing>
-</p:sld>
-</file>
-
-<file path=ppt/slides/slide54.xml><?xml version="1.0" encoding="utf-8"?>
-<p:sld xmlns:a="http://schemas.openxmlformats.org/drawingml/2006/main" xmlns:r="http://schemas.openxmlformats.org/officeDocument/2006/relationships" xmlns:p="http://schemas.openxmlformats.org/presentationml/2006/main">
-  <p:cSld>
-    <p:spTree>
-      <p:nvGrpSpPr>
-        <p:cNvPr id="1" name=""/>
-        <p:cNvGrpSpPr/>
-        <p:nvPr/>
-      </p:nvGrpSpPr>
-      <p:grpSpPr>
-        <a:xfrm>
-          <a:off x="0" y="0"/>
-          <a:ext cx="0" cy="0"/>
-          <a:chOff x="0" y="0"/>
-          <a:chExt cx="0" cy="0"/>
-        </a:xfrm>
-      </p:grpSpPr>
-      <p:sp>
-        <p:nvSpPr>
-          <p:cNvPr id="2" name="1 Título"/>
-          <p:cNvSpPr>
-            <a:spLocks noGrp="1"/>
-          </p:cNvSpPr>
-          <p:nvPr>
-            <p:ph type="title"/>
-          </p:nvPr>
-        </p:nvSpPr>
         <p:spPr>
           <a:xfrm>
             <a:off x="395536" y="188640"/>
@@ -14647,7 +13943,7 @@
 </p:sld>
 </file>
 
-<file path=ppt/slides/slide55.xml><?xml version="1.0" encoding="utf-8"?>
+<file path=ppt/slides/slide51.xml><?xml version="1.0" encoding="utf-8"?>
 <p:sld xmlns:a="http://schemas.openxmlformats.org/drawingml/2006/main" xmlns:r="http://schemas.openxmlformats.org/officeDocument/2006/relationships" xmlns:p="http://schemas.openxmlformats.org/presentationml/2006/main">
   <p:cSld>
     <p:spTree>
@@ -14830,7 +14126,7 @@
 </p:sld>
 </file>
 
-<file path=ppt/slides/slide56.xml><?xml version="1.0" encoding="utf-8"?>
+<file path=ppt/slides/slide52.xml><?xml version="1.0" encoding="utf-8"?>
 <p:sld xmlns:a="http://schemas.openxmlformats.org/drawingml/2006/main" xmlns:r="http://schemas.openxmlformats.org/officeDocument/2006/relationships" xmlns:p="http://schemas.openxmlformats.org/presentationml/2006/main">
   <p:cSld>
     <p:spTree>
@@ -14964,7 +14260,7 @@
 </p:sld>
 </file>
 
-<file path=ppt/slides/slide57.xml><?xml version="1.0" encoding="utf-8"?>
+<file path=ppt/slides/slide53.xml><?xml version="1.0" encoding="utf-8"?>
 <p:sld xmlns:a="http://schemas.openxmlformats.org/drawingml/2006/main" xmlns:r="http://schemas.openxmlformats.org/officeDocument/2006/relationships" xmlns:p="http://schemas.openxmlformats.org/presentationml/2006/main">
   <p:cSld>
     <p:spTree>
@@ -15098,7 +14394,7 @@
 </p:sld>
 </file>
 
-<file path=ppt/slides/slide58.xml><?xml version="1.0" encoding="utf-8"?>
+<file path=ppt/slides/slide54.xml><?xml version="1.0" encoding="utf-8"?>
 <p:sld xmlns:a="http://schemas.openxmlformats.org/drawingml/2006/main" xmlns:r="http://schemas.openxmlformats.org/officeDocument/2006/relationships" xmlns:p="http://schemas.openxmlformats.org/presentationml/2006/main">
   <p:cSld>
     <p:spTree>
@@ -15232,7 +14528,7 @@
 </p:sld>
 </file>
 
-<file path=ppt/slides/slide59.xml><?xml version="1.0" encoding="utf-8"?>
+<file path=ppt/slides/slide55.xml><?xml version="1.0" encoding="utf-8"?>
 <p:sld xmlns:a="http://schemas.openxmlformats.org/drawingml/2006/main" xmlns:r="http://schemas.openxmlformats.org/officeDocument/2006/relationships" xmlns:p="http://schemas.openxmlformats.org/presentationml/2006/main">
   <p:cSld>
     <p:spTree>
@@ -15354,279 +14650,7 @@
 </p:sld>
 </file>
 
-<file path=ppt/slides/slide6.xml><?xml version="1.0" encoding="utf-8"?>
-<p:sld xmlns:a="http://schemas.openxmlformats.org/drawingml/2006/main" xmlns:r="http://schemas.openxmlformats.org/officeDocument/2006/relationships" xmlns:p="http://schemas.openxmlformats.org/presentationml/2006/main">
-  <p:cSld>
-    <p:spTree>
-      <p:nvGrpSpPr>
-        <p:cNvPr id="1" name=""/>
-        <p:cNvGrpSpPr/>
-        <p:nvPr/>
-      </p:nvGrpSpPr>
-      <p:grpSpPr>
-        <a:xfrm>
-          <a:off x="0" y="0"/>
-          <a:ext cx="0" cy="0"/>
-          <a:chOff x="0" y="0"/>
-          <a:chExt cx="0" cy="0"/>
-        </a:xfrm>
-      </p:grpSpPr>
-      <p:sp>
-        <p:nvSpPr>
-          <p:cNvPr id="2" name="1 Título"/>
-          <p:cNvSpPr>
-            <a:spLocks noGrp="1"/>
-          </p:cNvSpPr>
-          <p:nvPr>
-            <p:ph type="title"/>
-          </p:nvPr>
-        </p:nvSpPr>
-        <p:spPr/>
-        <p:txBody>
-          <a:bodyPr/>
-          <a:lstStyle/>
-          <a:p>
-            <a:r>
-              <a:rPr lang="es-MX" dirty="0" err="1" smtClean="0"/>
-              <a:t>Problem</a:t>
-            </a:r>
-            <a:r>
-              <a:rPr lang="es-MX" dirty="0" smtClean="0"/>
-              <a:t> </a:t>
-            </a:r>
-            <a:r>
-              <a:rPr lang="es-MX" dirty="0" smtClean="0"/>
-              <a:t>1: </a:t>
-            </a:r>
-            <a:r>
-              <a:rPr lang="es-MX" dirty="0" err="1" smtClean="0"/>
-              <a:t>Uncertainty</a:t>
-            </a:r>
-            <a:endParaRPr lang="es-MX" dirty="0"/>
-          </a:p>
-        </p:txBody>
-      </p:sp>
-      <p:sp>
-        <p:nvSpPr>
-          <p:cNvPr id="3" name="2 Marcador de contenido"/>
-          <p:cNvSpPr>
-            <a:spLocks noGrp="1"/>
-          </p:cNvSpPr>
-          <p:nvPr>
-            <p:ph idx="1"/>
-          </p:nvPr>
-        </p:nvSpPr>
-        <p:spPr/>
-        <p:txBody>
-          <a:bodyPr>
-            <a:normAutofit/>
-          </a:bodyPr>
-          <a:lstStyle/>
-          <a:p>
-            <a:pPr marL="0" indent="0">
-              <a:buNone/>
-            </a:pPr>
-            <a:r>
-              <a:rPr lang="es-MX" b="1" dirty="0" err="1" smtClean="0"/>
-              <a:t>Information</a:t>
-            </a:r>
-            <a:r>
-              <a:rPr lang="es-MX" b="1" dirty="0" smtClean="0"/>
-              <a:t> </a:t>
-            </a:r>
-            <a:r>
-              <a:rPr lang="es-MX" b="1" dirty="0" err="1" smtClean="0"/>
-              <a:t>is</a:t>
-            </a:r>
-            <a:r>
-              <a:rPr lang="es-MX" b="1" dirty="0" smtClean="0"/>
-              <a:t> </a:t>
-            </a:r>
-            <a:r>
-              <a:rPr lang="es-MX" b="1" dirty="0" err="1" smtClean="0"/>
-              <a:t>not</a:t>
-            </a:r>
-            <a:r>
-              <a:rPr lang="es-MX" b="1" dirty="0" smtClean="0"/>
-              <a:t> precise:</a:t>
-            </a:r>
-            <a:endParaRPr lang="es-MX" b="1" dirty="0" smtClean="0"/>
-          </a:p>
-          <a:p>
-            <a:endParaRPr lang="es-MX" dirty="0"/>
-          </a:p>
-          <a:p>
-            <a:r>
-              <a:rPr lang="es-MX" dirty="0" err="1" smtClean="0"/>
-              <a:t>Nothin</a:t>
-            </a:r>
-            <a:r>
-              <a:rPr lang="es-MX" dirty="0" err="1" smtClean="0"/>
-              <a:t>g</a:t>
-            </a:r>
-            <a:r>
-              <a:rPr lang="es-MX" dirty="0" smtClean="0"/>
-              <a:t> </a:t>
-            </a:r>
-            <a:r>
-              <a:rPr lang="es-MX" dirty="0" err="1" smtClean="0"/>
-              <a:t>appears</a:t>
-            </a:r>
-            <a:r>
-              <a:rPr lang="es-MX" dirty="0" smtClean="0"/>
-              <a:t> </a:t>
-            </a:r>
-            <a:r>
-              <a:rPr lang="es-MX" dirty="0" err="1" smtClean="0"/>
-              <a:t>exactly</a:t>
-            </a:r>
-            <a:r>
-              <a:rPr lang="es-MX" dirty="0" smtClean="0"/>
-              <a:t> </a:t>
-            </a:r>
-            <a:r>
-              <a:rPr lang="es-MX" dirty="0" err="1" smtClean="0"/>
-              <a:t>the</a:t>
-            </a:r>
-            <a:r>
-              <a:rPr lang="es-MX" dirty="0" smtClean="0"/>
-              <a:t> </a:t>
-            </a:r>
-            <a:r>
-              <a:rPr lang="es-MX" dirty="0" err="1" smtClean="0"/>
-              <a:t>same</a:t>
-            </a:r>
-            <a:r>
-              <a:rPr lang="es-MX" dirty="0" smtClean="0"/>
-              <a:t> </a:t>
-            </a:r>
-            <a:r>
-              <a:rPr lang="es-MX" dirty="0" err="1" smtClean="0"/>
-              <a:t>on</a:t>
-            </a:r>
-            <a:r>
-              <a:rPr lang="es-MX" dirty="0" smtClean="0"/>
-              <a:t> </a:t>
-            </a:r>
-            <a:r>
-              <a:rPr lang="es-MX" dirty="0" err="1" smtClean="0"/>
-              <a:t>each</a:t>
-            </a:r>
-            <a:r>
-              <a:rPr lang="es-MX" dirty="0" smtClean="0"/>
-              <a:t> </a:t>
-            </a:r>
-            <a:r>
-              <a:rPr lang="es-MX" dirty="0" err="1" smtClean="0"/>
-              <a:t>presentation</a:t>
-            </a:r>
-            <a:r>
-              <a:rPr lang="es-MX" dirty="0" smtClean="0"/>
-              <a:t>.</a:t>
-            </a:r>
-            <a:endParaRPr lang="es-MX" dirty="0" smtClean="0"/>
-          </a:p>
-          <a:p>
-            <a:endParaRPr lang="es-MX" dirty="0"/>
-          </a:p>
-          <a:p>
-            <a:r>
-              <a:rPr lang="es-MX" dirty="0" err="1" smtClean="0"/>
-              <a:t>Nothing</a:t>
-            </a:r>
-            <a:r>
-              <a:rPr lang="es-MX" dirty="0" smtClean="0"/>
-              <a:t> </a:t>
-            </a:r>
-            <a:r>
-              <a:rPr lang="es-MX" dirty="0" err="1" smtClean="0"/>
-              <a:t>is</a:t>
-            </a:r>
-            <a:r>
-              <a:rPr lang="es-MX" dirty="0" smtClean="0"/>
-              <a:t> </a:t>
-            </a:r>
-            <a:r>
-              <a:rPr lang="es-MX" dirty="0" err="1" smtClean="0"/>
-              <a:t>perceived</a:t>
-            </a:r>
-            <a:r>
-              <a:rPr lang="es-MX" dirty="0" smtClean="0"/>
-              <a:t> </a:t>
-            </a:r>
-            <a:r>
-              <a:rPr lang="es-MX" dirty="0" err="1" smtClean="0"/>
-              <a:t>exactly</a:t>
-            </a:r>
-            <a:r>
-              <a:rPr lang="es-MX" dirty="0" smtClean="0"/>
-              <a:t> </a:t>
-            </a:r>
-            <a:r>
-              <a:rPr lang="es-MX" dirty="0" err="1" smtClean="0"/>
-              <a:t>the</a:t>
-            </a:r>
-            <a:r>
-              <a:rPr lang="es-MX" dirty="0" smtClean="0"/>
-              <a:t> </a:t>
-            </a:r>
-            <a:r>
-              <a:rPr lang="es-MX" dirty="0" err="1" smtClean="0"/>
-              <a:t>same</a:t>
-            </a:r>
-            <a:r>
-              <a:rPr lang="es-MX" dirty="0" smtClean="0"/>
-              <a:t> </a:t>
-            </a:r>
-            <a:r>
-              <a:rPr lang="es-MX" dirty="0" err="1" smtClean="0"/>
-              <a:t>on</a:t>
-            </a:r>
-            <a:r>
-              <a:rPr lang="es-MX" dirty="0" smtClean="0"/>
-              <a:t> </a:t>
-            </a:r>
-            <a:r>
-              <a:rPr lang="es-MX" dirty="0" err="1" smtClean="0"/>
-              <a:t>each</a:t>
-            </a:r>
-            <a:r>
-              <a:rPr lang="es-MX" dirty="0" smtClean="0"/>
-              <a:t> </a:t>
-            </a:r>
-            <a:r>
-              <a:rPr lang="es-MX" dirty="0" err="1" smtClean="0"/>
-              <a:t>presentation</a:t>
-            </a:r>
-            <a:r>
-              <a:rPr lang="es-MX" dirty="0" smtClean="0"/>
-              <a:t>.</a:t>
-            </a:r>
-            <a:endParaRPr lang="es-MX" dirty="0" smtClean="0"/>
-          </a:p>
-        </p:txBody>
-      </p:sp>
-    </p:spTree>
-    <p:extLst>
-      <p:ext uri="{BB962C8B-B14F-4D97-AF65-F5344CB8AC3E}">
-        <p14:creationId xmlns:p14="http://schemas.microsoft.com/office/powerpoint/2010/main" val="2033290135"/>
-      </p:ext>
-    </p:extLst>
-  </p:cSld>
-  <p:clrMapOvr>
-    <a:masterClrMapping/>
-  </p:clrMapOvr>
-  <p:timing>
-    <p:tnLst>
-      <p:par>
-        <p:cTn id="1" dur="indefinite" restart="never" nodeType="tmRoot"/>
-      </p:par>
-    </p:tnLst>
-  </p:timing>
-</p:sld>
-</file>
-
-<file path=ppt/slides/slide60.xml><?xml version="1.0" encoding="utf-8"?>
+<file path=ppt/slides/slide56.xml><?xml version="1.0" encoding="utf-8"?>
 <p:sld xmlns:a="http://schemas.openxmlformats.org/drawingml/2006/main" xmlns:r="http://schemas.openxmlformats.org/officeDocument/2006/relationships" xmlns:p="http://schemas.openxmlformats.org/presentationml/2006/main">
   <p:cSld>
     <p:spTree>
@@ -16159,7 +15183,7 @@
 </p:sld>
 </file>
 
-<file path=ppt/slides/slide61.xml><?xml version="1.0" encoding="utf-8"?>
+<file path=ppt/slides/slide57.xml><?xml version="1.0" encoding="utf-8"?>
 <p:sld xmlns:a="http://schemas.openxmlformats.org/drawingml/2006/main" xmlns:r="http://schemas.openxmlformats.org/officeDocument/2006/relationships" xmlns:p="http://schemas.openxmlformats.org/presentationml/2006/main">
   <p:cSld>
     <p:spTree>
@@ -16358,7 +15382,7 @@
 </p:sld>
 </file>
 
-<file path=ppt/slides/slide62.xml><?xml version="1.0" encoding="utf-8"?>
+<file path=ppt/slides/slide58.xml><?xml version="1.0" encoding="utf-8"?>
 <p:sld xmlns:a="http://schemas.openxmlformats.org/drawingml/2006/main" xmlns:r="http://schemas.openxmlformats.org/officeDocument/2006/relationships" xmlns:p="http://schemas.openxmlformats.org/presentationml/2006/main">
   <p:cSld>
     <p:spTree>
@@ -16607,7 +15631,7 @@
 </p:sld>
 </file>
 
-<file path=ppt/slides/slide63.xml><?xml version="1.0" encoding="utf-8"?>
+<file path=ppt/slides/slide59.xml><?xml version="1.0" encoding="utf-8"?>
 <p:sld xmlns:a="http://schemas.openxmlformats.org/drawingml/2006/main" xmlns:r="http://schemas.openxmlformats.org/officeDocument/2006/relationships" xmlns:p="http://schemas.openxmlformats.org/presentationml/2006/main">
   <p:cSld>
     <p:spTree>
@@ -16748,7 +15772,276 @@
 </p:sld>
 </file>
 
-<file path=ppt/slides/slide64.xml><?xml version="1.0" encoding="utf-8"?>
+<file path=ppt/slides/slide6.xml><?xml version="1.0" encoding="utf-8"?>
+<p:sld xmlns:a="http://schemas.openxmlformats.org/drawingml/2006/main" xmlns:r="http://schemas.openxmlformats.org/officeDocument/2006/relationships" xmlns:p="http://schemas.openxmlformats.org/presentationml/2006/main">
+  <p:cSld>
+    <p:spTree>
+      <p:nvGrpSpPr>
+        <p:cNvPr id="1" name=""/>
+        <p:cNvGrpSpPr/>
+        <p:nvPr/>
+      </p:nvGrpSpPr>
+      <p:grpSpPr>
+        <a:xfrm>
+          <a:off x="0" y="0"/>
+          <a:ext cx="0" cy="0"/>
+          <a:chOff x="0" y="0"/>
+          <a:chExt cx="0" cy="0"/>
+        </a:xfrm>
+      </p:grpSpPr>
+      <p:sp>
+        <p:nvSpPr>
+          <p:cNvPr id="2" name="1 Título"/>
+          <p:cNvSpPr>
+            <a:spLocks noGrp="1"/>
+          </p:cNvSpPr>
+          <p:nvPr>
+            <p:ph type="title"/>
+          </p:nvPr>
+        </p:nvSpPr>
+        <p:spPr/>
+        <p:txBody>
+          <a:bodyPr/>
+          <a:lstStyle/>
+          <a:p>
+            <a:r>
+              <a:rPr lang="es-MX" dirty="0" err="1" smtClean="0"/>
+              <a:t>Problem</a:t>
+            </a:r>
+            <a:r>
+              <a:rPr lang="es-MX" dirty="0" smtClean="0"/>
+              <a:t> </a:t>
+            </a:r>
+            <a:r>
+              <a:rPr lang="es-MX" dirty="0" smtClean="0"/>
+              <a:t>#1</a:t>
+            </a:r>
+            <a:r>
+              <a:rPr lang="es-MX" dirty="0" smtClean="0"/>
+              <a:t>: </a:t>
+            </a:r>
+            <a:r>
+              <a:rPr lang="es-MX" dirty="0" err="1" smtClean="0"/>
+              <a:t>Uncertainty</a:t>
+            </a:r>
+            <a:endParaRPr lang="es-MX" dirty="0"/>
+          </a:p>
+        </p:txBody>
+      </p:sp>
+      <p:sp>
+        <p:nvSpPr>
+          <p:cNvPr id="3" name="2 Marcador de contenido"/>
+          <p:cNvSpPr>
+            <a:spLocks noGrp="1"/>
+          </p:cNvSpPr>
+          <p:nvPr>
+            <p:ph idx="1"/>
+          </p:nvPr>
+        </p:nvSpPr>
+        <p:spPr/>
+        <p:txBody>
+          <a:bodyPr>
+            <a:normAutofit/>
+          </a:bodyPr>
+          <a:lstStyle/>
+          <a:p>
+            <a:pPr marL="0" indent="0">
+              <a:buNone/>
+            </a:pPr>
+            <a:r>
+              <a:rPr lang="es-MX" b="1" dirty="0" err="1" smtClean="0"/>
+              <a:t>Information</a:t>
+            </a:r>
+            <a:r>
+              <a:rPr lang="es-MX" b="1" dirty="0" smtClean="0"/>
+              <a:t> </a:t>
+            </a:r>
+            <a:r>
+              <a:rPr lang="es-MX" b="1" dirty="0" err="1" smtClean="0"/>
+              <a:t>is</a:t>
+            </a:r>
+            <a:r>
+              <a:rPr lang="es-MX" b="1" dirty="0" smtClean="0"/>
+              <a:t> </a:t>
+            </a:r>
+            <a:r>
+              <a:rPr lang="es-MX" b="1" dirty="0" err="1" smtClean="0"/>
+              <a:t>not</a:t>
+            </a:r>
+            <a:r>
+              <a:rPr lang="es-MX" b="1" dirty="0" smtClean="0"/>
+              <a:t> precise:</a:t>
+            </a:r>
+          </a:p>
+          <a:p>
+            <a:endParaRPr lang="es-MX" dirty="0"/>
+          </a:p>
+          <a:p>
+            <a:r>
+              <a:rPr lang="es-MX" dirty="0" err="1" smtClean="0"/>
+              <a:t>Nothing</a:t>
+            </a:r>
+            <a:r>
+              <a:rPr lang="es-MX" dirty="0" smtClean="0"/>
+              <a:t> </a:t>
+            </a:r>
+            <a:r>
+              <a:rPr lang="es-MX" dirty="0" err="1" smtClean="0"/>
+              <a:t>appears</a:t>
+            </a:r>
+            <a:r>
+              <a:rPr lang="es-MX" dirty="0" smtClean="0"/>
+              <a:t> </a:t>
+            </a:r>
+            <a:r>
+              <a:rPr lang="es-MX" dirty="0" err="1" smtClean="0"/>
+              <a:t>exactly</a:t>
+            </a:r>
+            <a:r>
+              <a:rPr lang="es-MX" dirty="0" smtClean="0"/>
+              <a:t> </a:t>
+            </a:r>
+            <a:r>
+              <a:rPr lang="es-MX" dirty="0" err="1" smtClean="0"/>
+              <a:t>the</a:t>
+            </a:r>
+            <a:r>
+              <a:rPr lang="es-MX" dirty="0" smtClean="0"/>
+              <a:t> </a:t>
+            </a:r>
+            <a:r>
+              <a:rPr lang="es-MX" dirty="0" err="1" smtClean="0"/>
+              <a:t>same</a:t>
+            </a:r>
+            <a:r>
+              <a:rPr lang="es-MX" dirty="0" smtClean="0"/>
+              <a:t> </a:t>
+            </a:r>
+            <a:r>
+              <a:rPr lang="es-MX" dirty="0" err="1" smtClean="0"/>
+              <a:t>on</a:t>
+            </a:r>
+            <a:r>
+              <a:rPr lang="es-MX" dirty="0" smtClean="0"/>
+              <a:t> </a:t>
+            </a:r>
+            <a:r>
+              <a:rPr lang="es-MX" dirty="0" err="1" smtClean="0"/>
+              <a:t>each</a:t>
+            </a:r>
+            <a:r>
+              <a:rPr lang="es-MX" dirty="0" smtClean="0"/>
+              <a:t> </a:t>
+            </a:r>
+            <a:r>
+              <a:rPr lang="es-MX" dirty="0" err="1" smtClean="0"/>
+              <a:t>presentation</a:t>
+            </a:r>
+            <a:r>
+              <a:rPr lang="es-MX" dirty="0" smtClean="0"/>
+              <a:t>.</a:t>
+            </a:r>
+          </a:p>
+          <a:p>
+            <a:endParaRPr lang="es-MX" dirty="0"/>
+          </a:p>
+          <a:p>
+            <a:r>
+              <a:rPr lang="es-MX" dirty="0" err="1" smtClean="0"/>
+              <a:t>Nothing</a:t>
+            </a:r>
+            <a:r>
+              <a:rPr lang="es-MX" dirty="0" smtClean="0"/>
+              <a:t> </a:t>
+            </a:r>
+            <a:r>
+              <a:rPr lang="es-MX" dirty="0" err="1" smtClean="0"/>
+              <a:t>is</a:t>
+            </a:r>
+            <a:r>
+              <a:rPr lang="es-MX" dirty="0" smtClean="0"/>
+              <a:t> </a:t>
+            </a:r>
+            <a:r>
+              <a:rPr lang="es-MX" dirty="0" err="1" smtClean="0"/>
+              <a:t>perceived</a:t>
+            </a:r>
+            <a:r>
+              <a:rPr lang="es-MX" dirty="0" smtClean="0"/>
+              <a:t> </a:t>
+            </a:r>
+            <a:r>
+              <a:rPr lang="es-MX" dirty="0" err="1" smtClean="0"/>
+              <a:t>exactly</a:t>
+            </a:r>
+            <a:r>
+              <a:rPr lang="es-MX" dirty="0" smtClean="0"/>
+              <a:t> </a:t>
+            </a:r>
+            <a:r>
+              <a:rPr lang="es-MX" dirty="0" err="1" smtClean="0"/>
+              <a:t>the</a:t>
+            </a:r>
+            <a:r>
+              <a:rPr lang="es-MX" dirty="0" smtClean="0"/>
+              <a:t> </a:t>
+            </a:r>
+            <a:r>
+              <a:rPr lang="es-MX" dirty="0" err="1" smtClean="0"/>
+              <a:t>same</a:t>
+            </a:r>
+            <a:r>
+              <a:rPr lang="es-MX" dirty="0" smtClean="0"/>
+              <a:t> </a:t>
+            </a:r>
+            <a:r>
+              <a:rPr lang="es-MX" dirty="0" err="1" smtClean="0"/>
+              <a:t>on</a:t>
+            </a:r>
+            <a:r>
+              <a:rPr lang="es-MX" dirty="0" smtClean="0"/>
+              <a:t> </a:t>
+            </a:r>
+            <a:r>
+              <a:rPr lang="es-MX" dirty="0" err="1" smtClean="0"/>
+              <a:t>each</a:t>
+            </a:r>
+            <a:r>
+              <a:rPr lang="es-MX" dirty="0" smtClean="0"/>
+              <a:t> </a:t>
+            </a:r>
+            <a:r>
+              <a:rPr lang="es-MX" dirty="0" err="1" smtClean="0"/>
+              <a:t>presentation</a:t>
+            </a:r>
+            <a:r>
+              <a:rPr lang="es-MX" dirty="0" smtClean="0"/>
+              <a:t>.</a:t>
+            </a:r>
+          </a:p>
+        </p:txBody>
+      </p:sp>
+    </p:spTree>
+    <p:extLst>
+      <p:ext uri="{BB962C8B-B14F-4D97-AF65-F5344CB8AC3E}">
+        <p14:creationId xmlns:p14="http://schemas.microsoft.com/office/powerpoint/2010/main" val="2033290135"/>
+      </p:ext>
+    </p:extLst>
+  </p:cSld>
+  <p:clrMapOvr>
+    <a:masterClrMapping/>
+  </p:clrMapOvr>
+  <p:timing>
+    <p:tnLst>
+      <p:par>
+        <p:cTn id="1" dur="indefinite" restart="never" nodeType="tmRoot"/>
+      </p:par>
+    </p:tnLst>
+  </p:timing>
+</p:sld>
+</file>
+
+<file path=ppt/slides/slide60.xml><?xml version="1.0" encoding="utf-8"?>
 <p:sld xmlns:a="http://schemas.openxmlformats.org/drawingml/2006/main" xmlns:r="http://schemas.openxmlformats.org/officeDocument/2006/relationships" xmlns:p="http://schemas.openxmlformats.org/presentationml/2006/main">
   <p:cSld>
     <p:spTree>
@@ -16870,7 +16163,7 @@
 </p:sld>
 </file>
 
-<file path=ppt/slides/slide65.xml><?xml version="1.0" encoding="utf-8"?>
+<file path=ppt/slides/slide61.xml><?xml version="1.0" encoding="utf-8"?>
 <p:sld xmlns:a="http://schemas.openxmlformats.org/drawingml/2006/main" xmlns:r="http://schemas.openxmlformats.org/officeDocument/2006/relationships" xmlns:p="http://schemas.openxmlformats.org/presentationml/2006/main">
   <p:cSld>
     <p:spTree>
@@ -16992,7 +16285,7 @@
 </p:sld>
 </file>
 
-<file path=ppt/slides/slide66.xml><?xml version="1.0" encoding="utf-8"?>
+<file path=ppt/slides/slide62.xml><?xml version="1.0" encoding="utf-8"?>
 <p:sld xmlns:a="http://schemas.openxmlformats.org/drawingml/2006/main" xmlns:r="http://schemas.openxmlformats.org/officeDocument/2006/relationships" xmlns:p="http://schemas.openxmlformats.org/presentationml/2006/main">
   <p:cSld>
     <p:spTree>
@@ -17072,7 +16365,7 @@
 </p:sld>
 </file>
 
-<file path=ppt/slides/slide67.xml><?xml version="1.0" encoding="utf-8"?>
+<file path=ppt/slides/slide63.xml><?xml version="1.0" encoding="utf-8"?>
 <p:sld xmlns:a="http://schemas.openxmlformats.org/drawingml/2006/main" xmlns:r="http://schemas.openxmlformats.org/officeDocument/2006/relationships" xmlns:p="http://schemas.openxmlformats.org/presentationml/2006/main">
   <p:cSld>
     <p:spTree>
@@ -17206,7 +16499,7 @@
 </p:sld>
 </file>
 
-<file path=ppt/slides/slide68.xml><?xml version="1.0" encoding="utf-8"?>
+<file path=ppt/slides/slide64.xml><?xml version="1.0" encoding="utf-8"?>
 <p:sld xmlns:a="http://schemas.openxmlformats.org/drawingml/2006/main" xmlns:r="http://schemas.openxmlformats.org/officeDocument/2006/relationships" xmlns:p="http://schemas.openxmlformats.org/presentationml/2006/main">
   <p:cSld>
     <p:spTree>
@@ -17415,7 +16708,7 @@
 </p:sld>
 </file>
 
-<file path=ppt/slides/slide69.xml><?xml version="1.0" encoding="utf-8"?>
+<file path=ppt/slides/slide65.xml><?xml version="1.0" encoding="utf-8"?>
 <p:sld xmlns:a="http://schemas.openxmlformats.org/drawingml/2006/main" xmlns:r="http://schemas.openxmlformats.org/officeDocument/2006/relationships" xmlns:p="http://schemas.openxmlformats.org/presentationml/2006/main">
   <p:cSld>
     <p:spTree>
@@ -17592,11 +16885,7 @@
             </a:r>
             <a:r>
               <a:rPr lang="es-MX" dirty="0" smtClean="0"/>
-              <a:t> </a:t>
-            </a:r>
-            <a:r>
-              <a:rPr lang="es-MX" dirty="0" smtClean="0"/>
-              <a:t>2: </a:t>
+              <a:t> 2: </a:t>
             </a:r>
             <a:r>
               <a:rPr lang="es-MX" dirty="0" err="1" smtClean="0"/>
@@ -17680,11 +16969,7 @@
             </a:pPr>
             <a:r>
               <a:rPr lang="es-MX" dirty="0" smtClean="0"/>
-              <a:t>… </a:t>
-            </a:r>
-            <a:r>
-              <a:rPr lang="es-MX" dirty="0" smtClean="0"/>
-              <a:t>and </a:t>
+              <a:t>… and </a:t>
             </a:r>
             <a:r>
               <a:rPr lang="es-MX" dirty="0" err="1" smtClean="0"/>
@@ -18018,8 +17303,40 @@
           <a:lstStyle/>
           <a:p>
             <a:r>
-              <a:rPr lang="es-MX" dirty="0" smtClean="0"/>
-              <a:t>Los dos componentes de la teoría</a:t>
+              <a:rPr lang="es-MX" dirty="0" err="1" smtClean="0"/>
+              <a:t>Two</a:t>
+            </a:r>
+            <a:r>
+              <a:rPr lang="es-MX" dirty="0" smtClean="0"/>
+              <a:t> </a:t>
+            </a:r>
+            <a:r>
+              <a:rPr lang="es-MX" dirty="0" err="1" smtClean="0"/>
+              <a:t>main</a:t>
+            </a:r>
+            <a:r>
+              <a:rPr lang="es-MX" dirty="0" smtClean="0"/>
+              <a:t> </a:t>
+            </a:r>
+            <a:r>
+              <a:rPr lang="es-MX" dirty="0" err="1" smtClean="0"/>
+              <a:t>ingredients</a:t>
+            </a:r>
+            <a:r>
+              <a:rPr lang="es-MX" dirty="0" smtClean="0"/>
+              <a:t> of </a:t>
+            </a:r>
+            <a:r>
+              <a:rPr lang="es-MX" dirty="0" err="1" smtClean="0"/>
+              <a:t>th</a:t>
+            </a:r>
+            <a:r>
+              <a:rPr lang="es-MX" dirty="0" err="1" smtClean="0"/>
+              <a:t>e</a:t>
+            </a:r>
+            <a:r>
+              <a:rPr lang="es-MX" dirty="0" smtClean="0"/>
+              <a:t> SDT</a:t>
             </a:r>
             <a:endParaRPr lang="es-MX" dirty="0"/>
           </a:p>
